--- a/Path Finders.pptx
+++ b/Path Finders.pptx
@@ -1876,7 +1876,7 @@
 <dgm:dataModel xmlns:dgm="http://schemas.openxmlformats.org/drawingml/2006/diagram" xmlns:a="http://schemas.openxmlformats.org/drawingml/2006/main">
   <dgm:ptLst>
     <dgm:pt modelId="{24C3E6DA-41E9-4415-A941-A9C122814AA9}" type="doc">
-      <dgm:prSet loTypeId="urn:microsoft.com/office/officeart/2016/7/layout/VerticalSolidActionList" loCatId="List" qsTypeId="urn:microsoft.com/office/officeart/2005/8/quickstyle/simple1" qsCatId="simple" csTypeId="urn:microsoft.com/office/officeart/2005/8/colors/colorful2" csCatId="colorful"/>
+      <dgm:prSet loTypeId="urn:microsoft.com/office/officeart/2016/7/layout/VerticalSolidActionList" loCatId="List" qsTypeId="urn:microsoft.com/office/officeart/2005/8/quickstyle/3d2" qsCatId="3D" csTypeId="urn:microsoft.com/office/officeart/2005/8/colors/colorful2" csCatId="colorful" phldr="1"/>
       <dgm:spPr/>
       <dgm:t>
         <a:bodyPr/>
@@ -2219,15 +2219,7 @@
         <a:p>
           <a:r>
             <a:rPr lang="en-US" dirty="0"/>
-            <a:t>Push data to a PostgreSQL DB as we need a structured </a:t>
-          </a:r>
-          <a:r>
-            <a:rPr lang="en-US" dirty="0" err="1"/>
-            <a:t>db</a:t>
-          </a:r>
-          <a:r>
-            <a:rPr lang="en-US" dirty="0"/>
-            <a:t>:</a:t>
+            <a:t>Push data to a PostgreSQL DB as we need a structured db.:</a:t>
           </a:r>
         </a:p>
       </dgm:t>
@@ -2262,8 +2254,8 @@
         <a:lstStyle/>
         <a:p>
           <a:r>
-            <a:rPr lang="en-US"/>
-            <a:t>Nonbinary data</a:t>
+            <a:rPr lang="en-US" dirty="0"/>
+            <a:t>Nonbinary data | Need to create Facts and Dims for reporting use</a:t>
           </a:r>
         </a:p>
       </dgm:t>
@@ -2280,42 +2272,6 @@
       </dgm:t>
     </dgm:pt>
     <dgm:pt modelId="{26D0A6F0-F594-4BE4-B2E1-2A17356AAD34}" type="sibTrans" cxnId="{2FAEE559-A118-48F5-8D2D-9A879A4FCD0C}">
-      <dgm:prSet/>
-      <dgm:spPr/>
-      <dgm:t>
-        <a:bodyPr/>
-        <a:lstStyle/>
-        <a:p>
-          <a:endParaRPr lang="en-US"/>
-        </a:p>
-      </dgm:t>
-    </dgm:pt>
-    <dgm:pt modelId="{21221324-31BF-4B68-92CB-17D938D90147}">
-      <dgm:prSet/>
-      <dgm:spPr/>
-      <dgm:t>
-        <a:bodyPr/>
-        <a:lstStyle/>
-        <a:p>
-          <a:r>
-            <a:rPr lang="en-US"/>
-            <a:t>Need to create Facts and Dims for reporting use</a:t>
-          </a:r>
-        </a:p>
-      </dgm:t>
-    </dgm:pt>
-    <dgm:pt modelId="{6181BE22-8C9C-49E1-855C-936EBD0DF2B7}" type="parTrans" cxnId="{70250121-D5A0-40AD-BAFB-72662512B2E7}">
-      <dgm:prSet/>
-      <dgm:spPr/>
-      <dgm:t>
-        <a:bodyPr/>
-        <a:lstStyle/>
-        <a:p>
-          <a:endParaRPr lang="en-US"/>
-        </a:p>
-      </dgm:t>
-    </dgm:pt>
-    <dgm:pt modelId="{97FCFE95-7094-46DC-806A-787F47AD16E2}" type="sibTrans" cxnId="{70250121-D5A0-40AD-BAFB-72662512B2E7}">
       <dgm:prSet/>
       <dgm:spPr/>
       <dgm:t>
@@ -2557,7 +2513,6 @@
   </dgm:ptLst>
   <dgm:cxnLst>
     <dgm:cxn modelId="{09EB430B-56B9-40F3-A81E-A26B2D95AECA}" srcId="{52023813-F537-4FFC-8461-34E406241BD7}" destId="{E6A1CBB3-4722-4838-8D8E-2FE4828199C0}" srcOrd="0" destOrd="0" parTransId="{207FFBFE-A2C3-4A33-9C9E-EBC3D16230E2}" sibTransId="{16E34A34-05F6-4FD2-9C56-939D4FEB7CB7}"/>
-    <dgm:cxn modelId="{70250121-D5A0-40AD-BAFB-72662512B2E7}" srcId="{BE389E80-34EB-447E-B18E-79BC0F10E91A}" destId="{21221324-31BF-4B68-92CB-17D938D90147}" srcOrd="1" destOrd="0" parTransId="{6181BE22-8C9C-49E1-855C-936EBD0DF2B7}" sibTransId="{97FCFE95-7094-46DC-806A-787F47AD16E2}"/>
     <dgm:cxn modelId="{10253426-A60A-4818-8744-36C6EA9CC707}" type="presOf" srcId="{0A509A63-884A-493E-8237-E62051CF0091}" destId="{D02BAFB6-14FB-410B-B0AD-B9EFBDF6280F}" srcOrd="0" destOrd="0" presId="urn:microsoft.com/office/officeart/2016/7/layout/VerticalSolidActionList"/>
     <dgm:cxn modelId="{E845D82D-CB79-4C46-9D6E-40B7899A51B8}" srcId="{24C3E6DA-41E9-4415-A941-A9C122814AA9}" destId="{37585F4A-24EE-411B-9C6D-8E9DC97B70AF}" srcOrd="4" destOrd="0" parTransId="{E022F42E-292F-461D-9A86-29FE206F5297}" sibTransId="{33AEFCE9-7543-49FF-A178-54765606DB18}"/>
     <dgm:cxn modelId="{2BB36333-3E98-4533-8C88-B7466CEE6586}" type="presOf" srcId="{0C0C0081-532C-455B-BC2A-8AF26A5B40F5}" destId="{55800021-2054-4153-86C0-BED28D25ED31}" srcOrd="0" destOrd="0" presId="urn:microsoft.com/office/officeart/2016/7/layout/VerticalSolidActionList"/>
@@ -2571,9 +2526,8 @@
     <dgm:cxn modelId="{22739E70-41F0-403D-8C6F-97AD42DFE63F}" type="presOf" srcId="{24C3E6DA-41E9-4415-A941-A9C122814AA9}" destId="{DA52F8D2-DF14-4D78-B9A1-3F5331709B41}" srcOrd="0" destOrd="0" presId="urn:microsoft.com/office/officeart/2016/7/layout/VerticalSolidActionList"/>
     <dgm:cxn modelId="{90C4DE73-11F2-4249-AF46-570817DBDF5B}" type="presOf" srcId="{63C3A3DD-CCB7-442E-86FD-12C975834A22}" destId="{50B073A5-61B2-4B89-8501-9D14C3E801F8}" srcOrd="0" destOrd="0" presId="urn:microsoft.com/office/officeart/2016/7/layout/VerticalSolidActionList"/>
     <dgm:cxn modelId="{14109654-55E5-4F8C-9109-1022CBD3BB96}" srcId="{799BDC9A-8D3F-4D09-A93A-8833E213BB5F}" destId="{0A509A63-884A-493E-8237-E62051CF0091}" srcOrd="0" destOrd="0" parTransId="{CF967013-D01D-4201-9787-3678DDEA66D7}" sibTransId="{958525EA-D1A0-42B4-B27E-AA55BCF7B084}"/>
-    <dgm:cxn modelId="{2FAEE559-A118-48F5-8D2D-9A879A4FCD0C}" srcId="{BE389E80-34EB-447E-B18E-79BC0F10E91A}" destId="{3E7914AF-84D7-4B45-9F07-95A3B3E228B0}" srcOrd="0" destOrd="0" parTransId="{475F9B66-B1BC-407E-86CE-1F98E0683906}" sibTransId="{26D0A6F0-F594-4BE4-B2E1-2A17356AAD34}"/>
+    <dgm:cxn modelId="{2FAEE559-A118-48F5-8D2D-9A879A4FCD0C}" srcId="{37585F4A-24EE-411B-9C6D-8E9DC97B70AF}" destId="{3E7914AF-84D7-4B45-9F07-95A3B3E228B0}" srcOrd="1" destOrd="0" parTransId="{475F9B66-B1BC-407E-86CE-1F98E0683906}" sibTransId="{26D0A6F0-F594-4BE4-B2E1-2A17356AAD34}"/>
     <dgm:cxn modelId="{F55D167A-B93C-4CC9-96E3-A580CCE373EB}" srcId="{63C3A3DD-CCB7-442E-86FD-12C975834A22}" destId="{B988A1CE-AF25-4475-A7F7-0D43311EDA43}" srcOrd="0" destOrd="0" parTransId="{E10A4A66-31C5-4007-AD71-C00E3D4A5F84}" sibTransId="{15FF327D-D0DD-404B-9B9C-5C36F20E598D}"/>
-    <dgm:cxn modelId="{0D34EE81-0338-4A06-A44C-162A6228B956}" type="presOf" srcId="{21221324-31BF-4B68-92CB-17D938D90147}" destId="{823FDB17-C754-4505-BE43-AC6D7FCFF720}" srcOrd="0" destOrd="2" presId="urn:microsoft.com/office/officeart/2016/7/layout/VerticalSolidActionList"/>
     <dgm:cxn modelId="{2BCDD188-F5CF-4B9E-B2F9-683DA944B650}" srcId="{24C3E6DA-41E9-4415-A941-A9C122814AA9}" destId="{63C3A3DD-CCB7-442E-86FD-12C975834A22}" srcOrd="5" destOrd="0" parTransId="{CC182B56-27A3-418A-8B86-475AEEFD0F7D}" sibTransId="{DCFEBE5A-9CD7-4678-8189-D36FC6468181}"/>
     <dgm:cxn modelId="{3CEAEE95-E4B8-4988-B5E9-2D06B8E24350}" type="presOf" srcId="{799BDC9A-8D3F-4D09-A93A-8833E213BB5F}" destId="{2FBF3AFF-316A-4A2F-9C17-0614534A7482}" srcOrd="0" destOrd="0" presId="urn:microsoft.com/office/officeart/2016/7/layout/VerticalSolidActionList"/>
     <dgm:cxn modelId="{7A4FF49D-5F22-4603-8127-8032DDEA3CF0}" type="presOf" srcId="{7FDCC3AC-B8CB-4420-88B7-7C1AC1FCFC6A}" destId="{BBEA89B8-D7BC-4D0C-BFD4-9CF8BB79C716}" srcOrd="0" destOrd="0" presId="urn:microsoft.com/office/officeart/2016/7/layout/VerticalSolidActionList"/>
@@ -2934,7 +2888,7 @@
             <a:alphaOff val="0"/>
           </a:schemeClr>
         </a:solidFill>
-        <a:ln w="15875" cap="flat" cmpd="sng" algn="ctr">
+        <a:ln w="12700" cap="flat" cmpd="sng" algn="ctr">
           <a:solidFill>
             <a:schemeClr val="accent2">
               <a:tint val="40000"/>
@@ -2947,16 +2901,35 @@
           </a:solidFill>
           <a:prstDash val="solid"/>
         </a:ln>
-        <a:effectLst/>
+        <a:effectLst>
+          <a:outerShdw blurRad="38100" dist="25400" dir="2700000" algn="br" rotWithShape="0">
+            <a:srgbClr val="000000">
+              <a:alpha val="60000"/>
+            </a:srgbClr>
+          </a:outerShdw>
+        </a:effectLst>
+        <a:scene3d>
+          <a:camera prst="orthographicFront"/>
+          <a:lightRig rig="threePt" dir="t">
+            <a:rot lat="0" lon="0" rev="7500000"/>
+          </a:lightRig>
+        </a:scene3d>
+        <a:sp3d extrusionH="190500" prstMaterial="dkEdge">
+          <a:bevelT w="120650" h="38100" prst="relaxedInset"/>
+          <a:bevelB w="120650" h="57150" prst="relaxedInset"/>
+          <a:contourClr>
+            <a:schemeClr val="bg1"/>
+          </a:contourClr>
+        </a:sp3d>
       </dsp:spPr>
       <dsp:style>
-        <a:lnRef idx="2">
+        <a:lnRef idx="1">
           <a:scrgbClr r="0" g="0" b="0"/>
         </a:lnRef>
         <a:fillRef idx="1">
           <a:scrgbClr r="0" g="0" b="0"/>
         </a:fillRef>
-        <a:effectRef idx="0">
+        <a:effectRef idx="2">
           <a:scrgbClr r="0" g="0" b="0"/>
         </a:effectRef>
         <a:fontRef idx="minor"/>
@@ -3003,35 +2976,83 @@
         <a:prstGeom prst="rect">
           <a:avLst/>
         </a:prstGeom>
-        <a:solidFill>
-          <a:schemeClr val="accent2">
-            <a:hueOff val="0"/>
-            <a:satOff val="0"/>
-            <a:lumOff val="0"/>
-            <a:alphaOff val="0"/>
-          </a:schemeClr>
-        </a:solidFill>
-        <a:ln w="15875" cap="flat" cmpd="sng" algn="ctr">
-          <a:solidFill>
-            <a:schemeClr val="accent2">
-              <a:hueOff val="0"/>
-              <a:satOff val="0"/>
-              <a:lumOff val="0"/>
-              <a:alphaOff val="0"/>
-            </a:schemeClr>
-          </a:solidFill>
-          <a:prstDash val="solid"/>
+        <a:gradFill rotWithShape="0">
+          <a:gsLst>
+            <a:gs pos="0">
+              <a:schemeClr val="accent2">
+                <a:hueOff val="0"/>
+                <a:satOff val="0"/>
+                <a:lumOff val="0"/>
+                <a:alphaOff val="0"/>
+                <a:shade val="85000"/>
+                <a:satMod val="130000"/>
+              </a:schemeClr>
+            </a:gs>
+            <a:gs pos="34000">
+              <a:schemeClr val="accent2">
+                <a:hueOff val="0"/>
+                <a:satOff val="0"/>
+                <a:lumOff val="0"/>
+                <a:alphaOff val="0"/>
+                <a:shade val="87000"/>
+                <a:satMod val="125000"/>
+              </a:schemeClr>
+            </a:gs>
+            <a:gs pos="70000">
+              <a:schemeClr val="accent2">
+                <a:hueOff val="0"/>
+                <a:satOff val="0"/>
+                <a:lumOff val="0"/>
+                <a:alphaOff val="0"/>
+                <a:tint val="100000"/>
+                <a:shade val="90000"/>
+                <a:satMod val="130000"/>
+              </a:schemeClr>
+            </a:gs>
+            <a:gs pos="100000">
+              <a:schemeClr val="accent2">
+                <a:hueOff val="0"/>
+                <a:satOff val="0"/>
+                <a:lumOff val="0"/>
+                <a:alphaOff val="0"/>
+                <a:tint val="100000"/>
+                <a:shade val="100000"/>
+                <a:satMod val="110000"/>
+              </a:schemeClr>
+            </a:gs>
+          </a:gsLst>
+          <a:path path="circle">
+            <a:fillToRect l="100000" t="100000" r="100000" b="100000"/>
+          </a:path>
+        </a:gradFill>
+        <a:ln>
+          <a:noFill/>
         </a:ln>
-        <a:effectLst/>
+        <a:effectLst>
+          <a:outerShdw blurRad="38100" dist="25400" dir="2700000" algn="br" rotWithShape="0">
+            <a:srgbClr val="000000">
+              <a:alpha val="60000"/>
+            </a:srgbClr>
+          </a:outerShdw>
+        </a:effectLst>
+        <a:scene3d>
+          <a:camera prst="orthographicFront"/>
+          <a:lightRig rig="threePt" dir="t">
+            <a:rot lat="0" lon="0" rev="7500000"/>
+          </a:lightRig>
+        </a:scene3d>
+        <a:sp3d prstMaterial="plastic">
+          <a:bevelT w="127000" h="25400" prst="relaxedInset"/>
+        </a:sp3d>
       </dsp:spPr>
       <dsp:style>
-        <a:lnRef idx="2">
+        <a:lnRef idx="0">
           <a:scrgbClr r="0" g="0" b="0"/>
         </a:lnRef>
-        <a:fillRef idx="1">
+        <a:fillRef idx="3">
           <a:scrgbClr r="0" g="0" b="0"/>
         </a:fillRef>
-        <a:effectRef idx="0">
+        <a:effectRef idx="2">
           <a:scrgbClr r="0" g="0" b="0"/>
         </a:effectRef>
         <a:fontRef idx="minor">
@@ -3090,7 +3111,7 @@
             <a:alphaOff val="0"/>
           </a:schemeClr>
         </a:solidFill>
-        <a:ln w="15875" cap="flat" cmpd="sng" algn="ctr">
+        <a:ln w="12700" cap="flat" cmpd="sng" algn="ctr">
           <a:solidFill>
             <a:schemeClr val="accent2">
               <a:tint val="40000"/>
@@ -3103,16 +3124,35 @@
           </a:solidFill>
           <a:prstDash val="solid"/>
         </a:ln>
-        <a:effectLst/>
+        <a:effectLst>
+          <a:outerShdw blurRad="38100" dist="25400" dir="2700000" algn="br" rotWithShape="0">
+            <a:srgbClr val="000000">
+              <a:alpha val="60000"/>
+            </a:srgbClr>
+          </a:outerShdw>
+        </a:effectLst>
+        <a:scene3d>
+          <a:camera prst="orthographicFront"/>
+          <a:lightRig rig="threePt" dir="t">
+            <a:rot lat="0" lon="0" rev="7500000"/>
+          </a:lightRig>
+        </a:scene3d>
+        <a:sp3d extrusionH="190500" prstMaterial="dkEdge">
+          <a:bevelT w="120650" h="38100" prst="relaxedInset"/>
+          <a:bevelB w="120650" h="57150" prst="relaxedInset"/>
+          <a:contourClr>
+            <a:schemeClr val="bg1"/>
+          </a:contourClr>
+        </a:sp3d>
       </dsp:spPr>
       <dsp:style>
-        <a:lnRef idx="2">
+        <a:lnRef idx="1">
           <a:scrgbClr r="0" g="0" b="0"/>
         </a:lnRef>
         <a:fillRef idx="1">
           <a:scrgbClr r="0" g="0" b="0"/>
         </a:fillRef>
-        <a:effectRef idx="0">
+        <a:effectRef idx="2">
           <a:scrgbClr r="0" g="0" b="0"/>
         </a:effectRef>
         <a:fontRef idx="minor"/>
@@ -3159,35 +3199,83 @@
         <a:prstGeom prst="rect">
           <a:avLst/>
         </a:prstGeom>
-        <a:solidFill>
-          <a:schemeClr val="accent2">
-            <a:hueOff val="7071"/>
-            <a:satOff val="-6897"/>
-            <a:lumOff val="-353"/>
-            <a:alphaOff val="0"/>
-          </a:schemeClr>
-        </a:solidFill>
-        <a:ln w="15875" cap="flat" cmpd="sng" algn="ctr">
-          <a:solidFill>
-            <a:schemeClr val="accent2">
-              <a:hueOff val="7071"/>
-              <a:satOff val="-6897"/>
-              <a:lumOff val="-353"/>
-              <a:alphaOff val="0"/>
-            </a:schemeClr>
-          </a:solidFill>
-          <a:prstDash val="solid"/>
+        <a:gradFill rotWithShape="0">
+          <a:gsLst>
+            <a:gs pos="0">
+              <a:schemeClr val="accent2">
+                <a:hueOff val="7071"/>
+                <a:satOff val="-6897"/>
+                <a:lumOff val="-353"/>
+                <a:alphaOff val="0"/>
+                <a:shade val="85000"/>
+                <a:satMod val="130000"/>
+              </a:schemeClr>
+            </a:gs>
+            <a:gs pos="34000">
+              <a:schemeClr val="accent2">
+                <a:hueOff val="7071"/>
+                <a:satOff val="-6897"/>
+                <a:lumOff val="-353"/>
+                <a:alphaOff val="0"/>
+                <a:shade val="87000"/>
+                <a:satMod val="125000"/>
+              </a:schemeClr>
+            </a:gs>
+            <a:gs pos="70000">
+              <a:schemeClr val="accent2">
+                <a:hueOff val="7071"/>
+                <a:satOff val="-6897"/>
+                <a:lumOff val="-353"/>
+                <a:alphaOff val="0"/>
+                <a:tint val="100000"/>
+                <a:shade val="90000"/>
+                <a:satMod val="130000"/>
+              </a:schemeClr>
+            </a:gs>
+            <a:gs pos="100000">
+              <a:schemeClr val="accent2">
+                <a:hueOff val="7071"/>
+                <a:satOff val="-6897"/>
+                <a:lumOff val="-353"/>
+                <a:alphaOff val="0"/>
+                <a:tint val="100000"/>
+                <a:shade val="100000"/>
+                <a:satMod val="110000"/>
+              </a:schemeClr>
+            </a:gs>
+          </a:gsLst>
+          <a:path path="circle">
+            <a:fillToRect l="100000" t="100000" r="100000" b="100000"/>
+          </a:path>
+        </a:gradFill>
+        <a:ln>
+          <a:noFill/>
         </a:ln>
-        <a:effectLst/>
+        <a:effectLst>
+          <a:outerShdw blurRad="38100" dist="25400" dir="2700000" algn="br" rotWithShape="0">
+            <a:srgbClr val="000000">
+              <a:alpha val="60000"/>
+            </a:srgbClr>
+          </a:outerShdw>
+        </a:effectLst>
+        <a:scene3d>
+          <a:camera prst="orthographicFront"/>
+          <a:lightRig rig="threePt" dir="t">
+            <a:rot lat="0" lon="0" rev="7500000"/>
+          </a:lightRig>
+        </a:scene3d>
+        <a:sp3d prstMaterial="plastic">
+          <a:bevelT w="127000" h="25400" prst="relaxedInset"/>
+        </a:sp3d>
       </dsp:spPr>
       <dsp:style>
-        <a:lnRef idx="2">
+        <a:lnRef idx="0">
           <a:scrgbClr r="0" g="0" b="0"/>
         </a:lnRef>
-        <a:fillRef idx="1">
+        <a:fillRef idx="3">
           <a:scrgbClr r="0" g="0" b="0"/>
         </a:fillRef>
-        <a:effectRef idx="0">
+        <a:effectRef idx="2">
           <a:scrgbClr r="0" g="0" b="0"/>
         </a:effectRef>
         <a:fontRef idx="minor">
@@ -3246,7 +3334,7 @@
             <a:alphaOff val="0"/>
           </a:schemeClr>
         </a:solidFill>
-        <a:ln w="15875" cap="flat" cmpd="sng" algn="ctr">
+        <a:ln w="12700" cap="flat" cmpd="sng" algn="ctr">
           <a:solidFill>
             <a:schemeClr val="accent2">
               <a:tint val="40000"/>
@@ -3259,16 +3347,35 @@
           </a:solidFill>
           <a:prstDash val="solid"/>
         </a:ln>
-        <a:effectLst/>
+        <a:effectLst>
+          <a:outerShdw blurRad="38100" dist="25400" dir="2700000" algn="br" rotWithShape="0">
+            <a:srgbClr val="000000">
+              <a:alpha val="60000"/>
+            </a:srgbClr>
+          </a:outerShdw>
+        </a:effectLst>
+        <a:scene3d>
+          <a:camera prst="orthographicFront"/>
+          <a:lightRig rig="threePt" dir="t">
+            <a:rot lat="0" lon="0" rev="7500000"/>
+          </a:lightRig>
+        </a:scene3d>
+        <a:sp3d extrusionH="190500" prstMaterial="dkEdge">
+          <a:bevelT w="120650" h="38100" prst="relaxedInset"/>
+          <a:bevelB w="120650" h="57150" prst="relaxedInset"/>
+          <a:contourClr>
+            <a:schemeClr val="bg1"/>
+          </a:contourClr>
+        </a:sp3d>
       </dsp:spPr>
       <dsp:style>
-        <a:lnRef idx="2">
+        <a:lnRef idx="1">
           <a:scrgbClr r="0" g="0" b="0"/>
         </a:lnRef>
         <a:fillRef idx="1">
           <a:scrgbClr r="0" g="0" b="0"/>
         </a:fillRef>
-        <a:effectRef idx="0">
+        <a:effectRef idx="2">
           <a:scrgbClr r="0" g="0" b="0"/>
         </a:effectRef>
         <a:fontRef idx="minor"/>
@@ -3315,35 +3422,83 @@
         <a:prstGeom prst="rect">
           <a:avLst/>
         </a:prstGeom>
-        <a:solidFill>
-          <a:schemeClr val="accent2">
-            <a:hueOff val="14141"/>
-            <a:satOff val="-13795"/>
-            <a:lumOff val="-706"/>
-            <a:alphaOff val="0"/>
-          </a:schemeClr>
-        </a:solidFill>
-        <a:ln w="15875" cap="flat" cmpd="sng" algn="ctr">
-          <a:solidFill>
-            <a:schemeClr val="accent2">
-              <a:hueOff val="14141"/>
-              <a:satOff val="-13795"/>
-              <a:lumOff val="-706"/>
-              <a:alphaOff val="0"/>
-            </a:schemeClr>
-          </a:solidFill>
-          <a:prstDash val="solid"/>
+        <a:gradFill rotWithShape="0">
+          <a:gsLst>
+            <a:gs pos="0">
+              <a:schemeClr val="accent2">
+                <a:hueOff val="14141"/>
+                <a:satOff val="-13795"/>
+                <a:lumOff val="-706"/>
+                <a:alphaOff val="0"/>
+                <a:shade val="85000"/>
+                <a:satMod val="130000"/>
+              </a:schemeClr>
+            </a:gs>
+            <a:gs pos="34000">
+              <a:schemeClr val="accent2">
+                <a:hueOff val="14141"/>
+                <a:satOff val="-13795"/>
+                <a:lumOff val="-706"/>
+                <a:alphaOff val="0"/>
+                <a:shade val="87000"/>
+                <a:satMod val="125000"/>
+              </a:schemeClr>
+            </a:gs>
+            <a:gs pos="70000">
+              <a:schemeClr val="accent2">
+                <a:hueOff val="14141"/>
+                <a:satOff val="-13795"/>
+                <a:lumOff val="-706"/>
+                <a:alphaOff val="0"/>
+                <a:tint val="100000"/>
+                <a:shade val="90000"/>
+                <a:satMod val="130000"/>
+              </a:schemeClr>
+            </a:gs>
+            <a:gs pos="100000">
+              <a:schemeClr val="accent2">
+                <a:hueOff val="14141"/>
+                <a:satOff val="-13795"/>
+                <a:lumOff val="-706"/>
+                <a:alphaOff val="0"/>
+                <a:tint val="100000"/>
+                <a:shade val="100000"/>
+                <a:satMod val="110000"/>
+              </a:schemeClr>
+            </a:gs>
+          </a:gsLst>
+          <a:path path="circle">
+            <a:fillToRect l="100000" t="100000" r="100000" b="100000"/>
+          </a:path>
+        </a:gradFill>
+        <a:ln>
+          <a:noFill/>
         </a:ln>
-        <a:effectLst/>
+        <a:effectLst>
+          <a:outerShdw blurRad="38100" dist="25400" dir="2700000" algn="br" rotWithShape="0">
+            <a:srgbClr val="000000">
+              <a:alpha val="60000"/>
+            </a:srgbClr>
+          </a:outerShdw>
+        </a:effectLst>
+        <a:scene3d>
+          <a:camera prst="orthographicFront"/>
+          <a:lightRig rig="threePt" dir="t">
+            <a:rot lat="0" lon="0" rev="7500000"/>
+          </a:lightRig>
+        </a:scene3d>
+        <a:sp3d prstMaterial="plastic">
+          <a:bevelT w="127000" h="25400" prst="relaxedInset"/>
+        </a:sp3d>
       </dsp:spPr>
       <dsp:style>
-        <a:lnRef idx="2">
+        <a:lnRef idx="0">
           <a:scrgbClr r="0" g="0" b="0"/>
         </a:lnRef>
-        <a:fillRef idx="1">
+        <a:fillRef idx="3">
           <a:scrgbClr r="0" g="0" b="0"/>
         </a:fillRef>
-        <a:effectRef idx="0">
+        <a:effectRef idx="2">
           <a:scrgbClr r="0" g="0" b="0"/>
         </a:effectRef>
         <a:fontRef idx="minor">
@@ -3402,7 +3557,7 @@
             <a:alphaOff val="0"/>
           </a:schemeClr>
         </a:solidFill>
-        <a:ln w="15875" cap="flat" cmpd="sng" algn="ctr">
+        <a:ln w="12700" cap="flat" cmpd="sng" algn="ctr">
           <a:solidFill>
             <a:schemeClr val="accent2">
               <a:tint val="40000"/>
@@ -3415,16 +3570,35 @@
           </a:solidFill>
           <a:prstDash val="solid"/>
         </a:ln>
-        <a:effectLst/>
+        <a:effectLst>
+          <a:outerShdw blurRad="38100" dist="25400" dir="2700000" algn="br" rotWithShape="0">
+            <a:srgbClr val="000000">
+              <a:alpha val="60000"/>
+            </a:srgbClr>
+          </a:outerShdw>
+        </a:effectLst>
+        <a:scene3d>
+          <a:camera prst="orthographicFront"/>
+          <a:lightRig rig="threePt" dir="t">
+            <a:rot lat="0" lon="0" rev="7500000"/>
+          </a:lightRig>
+        </a:scene3d>
+        <a:sp3d extrusionH="190500" prstMaterial="dkEdge">
+          <a:bevelT w="120650" h="38100" prst="relaxedInset"/>
+          <a:bevelB w="120650" h="57150" prst="relaxedInset"/>
+          <a:contourClr>
+            <a:schemeClr val="bg1"/>
+          </a:contourClr>
+        </a:sp3d>
       </dsp:spPr>
       <dsp:style>
-        <a:lnRef idx="2">
+        <a:lnRef idx="1">
           <a:scrgbClr r="0" g="0" b="0"/>
         </a:lnRef>
         <a:fillRef idx="1">
           <a:scrgbClr r="0" g="0" b="0"/>
         </a:fillRef>
-        <a:effectRef idx="0">
+        <a:effectRef idx="2">
           <a:scrgbClr r="0" g="0" b="0"/>
         </a:effectRef>
         <a:fontRef idx="minor"/>
@@ -3471,35 +3645,83 @@
         <a:prstGeom prst="rect">
           <a:avLst/>
         </a:prstGeom>
-        <a:solidFill>
-          <a:schemeClr val="accent2">
-            <a:hueOff val="21212"/>
-            <a:satOff val="-20692"/>
-            <a:lumOff val="-1060"/>
-            <a:alphaOff val="0"/>
-          </a:schemeClr>
-        </a:solidFill>
-        <a:ln w="15875" cap="flat" cmpd="sng" algn="ctr">
-          <a:solidFill>
-            <a:schemeClr val="accent2">
-              <a:hueOff val="21212"/>
-              <a:satOff val="-20692"/>
-              <a:lumOff val="-1060"/>
-              <a:alphaOff val="0"/>
-            </a:schemeClr>
-          </a:solidFill>
-          <a:prstDash val="solid"/>
+        <a:gradFill rotWithShape="0">
+          <a:gsLst>
+            <a:gs pos="0">
+              <a:schemeClr val="accent2">
+                <a:hueOff val="21212"/>
+                <a:satOff val="-20692"/>
+                <a:lumOff val="-1060"/>
+                <a:alphaOff val="0"/>
+                <a:shade val="85000"/>
+                <a:satMod val="130000"/>
+              </a:schemeClr>
+            </a:gs>
+            <a:gs pos="34000">
+              <a:schemeClr val="accent2">
+                <a:hueOff val="21212"/>
+                <a:satOff val="-20692"/>
+                <a:lumOff val="-1060"/>
+                <a:alphaOff val="0"/>
+                <a:shade val="87000"/>
+                <a:satMod val="125000"/>
+              </a:schemeClr>
+            </a:gs>
+            <a:gs pos="70000">
+              <a:schemeClr val="accent2">
+                <a:hueOff val="21212"/>
+                <a:satOff val="-20692"/>
+                <a:lumOff val="-1060"/>
+                <a:alphaOff val="0"/>
+                <a:tint val="100000"/>
+                <a:shade val="90000"/>
+                <a:satMod val="130000"/>
+              </a:schemeClr>
+            </a:gs>
+            <a:gs pos="100000">
+              <a:schemeClr val="accent2">
+                <a:hueOff val="21212"/>
+                <a:satOff val="-20692"/>
+                <a:lumOff val="-1060"/>
+                <a:alphaOff val="0"/>
+                <a:tint val="100000"/>
+                <a:shade val="100000"/>
+                <a:satMod val="110000"/>
+              </a:schemeClr>
+            </a:gs>
+          </a:gsLst>
+          <a:path path="circle">
+            <a:fillToRect l="100000" t="100000" r="100000" b="100000"/>
+          </a:path>
+        </a:gradFill>
+        <a:ln>
+          <a:noFill/>
         </a:ln>
-        <a:effectLst/>
+        <a:effectLst>
+          <a:outerShdw blurRad="38100" dist="25400" dir="2700000" algn="br" rotWithShape="0">
+            <a:srgbClr val="000000">
+              <a:alpha val="60000"/>
+            </a:srgbClr>
+          </a:outerShdw>
+        </a:effectLst>
+        <a:scene3d>
+          <a:camera prst="orthographicFront"/>
+          <a:lightRig rig="threePt" dir="t">
+            <a:rot lat="0" lon="0" rev="7500000"/>
+          </a:lightRig>
+        </a:scene3d>
+        <a:sp3d prstMaterial="plastic">
+          <a:bevelT w="127000" h="25400" prst="relaxedInset"/>
+        </a:sp3d>
       </dsp:spPr>
       <dsp:style>
-        <a:lnRef idx="2">
+        <a:lnRef idx="0">
           <a:scrgbClr r="0" g="0" b="0"/>
         </a:lnRef>
-        <a:fillRef idx="1">
+        <a:fillRef idx="3">
           <a:scrgbClr r="0" g="0" b="0"/>
         </a:fillRef>
-        <a:effectRef idx="0">
+        <a:effectRef idx="2">
           <a:scrgbClr r="0" g="0" b="0"/>
         </a:effectRef>
         <a:fontRef idx="minor">
@@ -3558,7 +3780,7 @@
             <a:alphaOff val="0"/>
           </a:schemeClr>
         </a:solidFill>
-        <a:ln w="15875" cap="flat" cmpd="sng" algn="ctr">
+        <a:ln w="12700" cap="flat" cmpd="sng" algn="ctr">
           <a:solidFill>
             <a:schemeClr val="accent2">
               <a:tint val="40000"/>
@@ -3571,22 +3793,41 @@
           </a:solidFill>
           <a:prstDash val="solid"/>
         </a:ln>
-        <a:effectLst/>
+        <a:effectLst>
+          <a:outerShdw blurRad="38100" dist="25400" dir="2700000" algn="br" rotWithShape="0">
+            <a:srgbClr val="000000">
+              <a:alpha val="60000"/>
+            </a:srgbClr>
+          </a:outerShdw>
+        </a:effectLst>
+        <a:scene3d>
+          <a:camera prst="orthographicFront"/>
+          <a:lightRig rig="threePt" dir="t">
+            <a:rot lat="0" lon="0" rev="7500000"/>
+          </a:lightRig>
+        </a:scene3d>
+        <a:sp3d extrusionH="190500" prstMaterial="dkEdge">
+          <a:bevelT w="120650" h="38100" prst="relaxedInset"/>
+          <a:bevelB w="120650" h="57150" prst="relaxedInset"/>
+          <a:contourClr>
+            <a:schemeClr val="bg1"/>
+          </a:contourClr>
+        </a:sp3d>
       </dsp:spPr>
       <dsp:style>
-        <a:lnRef idx="2">
+        <a:lnRef idx="1">
           <a:scrgbClr r="0" g="0" b="0"/>
         </a:lnRef>
         <a:fillRef idx="1">
           <a:scrgbClr r="0" g="0" b="0"/>
         </a:fillRef>
-        <a:effectRef idx="0">
+        <a:effectRef idx="2">
           <a:scrgbClr r="0" g="0" b="0"/>
         </a:effectRef>
         <a:fontRef idx="minor"/>
       </dsp:style>
       <dsp:txBody>
-        <a:bodyPr spcFirstLastPara="0" vert="horz" wrap="square" lIns="156129" tIns="152608" rIns="156129" bIns="152608" numCol="1" spcCol="1270" anchor="t" anchorCtr="0">
+        <a:bodyPr spcFirstLastPara="0" vert="horz" wrap="square" lIns="156129" tIns="152608" rIns="156129" bIns="152608" numCol="1" spcCol="1270" anchor="ctr" anchorCtr="0">
           <a:noAutofit/>
         </a:bodyPr>
         <a:lstStyle/>
@@ -3605,19 +3846,11 @@
           </a:pPr>
           <a:r>
             <a:rPr lang="en-US" sz="1100" kern="1200" dirty="0"/>
-            <a:t>Push data to a PostgreSQL DB as we need a structured </a:t>
-          </a:r>
-          <a:r>
-            <a:rPr lang="en-US" sz="1100" kern="1200" dirty="0" err="1"/>
-            <a:t>db</a:t>
-          </a:r>
-          <a:r>
-            <a:rPr lang="en-US" sz="1100" kern="1200" dirty="0"/>
-            <a:t>:</a:t>
+            <a:t>Push data to a PostgreSQL DB as we need a structured db.:</a:t>
           </a:r>
         </a:p>
         <a:p>
-          <a:pPr marL="57150" lvl="1" indent="-57150" algn="l" defTabSz="400050">
+          <a:pPr marL="0" lvl="0" indent="0" algn="l" defTabSz="488950">
             <a:lnSpc>
               <a:spcPct val="90000"/>
             </a:lnSpc>
@@ -3625,31 +3858,13 @@
               <a:spcPct val="0"/>
             </a:spcBef>
             <a:spcAft>
-              <a:spcPct val="15000"/>
+              <a:spcPct val="35000"/>
             </a:spcAft>
-            <a:buChar char="•"/>
+            <a:buNone/>
           </a:pPr>
           <a:r>
-            <a:rPr lang="en-US" sz="900" kern="1200"/>
-            <a:t>Nonbinary data</a:t>
-          </a:r>
-        </a:p>
-        <a:p>
-          <a:pPr marL="57150" lvl="1" indent="-57150" algn="l" defTabSz="400050">
-            <a:lnSpc>
-              <a:spcPct val="90000"/>
-            </a:lnSpc>
-            <a:spcBef>
-              <a:spcPct val="0"/>
-            </a:spcBef>
-            <a:spcAft>
-              <a:spcPct val="15000"/>
-            </a:spcAft>
-            <a:buChar char="•"/>
-          </a:pPr>
-          <a:r>
-            <a:rPr lang="en-US" sz="900" kern="1200"/>
-            <a:t>Need to create Facts and Dims for reporting use</a:t>
+            <a:rPr lang="en-US" sz="1100" kern="1200" dirty="0"/>
+            <a:t>Nonbinary data | Need to create Facts and Dims for reporting use</a:t>
           </a:r>
         </a:p>
       </dsp:txBody>
@@ -3671,35 +3886,83 @@
         <a:prstGeom prst="rect">
           <a:avLst/>
         </a:prstGeom>
-        <a:solidFill>
-          <a:schemeClr val="accent2">
-            <a:hueOff val="28282"/>
-            <a:satOff val="-27590"/>
-            <a:lumOff val="-1413"/>
-            <a:alphaOff val="0"/>
-          </a:schemeClr>
-        </a:solidFill>
-        <a:ln w="15875" cap="flat" cmpd="sng" algn="ctr">
-          <a:solidFill>
-            <a:schemeClr val="accent2">
-              <a:hueOff val="28282"/>
-              <a:satOff val="-27590"/>
-              <a:lumOff val="-1413"/>
-              <a:alphaOff val="0"/>
-            </a:schemeClr>
-          </a:solidFill>
-          <a:prstDash val="solid"/>
+        <a:gradFill rotWithShape="0">
+          <a:gsLst>
+            <a:gs pos="0">
+              <a:schemeClr val="accent2">
+                <a:hueOff val="28282"/>
+                <a:satOff val="-27590"/>
+                <a:lumOff val="-1413"/>
+                <a:alphaOff val="0"/>
+                <a:shade val="85000"/>
+                <a:satMod val="130000"/>
+              </a:schemeClr>
+            </a:gs>
+            <a:gs pos="34000">
+              <a:schemeClr val="accent2">
+                <a:hueOff val="28282"/>
+                <a:satOff val="-27590"/>
+                <a:lumOff val="-1413"/>
+                <a:alphaOff val="0"/>
+                <a:shade val="87000"/>
+                <a:satMod val="125000"/>
+              </a:schemeClr>
+            </a:gs>
+            <a:gs pos="70000">
+              <a:schemeClr val="accent2">
+                <a:hueOff val="28282"/>
+                <a:satOff val="-27590"/>
+                <a:lumOff val="-1413"/>
+                <a:alphaOff val="0"/>
+                <a:tint val="100000"/>
+                <a:shade val="90000"/>
+                <a:satMod val="130000"/>
+              </a:schemeClr>
+            </a:gs>
+            <a:gs pos="100000">
+              <a:schemeClr val="accent2">
+                <a:hueOff val="28282"/>
+                <a:satOff val="-27590"/>
+                <a:lumOff val="-1413"/>
+                <a:alphaOff val="0"/>
+                <a:tint val="100000"/>
+                <a:shade val="100000"/>
+                <a:satMod val="110000"/>
+              </a:schemeClr>
+            </a:gs>
+          </a:gsLst>
+          <a:path path="circle">
+            <a:fillToRect l="100000" t="100000" r="100000" b="100000"/>
+          </a:path>
+        </a:gradFill>
+        <a:ln>
+          <a:noFill/>
         </a:ln>
-        <a:effectLst/>
+        <a:effectLst>
+          <a:outerShdw blurRad="38100" dist="25400" dir="2700000" algn="br" rotWithShape="0">
+            <a:srgbClr val="000000">
+              <a:alpha val="60000"/>
+            </a:srgbClr>
+          </a:outerShdw>
+        </a:effectLst>
+        <a:scene3d>
+          <a:camera prst="orthographicFront"/>
+          <a:lightRig rig="threePt" dir="t">
+            <a:rot lat="0" lon="0" rev="7500000"/>
+          </a:lightRig>
+        </a:scene3d>
+        <a:sp3d prstMaterial="plastic">
+          <a:bevelT w="127000" h="25400" prst="relaxedInset"/>
+        </a:sp3d>
       </dsp:spPr>
       <dsp:style>
-        <a:lnRef idx="2">
+        <a:lnRef idx="0">
           <a:scrgbClr r="0" g="0" b="0"/>
         </a:lnRef>
-        <a:fillRef idx="1">
+        <a:fillRef idx="3">
           <a:scrgbClr r="0" g="0" b="0"/>
         </a:fillRef>
-        <a:effectRef idx="0">
+        <a:effectRef idx="2">
           <a:scrgbClr r="0" g="0" b="0"/>
         </a:effectRef>
         <a:fontRef idx="minor">
@@ -3758,7 +4021,7 @@
             <a:alphaOff val="0"/>
           </a:schemeClr>
         </a:solidFill>
-        <a:ln w="15875" cap="flat" cmpd="sng" algn="ctr">
+        <a:ln w="12700" cap="flat" cmpd="sng" algn="ctr">
           <a:solidFill>
             <a:schemeClr val="accent2">
               <a:tint val="40000"/>
@@ -3771,16 +4034,35 @@
           </a:solidFill>
           <a:prstDash val="solid"/>
         </a:ln>
-        <a:effectLst/>
+        <a:effectLst>
+          <a:outerShdw blurRad="38100" dist="25400" dir="2700000" algn="br" rotWithShape="0">
+            <a:srgbClr val="000000">
+              <a:alpha val="60000"/>
+            </a:srgbClr>
+          </a:outerShdw>
+        </a:effectLst>
+        <a:scene3d>
+          <a:camera prst="orthographicFront"/>
+          <a:lightRig rig="threePt" dir="t">
+            <a:rot lat="0" lon="0" rev="7500000"/>
+          </a:lightRig>
+        </a:scene3d>
+        <a:sp3d extrusionH="190500" prstMaterial="dkEdge">
+          <a:bevelT w="120650" h="38100" prst="relaxedInset"/>
+          <a:bevelB w="120650" h="57150" prst="relaxedInset"/>
+          <a:contourClr>
+            <a:schemeClr val="bg1"/>
+          </a:contourClr>
+        </a:sp3d>
       </dsp:spPr>
       <dsp:style>
-        <a:lnRef idx="2">
+        <a:lnRef idx="1">
           <a:scrgbClr r="0" g="0" b="0"/>
         </a:lnRef>
         <a:fillRef idx="1">
           <a:scrgbClr r="0" g="0" b="0"/>
         </a:fillRef>
-        <a:effectRef idx="0">
+        <a:effectRef idx="2">
           <a:scrgbClr r="0" g="0" b="0"/>
         </a:effectRef>
         <a:fontRef idx="minor"/>
@@ -3827,35 +4109,83 @@
         <a:prstGeom prst="rect">
           <a:avLst/>
         </a:prstGeom>
-        <a:solidFill>
-          <a:schemeClr val="accent2">
-            <a:hueOff val="35353"/>
-            <a:satOff val="-34487"/>
-            <a:lumOff val="-1766"/>
-            <a:alphaOff val="0"/>
-          </a:schemeClr>
-        </a:solidFill>
-        <a:ln w="15875" cap="flat" cmpd="sng" algn="ctr">
-          <a:solidFill>
-            <a:schemeClr val="accent2">
-              <a:hueOff val="35353"/>
-              <a:satOff val="-34487"/>
-              <a:lumOff val="-1766"/>
-              <a:alphaOff val="0"/>
-            </a:schemeClr>
-          </a:solidFill>
-          <a:prstDash val="solid"/>
+        <a:gradFill rotWithShape="0">
+          <a:gsLst>
+            <a:gs pos="0">
+              <a:schemeClr val="accent2">
+                <a:hueOff val="35353"/>
+                <a:satOff val="-34487"/>
+                <a:lumOff val="-1766"/>
+                <a:alphaOff val="0"/>
+                <a:shade val="85000"/>
+                <a:satMod val="130000"/>
+              </a:schemeClr>
+            </a:gs>
+            <a:gs pos="34000">
+              <a:schemeClr val="accent2">
+                <a:hueOff val="35353"/>
+                <a:satOff val="-34487"/>
+                <a:lumOff val="-1766"/>
+                <a:alphaOff val="0"/>
+                <a:shade val="87000"/>
+                <a:satMod val="125000"/>
+              </a:schemeClr>
+            </a:gs>
+            <a:gs pos="70000">
+              <a:schemeClr val="accent2">
+                <a:hueOff val="35353"/>
+                <a:satOff val="-34487"/>
+                <a:lumOff val="-1766"/>
+                <a:alphaOff val="0"/>
+                <a:tint val="100000"/>
+                <a:shade val="90000"/>
+                <a:satMod val="130000"/>
+              </a:schemeClr>
+            </a:gs>
+            <a:gs pos="100000">
+              <a:schemeClr val="accent2">
+                <a:hueOff val="35353"/>
+                <a:satOff val="-34487"/>
+                <a:lumOff val="-1766"/>
+                <a:alphaOff val="0"/>
+                <a:tint val="100000"/>
+                <a:shade val="100000"/>
+                <a:satMod val="110000"/>
+              </a:schemeClr>
+            </a:gs>
+          </a:gsLst>
+          <a:path path="circle">
+            <a:fillToRect l="100000" t="100000" r="100000" b="100000"/>
+          </a:path>
+        </a:gradFill>
+        <a:ln>
+          <a:noFill/>
         </a:ln>
-        <a:effectLst/>
+        <a:effectLst>
+          <a:outerShdw blurRad="38100" dist="25400" dir="2700000" algn="br" rotWithShape="0">
+            <a:srgbClr val="000000">
+              <a:alpha val="60000"/>
+            </a:srgbClr>
+          </a:outerShdw>
+        </a:effectLst>
+        <a:scene3d>
+          <a:camera prst="orthographicFront"/>
+          <a:lightRig rig="threePt" dir="t">
+            <a:rot lat="0" lon="0" rev="7500000"/>
+          </a:lightRig>
+        </a:scene3d>
+        <a:sp3d prstMaterial="plastic">
+          <a:bevelT w="127000" h="25400" prst="relaxedInset"/>
+        </a:sp3d>
       </dsp:spPr>
       <dsp:style>
-        <a:lnRef idx="2">
+        <a:lnRef idx="0">
           <a:scrgbClr r="0" g="0" b="0"/>
         </a:lnRef>
-        <a:fillRef idx="1">
+        <a:fillRef idx="3">
           <a:scrgbClr r="0" g="0" b="0"/>
         </a:fillRef>
-        <a:effectRef idx="0">
+        <a:effectRef idx="2">
           <a:scrgbClr r="0" g="0" b="0"/>
         </a:effectRef>
         <a:fontRef idx="minor">
@@ -5727,11 +6057,11 @@
 </file>
 
 <file path=ppt/diagrams/quickStyle2.xml><?xml version="1.0" encoding="utf-8"?>
-<dgm:styleDef xmlns:dgm="http://schemas.openxmlformats.org/drawingml/2006/diagram" xmlns:a="http://schemas.openxmlformats.org/drawingml/2006/main" uniqueId="urn:microsoft.com/office/officeart/2005/8/quickstyle/simple1">
+<dgm:styleDef xmlns:dgm="http://schemas.openxmlformats.org/drawingml/2006/diagram" xmlns:a="http://schemas.openxmlformats.org/drawingml/2006/main" uniqueId="urn:microsoft.com/office/officeart/2005/8/quickstyle/3d2">
   <dgm:title val=""/>
   <dgm:desc val=""/>
   <dgm:catLst>
-    <dgm:cat type="simple" pri="10100"/>
+    <dgm:cat type="3D" pri="11200"/>
   </dgm:catLst>
   <dgm:scene3d>
     <a:camera prst="orthographicFront"/>
@@ -5740,18 +6070,22 @@
   <dgm:styleLbl name="node0">
     <dgm:scene3d>
       <a:camera prst="orthographicFront"/>
-      <a:lightRig rig="threePt" dir="t"/>
+      <a:lightRig rig="threePt" dir="t">
+        <a:rot lat="0" lon="0" rev="7500000"/>
+      </a:lightRig>
     </dgm:scene3d>
-    <dgm:sp3d/>
+    <dgm:sp3d prstMaterial="plastic">
+      <a:bevelT w="127000" h="25400" prst="relaxedInset"/>
+    </dgm:sp3d>
     <dgm:txPr/>
     <dgm:style>
-      <a:lnRef idx="2">
+      <a:lnRef idx="0">
         <a:scrgbClr r="0" g="0" b="0"/>
       </a:lnRef>
-      <a:fillRef idx="1">
+      <a:fillRef idx="3">
         <a:scrgbClr r="0" g="0" b="0"/>
       </a:fillRef>
-      <a:effectRef idx="0">
+      <a:effectRef idx="2">
         <a:scrgbClr r="0" g="0" b="0"/>
       </a:effectRef>
       <a:fontRef idx="minor">
@@ -5762,18 +6096,22 @@
   <dgm:styleLbl name="lnNode1">
     <dgm:scene3d>
       <a:camera prst="orthographicFront"/>
-      <a:lightRig rig="threePt" dir="t"/>
+      <a:lightRig rig="threePt" dir="t">
+        <a:rot lat="0" lon="0" rev="7500000"/>
+      </a:lightRig>
     </dgm:scene3d>
-    <dgm:sp3d/>
+    <dgm:sp3d prstMaterial="plastic">
+      <a:bevelT w="127000" h="25400" prst="relaxedInset"/>
+    </dgm:sp3d>
     <dgm:txPr/>
     <dgm:style>
-      <a:lnRef idx="2">
+      <a:lnRef idx="1">
         <a:scrgbClr r="0" g="0" b="0"/>
       </a:lnRef>
-      <a:fillRef idx="1">
+      <a:fillRef idx="3">
         <a:scrgbClr r="0" g="0" b="0"/>
       </a:fillRef>
-      <a:effectRef idx="0">
+      <a:effectRef idx="2">
         <a:scrgbClr r="0" g="0" b="0"/>
       </a:effectRef>
       <a:fontRef idx="minor">
@@ -5784,18 +6122,22 @@
   <dgm:styleLbl name="vennNode1">
     <dgm:scene3d>
       <a:camera prst="orthographicFront"/>
-      <a:lightRig rig="threePt" dir="t"/>
+      <a:lightRig rig="threePt" dir="t">
+        <a:rot lat="0" lon="0" rev="7500000"/>
+      </a:lightRig>
     </dgm:scene3d>
-    <dgm:sp3d/>
+    <dgm:sp3d prstMaterial="plastic">
+      <a:bevelT w="127000" h="25400" prst="relaxedInset"/>
+    </dgm:sp3d>
     <dgm:txPr/>
     <dgm:style>
-      <a:lnRef idx="2">
+      <a:lnRef idx="0">
         <a:scrgbClr r="0" g="0" b="0"/>
       </a:lnRef>
-      <a:fillRef idx="1">
+      <a:fillRef idx="3">
         <a:scrgbClr r="0" g="0" b="0"/>
       </a:fillRef>
-      <a:effectRef idx="0">
+      <a:effectRef idx="2">
         <a:scrgbClr r="0" g="0" b="0"/>
       </a:effectRef>
       <a:fontRef idx="minor">
@@ -5803,21 +6145,25 @@
       </a:fontRef>
     </dgm:style>
   </dgm:styleLbl>
-  <dgm:styleLbl name="alignNode1">
+  <dgm:styleLbl name="alingNode1">
     <dgm:scene3d>
       <a:camera prst="orthographicFront"/>
-      <a:lightRig rig="threePt" dir="t"/>
+      <a:lightRig rig="threePt" dir="t">
+        <a:rot lat="0" lon="0" rev="7500000"/>
+      </a:lightRig>
     </dgm:scene3d>
-    <dgm:sp3d/>
+    <dgm:sp3d prstMaterial="plastic">
+      <a:bevelT w="127000" h="25400" prst="relaxedInset"/>
+    </dgm:sp3d>
     <dgm:txPr/>
     <dgm:style>
-      <a:lnRef idx="2">
+      <a:lnRef idx="0">
         <a:scrgbClr r="0" g="0" b="0"/>
       </a:lnRef>
-      <a:fillRef idx="1">
+      <a:fillRef idx="3">
         <a:scrgbClr r="0" g="0" b="0"/>
       </a:fillRef>
-      <a:effectRef idx="0">
+      <a:effectRef idx="2">
         <a:scrgbClr r="0" g="0" b="0"/>
       </a:effectRef>
       <a:fontRef idx="minor">
@@ -5828,18 +6174,22 @@
   <dgm:styleLbl name="node1">
     <dgm:scene3d>
       <a:camera prst="orthographicFront"/>
-      <a:lightRig rig="threePt" dir="t"/>
+      <a:lightRig rig="threePt" dir="t">
+        <a:rot lat="0" lon="0" rev="7500000"/>
+      </a:lightRig>
     </dgm:scene3d>
-    <dgm:sp3d/>
+    <dgm:sp3d prstMaterial="plastic">
+      <a:bevelT w="127000" h="25400" prst="relaxedInset"/>
+    </dgm:sp3d>
     <dgm:txPr/>
     <dgm:style>
-      <a:lnRef idx="2">
+      <a:lnRef idx="0">
         <a:scrgbClr r="0" g="0" b="0"/>
       </a:lnRef>
-      <a:fillRef idx="1">
+      <a:fillRef idx="3">
         <a:scrgbClr r="0" g="0" b="0"/>
       </a:fillRef>
-      <a:effectRef idx="0">
+      <a:effectRef idx="2">
         <a:scrgbClr r="0" g="0" b="0"/>
       </a:effectRef>
       <a:fontRef idx="minor">
@@ -5850,18 +6200,22 @@
   <dgm:styleLbl name="node2">
     <dgm:scene3d>
       <a:camera prst="orthographicFront"/>
-      <a:lightRig rig="threePt" dir="t"/>
+      <a:lightRig rig="threePt" dir="t">
+        <a:rot lat="0" lon="0" rev="7500000"/>
+      </a:lightRig>
     </dgm:scene3d>
-    <dgm:sp3d/>
+    <dgm:sp3d prstMaterial="plastic">
+      <a:bevelT w="127000" h="25400" prst="relaxedInset"/>
+    </dgm:sp3d>
     <dgm:txPr/>
     <dgm:style>
-      <a:lnRef idx="2">
+      <a:lnRef idx="0">
         <a:scrgbClr r="0" g="0" b="0"/>
       </a:lnRef>
-      <a:fillRef idx="1">
+      <a:fillRef idx="3">
         <a:scrgbClr r="0" g="0" b="0"/>
       </a:fillRef>
-      <a:effectRef idx="0">
+      <a:effectRef idx="2">
         <a:scrgbClr r="0" g="0" b="0"/>
       </a:effectRef>
       <a:fontRef idx="minor">
@@ -5872,18 +6226,22 @@
   <dgm:styleLbl name="node3">
     <dgm:scene3d>
       <a:camera prst="orthographicFront"/>
-      <a:lightRig rig="threePt" dir="t"/>
+      <a:lightRig rig="threePt" dir="t">
+        <a:rot lat="0" lon="0" rev="7500000"/>
+      </a:lightRig>
     </dgm:scene3d>
-    <dgm:sp3d/>
+    <dgm:sp3d prstMaterial="plastic">
+      <a:bevelT w="127000" h="25400" prst="relaxedInset"/>
+    </dgm:sp3d>
     <dgm:txPr/>
     <dgm:style>
-      <a:lnRef idx="2">
+      <a:lnRef idx="0">
         <a:scrgbClr r="0" g="0" b="0"/>
       </a:lnRef>
-      <a:fillRef idx="1">
+      <a:fillRef idx="3">
         <a:scrgbClr r="0" g="0" b="0"/>
       </a:fillRef>
-      <a:effectRef idx="0">
+      <a:effectRef idx="2">
         <a:scrgbClr r="0" g="0" b="0"/>
       </a:effectRef>
       <a:fontRef idx="minor">
@@ -5894,18 +6252,22 @@
   <dgm:styleLbl name="node4">
     <dgm:scene3d>
       <a:camera prst="orthographicFront"/>
-      <a:lightRig rig="threePt" dir="t"/>
+      <a:lightRig rig="threePt" dir="t">
+        <a:rot lat="0" lon="0" rev="7500000"/>
+      </a:lightRig>
     </dgm:scene3d>
-    <dgm:sp3d/>
+    <dgm:sp3d prstMaterial="plastic">
+      <a:bevelT w="127000" h="25400" prst="relaxedInset"/>
+    </dgm:sp3d>
     <dgm:txPr/>
     <dgm:style>
-      <a:lnRef idx="2">
+      <a:lnRef idx="0">
         <a:scrgbClr r="0" g="0" b="0"/>
       </a:lnRef>
-      <a:fillRef idx="1">
+      <a:fillRef idx="3">
         <a:scrgbClr r="0" g="0" b="0"/>
       </a:fillRef>
-      <a:effectRef idx="0">
+      <a:effectRef idx="2">
         <a:scrgbClr r="0" g="0" b="0"/>
       </a:effectRef>
       <a:fontRef idx="minor">
@@ -5916,12 +6278,19 @@
   <dgm:styleLbl name="fgImgPlace1">
     <dgm:scene3d>
       <a:camera prst="orthographicFront"/>
-      <a:lightRig rig="threePt" dir="t"/>
+      <a:lightRig rig="threePt" dir="t">
+        <a:rot lat="0" lon="0" rev="7500000"/>
+      </a:lightRig>
     </dgm:scene3d>
-    <dgm:sp3d/>
+    <dgm:sp3d z="152400" extrusionH="63500" prstMaterial="matte">
+      <a:bevelT w="50800" h="19050" prst="relaxedInset"/>
+      <a:contourClr>
+        <a:schemeClr val="bg1"/>
+      </a:contourClr>
+    </dgm:sp3d>
     <dgm:txPr/>
     <dgm:style>
-      <a:lnRef idx="2">
+      <a:lnRef idx="0">
         <a:scrgbClr r="0" g="0" b="0"/>
       </a:lnRef>
       <a:fillRef idx="1">
@@ -5936,12 +6305,18 @@
   <dgm:styleLbl name="alignImgPlace1">
     <dgm:scene3d>
       <a:camera prst="orthographicFront"/>
-      <a:lightRig rig="threePt" dir="t"/>
+      <a:lightRig rig="threePt" dir="t">
+        <a:rot lat="0" lon="0" rev="7500000"/>
+      </a:lightRig>
     </dgm:scene3d>
-    <dgm:sp3d/>
+    <dgm:sp3d z="254000" extrusionH="63500" contourW="12700" prstMaterial="matte">
+      <a:contourClr>
+        <a:schemeClr val="lt1"/>
+      </a:contourClr>
+    </dgm:sp3d>
     <dgm:txPr/>
     <dgm:style>
-      <a:lnRef idx="2">
+      <a:lnRef idx="0">
         <a:scrgbClr r="0" g="0" b="0"/>
       </a:lnRef>
       <a:fillRef idx="1">
@@ -5956,12 +6331,18 @@
   <dgm:styleLbl name="bgImgPlace1">
     <dgm:scene3d>
       <a:camera prst="orthographicFront"/>
-      <a:lightRig rig="threePt" dir="t"/>
+      <a:lightRig rig="threePt" dir="t">
+        <a:rot lat="0" lon="0" rev="7500000"/>
+      </a:lightRig>
     </dgm:scene3d>
-    <dgm:sp3d/>
+    <dgm:sp3d z="-152400" extrusionH="63500" contourW="12700" prstMaterial="matte">
+      <a:contourClr>
+        <a:schemeClr val="lt1"/>
+      </a:contourClr>
+    </dgm:sp3d>
     <dgm:txPr/>
     <dgm:style>
-      <a:lnRef idx="2">
+      <a:lnRef idx="0">
         <a:scrgbClr r="0" g="0" b="0"/>
       </a:lnRef>
       <a:fillRef idx="1">
@@ -5976,9 +6357,16 @@
   <dgm:styleLbl name="sibTrans2D1">
     <dgm:scene3d>
       <a:camera prst="orthographicFront"/>
-      <a:lightRig rig="threePt" dir="t"/>
+      <a:lightRig rig="threePt" dir="t">
+        <a:rot lat="0" lon="0" rev="7500000"/>
+      </a:lightRig>
     </dgm:scene3d>
-    <dgm:sp3d/>
+    <dgm:sp3d z="-70000" extrusionH="63500" prstMaterial="matte">
+      <a:bevelT w="25400" h="6350" prst="relaxedInset"/>
+      <a:contourClr>
+        <a:schemeClr val="bg1"/>
+      </a:contourClr>
+    </dgm:sp3d>
     <dgm:txPr/>
     <dgm:style>
       <a:lnRef idx="0">
@@ -5987,7 +6375,7 @@
       <a:fillRef idx="1">
         <a:scrgbClr r="0" g="0" b="0"/>
       </a:fillRef>
-      <a:effectRef idx="0">
+      <a:effectRef idx="2">
         <a:scrgbClr r="0" g="0" b="0"/>
       </a:effectRef>
       <a:fontRef idx="minor">
@@ -5998,9 +6386,16 @@
   <dgm:styleLbl name="fgSibTrans2D1">
     <dgm:scene3d>
       <a:camera prst="orthographicFront"/>
-      <a:lightRig rig="threePt" dir="t"/>
+      <a:lightRig rig="threePt" dir="t">
+        <a:rot lat="0" lon="0" rev="7500000"/>
+      </a:lightRig>
     </dgm:scene3d>
-    <dgm:sp3d/>
+    <dgm:sp3d z="152400" extrusionH="63500" prstMaterial="matte">
+      <a:bevelT w="25400" h="6350" prst="relaxedInset"/>
+      <a:contourClr>
+        <a:schemeClr val="bg1"/>
+      </a:contourClr>
+    </dgm:sp3d>
     <dgm:txPr/>
     <dgm:style>
       <a:lnRef idx="0">
@@ -6009,7 +6404,7 @@
       <a:fillRef idx="1">
         <a:scrgbClr r="0" g="0" b="0"/>
       </a:fillRef>
-      <a:effectRef idx="0">
+      <a:effectRef idx="2">
         <a:scrgbClr r="0" g="0" b="0"/>
       </a:effectRef>
       <a:fontRef idx="minor">
@@ -6020,9 +6415,16 @@
   <dgm:styleLbl name="bgSibTrans2D1">
     <dgm:scene3d>
       <a:camera prst="orthographicFront"/>
-      <a:lightRig rig="threePt" dir="t"/>
+      <a:lightRig rig="threePt" dir="t">
+        <a:rot lat="0" lon="0" rev="7500000"/>
+      </a:lightRig>
     </dgm:scene3d>
-    <dgm:sp3d/>
+    <dgm:sp3d z="-152400" extrusionH="63500" prstMaterial="matte">
+      <a:bevelT w="25400" h="6350" prst="relaxedInset"/>
+      <a:contourClr>
+        <a:schemeClr val="bg1"/>
+      </a:contourClr>
+    </dgm:sp3d>
     <dgm:txPr/>
     <dgm:style>
       <a:lnRef idx="0">
@@ -6031,7 +6433,7 @@
       <a:fillRef idx="1">
         <a:scrgbClr r="0" g="0" b="0"/>
       </a:fillRef>
-      <a:effectRef idx="0">
+      <a:effectRef idx="2">
         <a:scrgbClr r="0" g="0" b="0"/>
       </a:effectRef>
       <a:fontRef idx="minor">
@@ -6042,9 +6444,11 @@
   <dgm:styleLbl name="sibTrans1D1">
     <dgm:scene3d>
       <a:camera prst="orthographicFront"/>
-      <a:lightRig rig="threePt" dir="t"/>
+      <a:lightRig rig="threePt" dir="t">
+        <a:rot lat="0" lon="0" rev="7500000"/>
+      </a:lightRig>
     </dgm:scene3d>
-    <dgm:sp3d/>
+    <dgm:sp3d z="-40000" prstMaterial="matte"/>
     <dgm:txPr/>
     <dgm:style>
       <a:lnRef idx="1">
@@ -6062,9 +6466,11 @@
   <dgm:styleLbl name="callout">
     <dgm:scene3d>
       <a:camera prst="orthographicFront"/>
-      <a:lightRig rig="threePt" dir="t"/>
+      <a:lightRig rig="threePt" dir="t">
+        <a:rot lat="0" lon="0" rev="7500000"/>
+      </a:lightRig>
     </dgm:scene3d>
-    <dgm:sp3d/>
+    <dgm:sp3d z="127000" prstMaterial="matte"/>
     <dgm:txPr/>
     <dgm:style>
       <a:lnRef idx="2">
@@ -6082,18 +6488,22 @@
   <dgm:styleLbl name="asst0">
     <dgm:scene3d>
       <a:camera prst="orthographicFront"/>
-      <a:lightRig rig="threePt" dir="t"/>
+      <a:lightRig rig="threePt" dir="t">
+        <a:rot lat="0" lon="0" rev="7500000"/>
+      </a:lightRig>
     </dgm:scene3d>
-    <dgm:sp3d/>
+    <dgm:sp3d prstMaterial="plastic">
+      <a:bevelT w="127000" h="25400" prst="relaxedInset"/>
+    </dgm:sp3d>
     <dgm:txPr/>
     <dgm:style>
-      <a:lnRef idx="2">
+      <a:lnRef idx="0">
         <a:scrgbClr r="0" g="0" b="0"/>
       </a:lnRef>
-      <a:fillRef idx="1">
+      <a:fillRef idx="3">
         <a:scrgbClr r="0" g="0" b="0"/>
       </a:fillRef>
-      <a:effectRef idx="0">
+      <a:effectRef idx="2">
         <a:scrgbClr r="0" g="0" b="0"/>
       </a:effectRef>
       <a:fontRef idx="minor">
@@ -6104,18 +6514,22 @@
   <dgm:styleLbl name="asst1">
     <dgm:scene3d>
       <a:camera prst="orthographicFront"/>
-      <a:lightRig rig="threePt" dir="t"/>
+      <a:lightRig rig="threePt" dir="t">
+        <a:rot lat="0" lon="0" rev="7500000"/>
+      </a:lightRig>
     </dgm:scene3d>
-    <dgm:sp3d/>
+    <dgm:sp3d prstMaterial="plastic">
+      <a:bevelT w="127000" h="25400" prst="relaxedInset"/>
+    </dgm:sp3d>
     <dgm:txPr/>
     <dgm:style>
-      <a:lnRef idx="2">
+      <a:lnRef idx="0">
         <a:scrgbClr r="0" g="0" b="0"/>
       </a:lnRef>
-      <a:fillRef idx="1">
+      <a:fillRef idx="3">
         <a:scrgbClr r="0" g="0" b="0"/>
       </a:fillRef>
-      <a:effectRef idx="0">
+      <a:effectRef idx="2">
         <a:scrgbClr r="0" g="0" b="0"/>
       </a:effectRef>
       <a:fontRef idx="minor">
@@ -6126,18 +6540,22 @@
   <dgm:styleLbl name="asst2">
     <dgm:scene3d>
       <a:camera prst="orthographicFront"/>
-      <a:lightRig rig="threePt" dir="t"/>
+      <a:lightRig rig="threePt" dir="t">
+        <a:rot lat="0" lon="0" rev="7500000"/>
+      </a:lightRig>
     </dgm:scene3d>
-    <dgm:sp3d/>
+    <dgm:sp3d prstMaterial="plastic">
+      <a:bevelT w="127000" h="25400" prst="relaxedInset"/>
+    </dgm:sp3d>
     <dgm:txPr/>
     <dgm:style>
-      <a:lnRef idx="2">
+      <a:lnRef idx="0">
         <a:scrgbClr r="0" g="0" b="0"/>
       </a:lnRef>
-      <a:fillRef idx="1">
+      <a:fillRef idx="3">
         <a:scrgbClr r="0" g="0" b="0"/>
       </a:fillRef>
-      <a:effectRef idx="0">
+      <a:effectRef idx="2">
         <a:scrgbClr r="0" g="0" b="0"/>
       </a:effectRef>
       <a:fontRef idx="minor">
@@ -6148,40 +6566,22 @@
   <dgm:styleLbl name="asst3">
     <dgm:scene3d>
       <a:camera prst="orthographicFront"/>
-      <a:lightRig rig="threePt" dir="t"/>
+      <a:lightRig rig="threePt" dir="t">
+        <a:rot lat="0" lon="0" rev="7500000"/>
+      </a:lightRig>
     </dgm:scene3d>
-    <dgm:sp3d/>
+    <dgm:sp3d prstMaterial="plastic">
+      <a:bevelT w="127000" h="25400" prst="relaxedInset"/>
+    </dgm:sp3d>
     <dgm:txPr/>
     <dgm:style>
-      <a:lnRef idx="2">
+      <a:lnRef idx="0">
         <a:scrgbClr r="0" g="0" b="0"/>
       </a:lnRef>
-      <a:fillRef idx="1">
+      <a:fillRef idx="3">
         <a:scrgbClr r="0" g="0" b="0"/>
       </a:fillRef>
-      <a:effectRef idx="0">
-        <a:scrgbClr r="0" g="0" b="0"/>
-      </a:effectRef>
-      <a:fontRef idx="minor">
-        <a:schemeClr val="lt1"/>
-      </a:fontRef>
-    </dgm:style>
-  </dgm:styleLbl>
-  <dgm:styleLbl name="asst4">
-    <dgm:scene3d>
-      <a:camera prst="orthographicFront"/>
-      <a:lightRig rig="threePt" dir="t"/>
-    </dgm:scene3d>
-    <dgm:sp3d/>
-    <dgm:txPr/>
-    <dgm:style>
-      <a:lnRef idx="2">
-        <a:scrgbClr r="0" g="0" b="0"/>
-      </a:lnRef>
-      <a:fillRef idx="1">
-        <a:scrgbClr r="0" g="0" b="0"/>
-      </a:fillRef>
-      <a:effectRef idx="0">
+      <a:effectRef idx="2">
         <a:scrgbClr r="0" g="0" b="0"/>
       </a:effectRef>
       <a:fontRef idx="minor">
@@ -6192,18 +6592,25 @@
   <dgm:styleLbl name="parChTrans2D1">
     <dgm:scene3d>
       <a:camera prst="orthographicFront"/>
-      <a:lightRig rig="threePt" dir="t"/>
+      <a:lightRig rig="threePt" dir="t">
+        <a:rot lat="0" lon="0" rev="7500000"/>
+      </a:lightRig>
     </dgm:scene3d>
-    <dgm:sp3d/>
+    <dgm:sp3d extrusionH="63500" prstMaterial="matte">
+      <a:bevelT w="50800" h="19050" prst="relaxedInset"/>
+      <a:contourClr>
+        <a:schemeClr val="bg1"/>
+      </a:contourClr>
+    </dgm:sp3d>
     <dgm:txPr/>
     <dgm:style>
-      <a:lnRef idx="2">
+      <a:lnRef idx="0">
         <a:scrgbClr r="0" g="0" b="0"/>
       </a:lnRef>
       <a:fillRef idx="1">
         <a:scrgbClr r="0" g="0" b="0"/>
       </a:fillRef>
-      <a:effectRef idx="0">
+      <a:effectRef idx="2">
         <a:scrgbClr r="0" g="0" b="0"/>
       </a:effectRef>
       <a:fontRef idx="minor">
@@ -6214,12 +6621,19 @@
   <dgm:styleLbl name="parChTrans2D2">
     <dgm:scene3d>
       <a:camera prst="orthographicFront"/>
-      <a:lightRig rig="threePt" dir="t"/>
+      <a:lightRig rig="threePt" dir="t">
+        <a:rot lat="0" lon="0" rev="7500000"/>
+      </a:lightRig>
     </dgm:scene3d>
-    <dgm:sp3d/>
+    <dgm:sp3d extrusionH="63500" prstMaterial="matte">
+      <a:bevelT w="50800" h="19050" prst="relaxedInset"/>
+      <a:contourClr>
+        <a:schemeClr val="bg1"/>
+      </a:contourClr>
+    </dgm:sp3d>
     <dgm:txPr/>
     <dgm:style>
-      <a:lnRef idx="2">
+      <a:lnRef idx="0">
         <a:scrgbClr r="0" g="0" b="0"/>
       </a:lnRef>
       <a:fillRef idx="1">
@@ -6236,18 +6650,22 @@
   <dgm:styleLbl name="parChTrans2D3">
     <dgm:scene3d>
       <a:camera prst="orthographicFront"/>
-      <a:lightRig rig="threePt" dir="t"/>
+      <a:lightRig rig="threePt" dir="t">
+        <a:rot lat="0" lon="0" rev="7500000"/>
+      </a:lightRig>
     </dgm:scene3d>
-    <dgm:sp3d/>
+    <dgm:sp3d z="60000" prstMaterial="flat">
+      <a:bevelT w="120900" h="88900"/>
+    </dgm:sp3d>
     <dgm:txPr/>
     <dgm:style>
-      <a:lnRef idx="2">
+      <a:lnRef idx="0">
         <a:scrgbClr r="0" g="0" b="0"/>
       </a:lnRef>
-      <a:fillRef idx="1">
+      <a:fillRef idx="3">
         <a:scrgbClr r="0" g="0" b="0"/>
       </a:fillRef>
-      <a:effectRef idx="0">
+      <a:effectRef idx="1">
         <a:scrgbClr r="0" g="0" b="0"/>
       </a:effectRef>
       <a:fontRef idx="minor">
@@ -6258,18 +6676,22 @@
   <dgm:styleLbl name="parChTrans2D4">
     <dgm:scene3d>
       <a:camera prst="orthographicFront"/>
-      <a:lightRig rig="threePt" dir="t"/>
+      <a:lightRig rig="threePt" dir="t">
+        <a:rot lat="0" lon="0" rev="7500000"/>
+      </a:lightRig>
     </dgm:scene3d>
-    <dgm:sp3d/>
+    <dgm:sp3d z="60000" prstMaterial="flat">
+      <a:bevelT w="120900" h="88900"/>
+    </dgm:sp3d>
     <dgm:txPr/>
     <dgm:style>
-      <a:lnRef idx="2">
+      <a:lnRef idx="0">
         <a:scrgbClr r="0" g="0" b="0"/>
       </a:lnRef>
-      <a:fillRef idx="1">
+      <a:fillRef idx="3">
         <a:scrgbClr r="0" g="0" b="0"/>
       </a:fillRef>
-      <a:effectRef idx="0">
+      <a:effectRef idx="1">
         <a:scrgbClr r="0" g="0" b="0"/>
       </a:effectRef>
       <a:fontRef idx="minor">
@@ -6280,9 +6702,11 @@
   <dgm:styleLbl name="parChTrans1D1">
     <dgm:scene3d>
       <a:camera prst="orthographicFront"/>
-      <a:lightRig rig="threePt" dir="t"/>
+      <a:lightRig rig="threePt" dir="t">
+        <a:rot lat="0" lon="0" rev="7500000"/>
+      </a:lightRig>
     </dgm:scene3d>
-    <dgm:sp3d/>
+    <dgm:sp3d z="-40000" prstMaterial="matte"/>
     <dgm:txPr/>
     <dgm:style>
       <a:lnRef idx="2">
@@ -6300,9 +6724,11 @@
   <dgm:styleLbl name="parChTrans1D2">
     <dgm:scene3d>
       <a:camera prst="orthographicFront"/>
-      <a:lightRig rig="threePt" dir="t"/>
+      <a:lightRig rig="threePt" dir="t">
+        <a:rot lat="0" lon="0" rev="7500000"/>
+      </a:lightRig>
     </dgm:scene3d>
-    <dgm:sp3d/>
+    <dgm:sp3d z="-40000" prstMaterial="matte"/>
     <dgm:txPr/>
     <dgm:style>
       <a:lnRef idx="2">
@@ -6320,9 +6746,11 @@
   <dgm:styleLbl name="parChTrans1D3">
     <dgm:scene3d>
       <a:camera prst="orthographicFront"/>
-      <a:lightRig rig="threePt" dir="t"/>
+      <a:lightRig rig="threePt" dir="t">
+        <a:rot lat="0" lon="0" rev="7500000"/>
+      </a:lightRig>
     </dgm:scene3d>
-    <dgm:sp3d/>
+    <dgm:sp3d z="-40000" prstMaterial="matte"/>
     <dgm:txPr/>
     <dgm:style>
       <a:lnRef idx="2">
@@ -6340,9 +6768,11 @@
   <dgm:styleLbl name="parChTrans1D4">
     <dgm:scene3d>
       <a:camera prst="orthographicFront"/>
-      <a:lightRig rig="threePt" dir="t"/>
+      <a:lightRig rig="threePt" dir="t">
+        <a:rot lat="0" lon="0" rev="7500000"/>
+      </a:lightRig>
     </dgm:scene3d>
-    <dgm:sp3d/>
+    <dgm:sp3d z="-40000" prstMaterial="matte"/>
     <dgm:txPr/>
     <dgm:style>
       <a:lnRef idx="2">
@@ -6360,18 +6790,25 @@
   <dgm:styleLbl name="fgAcc1">
     <dgm:scene3d>
       <a:camera prst="orthographicFront"/>
-      <a:lightRig rig="threePt" dir="t"/>
+      <a:lightRig rig="threePt" dir="t">
+        <a:rot lat="0" lon="0" rev="7500000"/>
+      </a:lightRig>
     </dgm:scene3d>
-    <dgm:sp3d/>
+    <dgm:sp3d z="152400" extrusionH="63500" prstMaterial="dkEdge">
+      <a:bevelT w="135400" h="16350" prst="relaxedInset"/>
+      <a:contourClr>
+        <a:schemeClr val="bg1"/>
+      </a:contourClr>
+    </dgm:sp3d>
     <dgm:txPr/>
     <dgm:style>
-      <a:lnRef idx="2">
+      <a:lnRef idx="1">
         <a:scrgbClr r="0" g="0" b="0"/>
       </a:lnRef>
       <a:fillRef idx="1">
         <a:scrgbClr r="0" g="0" b="0"/>
       </a:fillRef>
-      <a:effectRef idx="0">
+      <a:effectRef idx="2">
         <a:scrgbClr r="0" g="0" b="0"/>
       </a:effectRef>
       <a:fontRef idx="minor"/>
@@ -6380,18 +6817,25 @@
   <dgm:styleLbl name="conFgAcc1">
     <dgm:scene3d>
       <a:camera prst="orthographicFront"/>
-      <a:lightRig rig="threePt" dir="t"/>
+      <a:lightRig rig="threePt" dir="t">
+        <a:rot lat="0" lon="0" rev="7500000"/>
+      </a:lightRig>
     </dgm:scene3d>
-    <dgm:sp3d/>
+    <dgm:sp3d z="152400" extrusionH="63500" prstMaterial="dkEdge">
+      <a:bevelT w="135400" h="16350" prst="relaxedInset"/>
+      <a:contourClr>
+        <a:schemeClr val="bg1"/>
+      </a:contourClr>
+    </dgm:sp3d>
     <dgm:txPr/>
     <dgm:style>
-      <a:lnRef idx="2">
+      <a:lnRef idx="1">
         <a:scrgbClr r="0" g="0" b="0"/>
       </a:lnRef>
       <a:fillRef idx="1">
         <a:scrgbClr r="0" g="0" b="0"/>
       </a:fillRef>
-      <a:effectRef idx="0">
+      <a:effectRef idx="2">
         <a:scrgbClr r="0" g="0" b="0"/>
       </a:effectRef>
       <a:fontRef idx="minor"/>
@@ -6400,18 +6844,25 @@
   <dgm:styleLbl name="alignAcc1">
     <dgm:scene3d>
       <a:camera prst="orthographicFront"/>
-      <a:lightRig rig="threePt" dir="t"/>
+      <a:lightRig rig="threePt" dir="t">
+        <a:rot lat="0" lon="0" rev="7500000"/>
+      </a:lightRig>
     </dgm:scene3d>
-    <dgm:sp3d/>
+    <dgm:sp3d extrusionH="190500" prstMaterial="dkEdge">
+      <a:bevelT w="135400" h="16350" prst="relaxedInset"/>
+      <a:contourClr>
+        <a:schemeClr val="bg1"/>
+      </a:contourClr>
+    </dgm:sp3d>
     <dgm:txPr/>
     <dgm:style>
-      <a:lnRef idx="2">
+      <a:lnRef idx="1">
         <a:scrgbClr r="0" g="0" b="0"/>
       </a:lnRef>
       <a:fillRef idx="1">
         <a:scrgbClr r="0" g="0" b="0"/>
       </a:fillRef>
-      <a:effectRef idx="0">
+      <a:effectRef idx="2">
         <a:scrgbClr r="0" g="0" b="0"/>
       </a:effectRef>
       <a:fontRef idx="minor"/>
@@ -6420,9 +6871,13 @@
   <dgm:styleLbl name="trAlignAcc1">
     <dgm:scene3d>
       <a:camera prst="orthographicFront"/>
-      <a:lightRig rig="threePt" dir="t"/>
+      <a:lightRig rig="threePt" dir="t">
+        <a:rot lat="0" lon="0" rev="7500000"/>
+      </a:lightRig>
     </dgm:scene3d>
-    <dgm:sp3d/>
+    <dgm:sp3d prstMaterial="plastic">
+      <a:bevelT w="127000" h="35400"/>
+    </dgm:sp3d>
     <dgm:txPr/>
     <dgm:style>
       <a:lnRef idx="1">
@@ -6431,21 +6886,30 @@
       <a:fillRef idx="1">
         <a:scrgbClr r="0" g="0" b="0"/>
       </a:fillRef>
-      <a:effectRef idx="0">
+      <a:effectRef idx="2">
         <a:scrgbClr r="0" g="0" b="0"/>
       </a:effectRef>
-      <a:fontRef idx="minor"/>
+      <a:fontRef idx="minor">
+        <a:schemeClr val="lt1"/>
+      </a:fontRef>
     </dgm:style>
   </dgm:styleLbl>
   <dgm:styleLbl name="bgAcc1">
     <dgm:scene3d>
       <a:camera prst="orthographicFront"/>
-      <a:lightRig rig="threePt" dir="t"/>
+      <a:lightRig rig="threePt" dir="t">
+        <a:rot lat="0" lon="0" rev="7500000"/>
+      </a:lightRig>
     </dgm:scene3d>
-    <dgm:sp3d/>
+    <dgm:sp3d z="-152400" extrusionH="63500" prstMaterial="dkEdge">
+      <a:bevelT w="124450" h="16350" prst="relaxedInset"/>
+      <a:contourClr>
+        <a:schemeClr val="bg1"/>
+      </a:contourClr>
+    </dgm:sp3d>
     <dgm:txPr/>
     <dgm:style>
-      <a:lnRef idx="2">
+      <a:lnRef idx="1">
         <a:scrgbClr r="0" g="0" b="0"/>
       </a:lnRef>
       <a:fillRef idx="1">
@@ -6460,18 +6924,25 @@
   <dgm:styleLbl name="solidFgAcc1">
     <dgm:scene3d>
       <a:camera prst="orthographicFront"/>
-      <a:lightRig rig="threePt" dir="t"/>
+      <a:lightRig rig="threePt" dir="t">
+        <a:rot lat="0" lon="0" rev="7500000"/>
+      </a:lightRig>
     </dgm:scene3d>
-    <dgm:sp3d/>
+    <dgm:sp3d z="152400" extrusionH="63500" prstMaterial="dkEdge">
+      <a:bevelT w="120800" h="19050" prst="relaxedInset"/>
+      <a:contourClr>
+        <a:schemeClr val="bg1"/>
+      </a:contourClr>
+    </dgm:sp3d>
     <dgm:txPr/>
     <dgm:style>
-      <a:lnRef idx="2">
+      <a:lnRef idx="1">
         <a:scrgbClr r="0" g="0" b="0"/>
       </a:lnRef>
       <a:fillRef idx="1">
         <a:scrgbClr r="0" g="0" b="0"/>
       </a:fillRef>
-      <a:effectRef idx="0">
+      <a:effectRef idx="2">
         <a:scrgbClr r="0" g="0" b="0"/>
       </a:effectRef>
       <a:fontRef idx="minor"/>
@@ -6480,18 +6951,25 @@
   <dgm:styleLbl name="solidAlignAcc1">
     <dgm:scene3d>
       <a:camera prst="orthographicFront"/>
-      <a:lightRig rig="threePt" dir="t"/>
+      <a:lightRig rig="threePt" dir="t">
+        <a:rot lat="0" lon="0" rev="7500000"/>
+      </a:lightRig>
     </dgm:scene3d>
-    <dgm:sp3d/>
+    <dgm:sp3d extrusionH="190500" prstMaterial="dkEdge">
+      <a:bevelT w="120650" h="38100" prst="relaxedInset"/>
+      <a:contourClr>
+        <a:schemeClr val="bg1"/>
+      </a:contourClr>
+    </dgm:sp3d>
     <dgm:txPr/>
     <dgm:style>
-      <a:lnRef idx="2">
+      <a:lnRef idx="1">
         <a:scrgbClr r="0" g="0" b="0"/>
       </a:lnRef>
       <a:fillRef idx="1">
         <a:scrgbClr r="0" g="0" b="0"/>
       </a:fillRef>
-      <a:effectRef idx="0">
+      <a:effectRef idx="2">
         <a:scrgbClr r="0" g="0" b="0"/>
       </a:effectRef>
       <a:fontRef idx="minor"/>
@@ -6500,12 +6978,19 @@
   <dgm:styleLbl name="solidBgAcc1">
     <dgm:scene3d>
       <a:camera prst="orthographicFront"/>
-      <a:lightRig rig="threePt" dir="t"/>
+      <a:lightRig rig="threePt" dir="t">
+        <a:rot lat="0" lon="0" rev="7500000"/>
+      </a:lightRig>
     </dgm:scene3d>
-    <dgm:sp3d/>
+    <dgm:sp3d z="-152400" extrusionH="63500" prstMaterial="dkEdge">
+      <a:bevelT w="144450" h="36350" prst="relaxedInset"/>
+      <a:contourClr>
+        <a:schemeClr val="bg1"/>
+      </a:contourClr>
+    </dgm:sp3d>
     <dgm:txPr/>
     <dgm:style>
-      <a:lnRef idx="2">
+      <a:lnRef idx="1">
         <a:scrgbClr r="0" g="0" b="0"/>
       </a:lnRef>
       <a:fillRef idx="1">
@@ -6520,12 +7005,19 @@
   <dgm:styleLbl name="fgAccFollowNode1">
     <dgm:scene3d>
       <a:camera prst="orthographicFront"/>
-      <a:lightRig rig="threePt" dir="t"/>
+      <a:lightRig rig="threePt" dir="t">
+        <a:rot lat="0" lon="0" rev="7500000"/>
+      </a:lightRig>
     </dgm:scene3d>
-    <dgm:sp3d/>
+    <dgm:sp3d z="152400" extrusionH="63500" prstMaterial="dkEdge">
+      <a:bevelT w="125400" h="36350" prst="relaxedInset"/>
+      <a:contourClr>
+        <a:schemeClr val="bg1"/>
+      </a:contourClr>
+    </dgm:sp3d>
     <dgm:txPr/>
     <dgm:style>
-      <a:lnRef idx="2">
+      <a:lnRef idx="1">
         <a:scrgbClr r="0" g="0" b="0"/>
       </a:lnRef>
       <a:fillRef idx="1">
@@ -6540,18 +7032,26 @@
   <dgm:styleLbl name="alignAccFollowNode1">
     <dgm:scene3d>
       <a:camera prst="orthographicFront"/>
-      <a:lightRig rig="threePt" dir="t"/>
+      <a:lightRig rig="threePt" dir="t">
+        <a:rot lat="0" lon="0" rev="7500000"/>
+      </a:lightRig>
     </dgm:scene3d>
-    <dgm:sp3d/>
+    <dgm:sp3d extrusionH="190500" prstMaterial="dkEdge">
+      <a:bevelT w="120650" h="38100" prst="relaxedInset"/>
+      <a:bevelB w="120650" h="57150" prst="relaxedInset"/>
+      <a:contourClr>
+        <a:schemeClr val="bg1"/>
+      </a:contourClr>
+    </dgm:sp3d>
     <dgm:txPr/>
     <dgm:style>
-      <a:lnRef idx="2">
+      <a:lnRef idx="1">
         <a:scrgbClr r="0" g="0" b="0"/>
       </a:lnRef>
       <a:fillRef idx="1">
         <a:scrgbClr r="0" g="0" b="0"/>
       </a:fillRef>
-      <a:effectRef idx="0">
+      <a:effectRef idx="2">
         <a:scrgbClr r="0" g="0" b="0"/>
       </a:effectRef>
       <a:fontRef idx="minor"/>
@@ -6560,18 +7060,25 @@
   <dgm:styleLbl name="bgAccFollowNode1">
     <dgm:scene3d>
       <a:camera prst="orthographicFront"/>
-      <a:lightRig rig="threePt" dir="t"/>
+      <a:lightRig rig="threePt" dir="t">
+        <a:rot lat="0" lon="0" rev="7500000"/>
+      </a:lightRig>
     </dgm:scene3d>
-    <dgm:sp3d/>
+    <dgm:sp3d z="-152400" extrusionH="63500" prstMaterial="dkEdge">
+      <a:bevelT w="144450" h="36350" prst="relaxedInset"/>
+      <a:contourClr>
+        <a:schemeClr val="bg1"/>
+      </a:contourClr>
+    </dgm:sp3d>
     <dgm:txPr/>
     <dgm:style>
-      <a:lnRef idx="2">
+      <a:lnRef idx="1">
         <a:scrgbClr r="0" g="0" b="0"/>
       </a:lnRef>
       <a:fillRef idx="1">
         <a:scrgbClr r="0" g="0" b="0"/>
       </a:fillRef>
-      <a:effectRef idx="0">
+      <a:effectRef idx="2">
         <a:scrgbClr r="0" g="0" b="0"/>
       </a:effectRef>
       <a:fontRef idx="minor"/>
@@ -6580,18 +7087,25 @@
   <dgm:styleLbl name="fgAcc0">
     <dgm:scene3d>
       <a:camera prst="orthographicFront"/>
-      <a:lightRig rig="threePt" dir="t"/>
+      <a:lightRig rig="threePt" dir="t">
+        <a:rot lat="0" lon="0" rev="7500000"/>
+      </a:lightRig>
     </dgm:scene3d>
-    <dgm:sp3d/>
+    <dgm:sp3d z="152400" extrusionH="63500" prstMaterial="dkEdge">
+      <a:bevelT w="125400" h="36350" prst="relaxedInset"/>
+      <a:contourClr>
+        <a:schemeClr val="bg1"/>
+      </a:contourClr>
+    </dgm:sp3d>
     <dgm:txPr/>
     <dgm:style>
-      <a:lnRef idx="2">
+      <a:lnRef idx="1">
         <a:scrgbClr r="0" g="0" b="0"/>
       </a:lnRef>
       <a:fillRef idx="1">
         <a:scrgbClr r="0" g="0" b="0"/>
       </a:fillRef>
-      <a:effectRef idx="0">
+      <a:effectRef idx="2">
         <a:scrgbClr r="0" g="0" b="0"/>
       </a:effectRef>
       <a:fontRef idx="minor"/>
@@ -6600,18 +7114,25 @@
   <dgm:styleLbl name="fgAcc2">
     <dgm:scene3d>
       <a:camera prst="orthographicFront"/>
-      <a:lightRig rig="threePt" dir="t"/>
+      <a:lightRig rig="threePt" dir="t">
+        <a:rot lat="0" lon="0" rev="7500000"/>
+      </a:lightRig>
     </dgm:scene3d>
-    <dgm:sp3d/>
+    <dgm:sp3d z="152400" extrusionH="63500" prstMaterial="dkEdge">
+      <a:bevelT w="125400" h="36350" prst="relaxedInset"/>
+      <a:contourClr>
+        <a:schemeClr val="bg1"/>
+      </a:contourClr>
+    </dgm:sp3d>
     <dgm:txPr/>
     <dgm:style>
-      <a:lnRef idx="2">
+      <a:lnRef idx="1">
         <a:scrgbClr r="0" g="0" b="0"/>
       </a:lnRef>
       <a:fillRef idx="1">
         <a:scrgbClr r="0" g="0" b="0"/>
       </a:fillRef>
-      <a:effectRef idx="0">
+      <a:effectRef idx="2">
         <a:scrgbClr r="0" g="0" b="0"/>
       </a:effectRef>
       <a:fontRef idx="minor"/>
@@ -6620,18 +7141,25 @@
   <dgm:styleLbl name="fgAcc3">
     <dgm:scene3d>
       <a:camera prst="orthographicFront"/>
-      <a:lightRig rig="threePt" dir="t"/>
+      <a:lightRig rig="threePt" dir="t">
+        <a:rot lat="0" lon="0" rev="7500000"/>
+      </a:lightRig>
     </dgm:scene3d>
-    <dgm:sp3d/>
+    <dgm:sp3d z="152400" extrusionH="63500" prstMaterial="dkEdge">
+      <a:bevelT w="125400" h="36350" prst="relaxedInset"/>
+      <a:contourClr>
+        <a:schemeClr val="bg1"/>
+      </a:contourClr>
+    </dgm:sp3d>
     <dgm:txPr/>
     <dgm:style>
-      <a:lnRef idx="2">
+      <a:lnRef idx="1">
         <a:scrgbClr r="0" g="0" b="0"/>
       </a:lnRef>
       <a:fillRef idx="1">
         <a:scrgbClr r="0" g="0" b="0"/>
       </a:fillRef>
-      <a:effectRef idx="0">
+      <a:effectRef idx="2">
         <a:scrgbClr r="0" g="0" b="0"/>
       </a:effectRef>
       <a:fontRef idx="minor"/>
@@ -6640,18 +7168,25 @@
   <dgm:styleLbl name="fgAcc4">
     <dgm:scene3d>
       <a:camera prst="orthographicFront"/>
-      <a:lightRig rig="threePt" dir="t"/>
+      <a:lightRig rig="threePt" dir="t">
+        <a:rot lat="0" lon="0" rev="7500000"/>
+      </a:lightRig>
     </dgm:scene3d>
-    <dgm:sp3d/>
+    <dgm:sp3d z="152400" extrusionH="63500" prstMaterial="dkEdge">
+      <a:bevelT w="125400" h="36350" prst="relaxedInset"/>
+      <a:contourClr>
+        <a:schemeClr val="bg1"/>
+      </a:contourClr>
+    </dgm:sp3d>
     <dgm:txPr/>
     <dgm:style>
-      <a:lnRef idx="2">
+      <a:lnRef idx="1">
         <a:scrgbClr r="0" g="0" b="0"/>
       </a:lnRef>
       <a:fillRef idx="1">
         <a:scrgbClr r="0" g="0" b="0"/>
       </a:fillRef>
-      <a:effectRef idx="0">
+      <a:effectRef idx="2">
         <a:scrgbClr r="0" g="0" b="0"/>
       </a:effectRef>
       <a:fontRef idx="minor"/>
@@ -6660,15 +7195,22 @@
   <dgm:styleLbl name="bgShp">
     <dgm:scene3d>
       <a:camera prst="orthographicFront"/>
-      <a:lightRig rig="threePt" dir="t"/>
+      <a:lightRig rig="threePt" dir="t">
+        <a:rot lat="0" lon="0" rev="7500000"/>
+      </a:lightRig>
     </dgm:scene3d>
-    <dgm:sp3d/>
+    <dgm:sp3d z="-152400" extrusionH="63500" prstMaterial="matte">
+      <a:bevelT w="144450" h="6350" prst="relaxedInset"/>
+      <a:contourClr>
+        <a:schemeClr val="bg1"/>
+      </a:contourClr>
+    </dgm:sp3d>
     <dgm:txPr/>
     <dgm:style>
       <a:lnRef idx="0">
         <a:scrgbClr r="0" g="0" b="0"/>
       </a:lnRef>
-      <a:fillRef idx="1">
+      <a:fillRef idx="3">
         <a:scrgbClr r="0" g="0" b="0"/>
       </a:fillRef>
       <a:effectRef idx="0">
@@ -6680,9 +7222,14 @@
   <dgm:styleLbl name="dkBgShp">
     <dgm:scene3d>
       <a:camera prst="orthographicFront"/>
-      <a:lightRig rig="threePt" dir="t"/>
+      <a:lightRig rig="threePt" dir="t">
+        <a:rot lat="0" lon="0" rev="7500000"/>
+      </a:lightRig>
     </dgm:scene3d>
-    <dgm:sp3d/>
+    <dgm:sp3d prstMaterial="plastic">
+      <a:bevelT w="127000" h="25400" prst="relaxedInset"/>
+      <a:bevelB w="88900" h="121750" prst="angle"/>
+    </dgm:sp3d>
     <dgm:txPr/>
     <dgm:style>
       <a:lnRef idx="0">
@@ -6691,10 +7238,12 @@
       <a:fillRef idx="1">
         <a:scrgbClr r="0" g="0" b="0"/>
       </a:fillRef>
-      <a:effectRef idx="0">
+      <a:effectRef idx="2">
         <a:scrgbClr r="0" g="0" b="0"/>
       </a:effectRef>
-      <a:fontRef idx="minor"/>
+      <a:fontRef idx="minor">
+        <a:schemeClr val="lt1"/>
+      </a:fontRef>
     </dgm:style>
   </dgm:styleLbl>
   <dgm:styleLbl name="trBgShp">
@@ -6702,7 +7251,7 @@
       <a:camera prst="orthographicFront"/>
       <a:lightRig rig="threePt" dir="t"/>
     </dgm:scene3d>
-    <dgm:sp3d/>
+    <dgm:sp3d z="-152400" prstMaterial="matte"/>
     <dgm:txPr/>
     <dgm:style>
       <a:lnRef idx="0">
@@ -6720,21 +7269,30 @@
   <dgm:styleLbl name="fgShp">
     <dgm:scene3d>
       <a:camera prst="orthographicFront"/>
-      <a:lightRig rig="threePt" dir="t"/>
+      <a:lightRig rig="threePt" dir="t">
+        <a:rot lat="0" lon="0" rev="7500000"/>
+      </a:lightRig>
     </dgm:scene3d>
-    <dgm:sp3d/>
+    <dgm:sp3d z="152400" extrusionH="63500" prstMaterial="matte">
+      <a:bevelT w="50800" h="19050" prst="relaxedInset"/>
+      <a:contourClr>
+        <a:schemeClr val="bg1"/>
+      </a:contourClr>
+    </dgm:sp3d>
     <dgm:txPr/>
     <dgm:style>
-      <a:lnRef idx="2">
+      <a:lnRef idx="0">
         <a:scrgbClr r="0" g="0" b="0"/>
       </a:lnRef>
       <a:fillRef idx="1">
         <a:scrgbClr r="0" g="0" b="0"/>
       </a:fillRef>
-      <a:effectRef idx="0">
+      <a:effectRef idx="2">
         <a:scrgbClr r="0" g="0" b="0"/>
       </a:effectRef>
-      <a:fontRef idx="minor"/>
+      <a:fontRef idx="minor">
+        <a:schemeClr val="lt1"/>
+      </a:fontRef>
     </dgm:style>
   </dgm:styleLbl>
   <dgm:styleLbl name="revTx">
@@ -11081,7 +11639,7 @@
                   <a:schemeClr val="tx1"/>
                 </a:solidFill>
               </a:rPr>
-              <a:t>CSS was used to create the UI and UX of the website.</a:t>
+              <a:t>CSS was used to design the UI and UX of the website.</a:t>
             </a:r>
           </a:p>
         </p:txBody>
@@ -17583,7 +18141,7 @@
             <p:ph idx="1"/>
             <p:extLst>
               <p:ext uri="{D42A27DB-BD31-4B8C-83A1-F6EECF244321}">
-                <p14:modId xmlns:p14="http://schemas.microsoft.com/office/powerpoint/2010/main" val="1505220062"/>
+                <p14:modId xmlns:p14="http://schemas.microsoft.com/office/powerpoint/2010/main" val="2651440963"/>
               </p:ext>
             </p:extLst>
           </p:nvPr>
@@ -18130,7 +18688,7 @@
             </a:pPr>
             <a:r>
               <a:rPr lang="en-US" dirty="0"/>
-              <a:t> It will connect to the PostgreSQL created</a:t>
+              <a:t> It will connect to the PostgreSQL database</a:t>
             </a:r>
           </a:p>
           <a:p>
@@ -19252,21 +19810,21 @@
 </file>
 
 <file path=customXml/item1.xml><?xml version="1.0" encoding="utf-8"?>
+<p:properties xmlns:p="http://schemas.microsoft.com/office/2006/metadata/properties" xmlns:xsi="http://www.w3.org/2001/XMLSchema-instance" xmlns:pc="http://schemas.microsoft.com/office/infopath/2007/PartnerControls">
+  <documentManagement>
+    <Status xmlns="71af3243-3dd4-4a8d-8c0d-dd76da1f02a5">Not started</Status>
+    <MediaServiceKeyPoints xmlns="71af3243-3dd4-4a8d-8c0d-dd76da1f02a5" xsi:nil="true"/>
+  </documentManagement>
+</p:properties>
+</file>
+
+<file path=customXml/item2.xml><?xml version="1.0" encoding="utf-8"?>
 <?mso-contentType ?>
 <FormTemplates xmlns="http://schemas.microsoft.com/sharepoint/v3/contenttype/forms">
   <Display>DocumentLibraryForm</Display>
   <Edit>DocumentLibraryForm</Edit>
   <New>DocumentLibraryForm</New>
 </FormTemplates>
-</file>
-
-<file path=customXml/item2.xml><?xml version="1.0" encoding="utf-8"?>
-<p:properties xmlns:p="http://schemas.microsoft.com/office/2006/metadata/properties" xmlns:xsi="http://www.w3.org/2001/XMLSchema-instance" xmlns:pc="http://schemas.microsoft.com/office/infopath/2007/PartnerControls">
-  <documentManagement>
-    <Status xmlns="71af3243-3dd4-4a8d-8c0d-dd76da1f02a5">Not started</Status>
-    <MediaServiceKeyPoints xmlns="71af3243-3dd4-4a8d-8c0d-dd76da1f02a5" xsi:nil="true"/>
-  </documentManagement>
-</p:properties>
 </file>
 
 <file path=customXml/item3.xml><?xml version="1.0" encoding="utf-8"?>
@@ -19491,19 +20049,19 @@
 </file>
 
 <file path=customXml/itemProps1.xml><?xml version="1.0" encoding="utf-8"?>
-<ds:datastoreItem xmlns:ds="http://schemas.openxmlformats.org/officeDocument/2006/customXml" ds:itemID="{AA3F7EDC-E5B4-4BBC-9D2A-CBE6D46C37AD}">
+<ds:datastoreItem xmlns:ds="http://schemas.openxmlformats.org/officeDocument/2006/customXml" ds:itemID="{A03EEFF0-FB57-4CB4-8BFC-DF397689E2ED}">
   <ds:schemaRefs>
-    <ds:schemaRef ds:uri="http://schemas.microsoft.com/sharepoint/v3/contenttype/forms"/>
+    <ds:schemaRef ds:uri="http://schemas.microsoft.com/office/2006/metadata/properties"/>
+    <ds:schemaRef ds:uri="http://schemas.microsoft.com/office/infopath/2007/PartnerControls"/>
+    <ds:schemaRef ds:uri="71af3243-3dd4-4a8d-8c0d-dd76da1f02a5"/>
   </ds:schemaRefs>
 </ds:datastoreItem>
 </file>
 
 <file path=customXml/itemProps2.xml><?xml version="1.0" encoding="utf-8"?>
-<ds:datastoreItem xmlns:ds="http://schemas.openxmlformats.org/officeDocument/2006/customXml" ds:itemID="{A03EEFF0-FB57-4CB4-8BFC-DF397689E2ED}">
+<ds:datastoreItem xmlns:ds="http://schemas.openxmlformats.org/officeDocument/2006/customXml" ds:itemID="{AA3F7EDC-E5B4-4BBC-9D2A-CBE6D46C37AD}">
   <ds:schemaRefs>
-    <ds:schemaRef ds:uri="http://schemas.microsoft.com/office/2006/metadata/properties"/>
-    <ds:schemaRef ds:uri="http://schemas.microsoft.com/office/infopath/2007/PartnerControls"/>
-    <ds:schemaRef ds:uri="71af3243-3dd4-4a8d-8c0d-dd76da1f02a5"/>
+    <ds:schemaRef ds:uri="http://schemas.microsoft.com/sharepoint/v3/contenttype/forms"/>
   </ds:schemaRefs>
 </ds:datastoreItem>
 </file>

--- a/Path Finders.pptx
+++ b/Path Finders.pptx
@@ -6,19 +6,21 @@
   </p:sldMasterIdLst>
   <p:sldIdLst>
     <p:sldId id="298" r:id="rId5"/>
-    <p:sldId id="300" r:id="rId6"/>
-    <p:sldId id="301" r:id="rId7"/>
-    <p:sldId id="302" r:id="rId8"/>
-    <p:sldId id="303" r:id="rId9"/>
-    <p:sldId id="305" r:id="rId10"/>
-    <p:sldId id="304" r:id="rId11"/>
-    <p:sldId id="306" r:id="rId12"/>
-    <p:sldId id="307" r:id="rId13"/>
-    <p:sldId id="308" r:id="rId14"/>
-    <p:sldId id="309" r:id="rId15"/>
-    <p:sldId id="310" r:id="rId16"/>
-    <p:sldId id="311" r:id="rId17"/>
-    <p:sldId id="312" r:id="rId18"/>
+    <p:sldId id="313" r:id="rId6"/>
+    <p:sldId id="314" r:id="rId7"/>
+    <p:sldId id="300" r:id="rId8"/>
+    <p:sldId id="301" r:id="rId9"/>
+    <p:sldId id="302" r:id="rId10"/>
+    <p:sldId id="303" r:id="rId11"/>
+    <p:sldId id="305" r:id="rId12"/>
+    <p:sldId id="304" r:id="rId13"/>
+    <p:sldId id="306" r:id="rId14"/>
+    <p:sldId id="307" r:id="rId15"/>
+    <p:sldId id="308" r:id="rId16"/>
+    <p:sldId id="309" r:id="rId17"/>
+    <p:sldId id="310" r:id="rId18"/>
+    <p:sldId id="311" r:id="rId19"/>
+    <p:sldId id="312" r:id="rId20"/>
   </p:sldIdLst>
   <p:sldSz cx="12192000" cy="6858000"/>
   <p:notesSz cx="6858000" cy="9144000"/>
@@ -123,6 +125,8 @@
         <p14:section name="Default Section" id="{680A953A-3D1C-4185-B5DE-8F3BD19360D2}">
           <p14:sldIdLst>
             <p14:sldId id="298"/>
+            <p14:sldId id="313"/>
+            <p14:sldId id="314"/>
             <p14:sldId id="300"/>
             <p14:sldId id="301"/>
             <p14:sldId id="302"/>
@@ -7562,7 +7566,7 @@
           <a:p>
             <a:fld id="{9184DA70-C731-4C70-880D-CCD4705E623C}" type="datetime1">
               <a:rPr lang="en-US" smtClean="0"/>
-              <a:t>9/25/2022</a:t>
+              <a:t>9/29/2022</a:t>
             </a:fld>
             <a:endParaRPr lang="en-US" dirty="0"/>
           </a:p>
@@ -7750,7 +7754,7 @@
           <a:p>
             <a:fld id="{4BE1D723-8F53-4F53-90B0-1982A396982E}" type="datetime1">
               <a:rPr lang="en-US" smtClean="0"/>
-              <a:t>9/25/2022</a:t>
+              <a:t>9/29/2022</a:t>
             </a:fld>
             <a:endParaRPr lang="en-US" dirty="0"/>
           </a:p>
@@ -8123,7 +8127,7 @@
           <a:p>
             <a:fld id="{97669AF7-7BEB-44E4-9852-375E34362B5B}" type="datetime1">
               <a:rPr lang="en-US" smtClean="0"/>
-              <a:t>9/25/2022</a:t>
+              <a:t>9/29/2022</a:t>
             </a:fld>
             <a:endParaRPr lang="en-US" dirty="0"/>
           </a:p>
@@ -8378,7 +8382,7 @@
           <a:p>
             <a:fld id="{BAAAC38D-0552-4C82-B593-E6124DFADBE2}" type="datetime1">
               <a:rPr lang="en-US" smtClean="0"/>
-              <a:t>9/25/2022</a:t>
+              <a:t>9/29/2022</a:t>
             </a:fld>
             <a:endParaRPr lang="en-US" dirty="0"/>
           </a:p>
@@ -8775,7 +8779,7 @@
           <a:p>
             <a:fld id="{D9DF0F1C-5577-4ACB-BB62-DF8F3C494C7E}" type="datetime1">
               <a:rPr lang="en-US" smtClean="0"/>
-              <a:t>9/25/2022</a:t>
+              <a:t>9/29/2022</a:t>
             </a:fld>
             <a:endParaRPr lang="en-US" dirty="0"/>
           </a:p>
@@ -8911,7 +8915,7 @@
           <a:p>
             <a:fld id="{1775B394-D9F9-4F0C-B15D-605F45CB9E9F}" type="datetime1">
               <a:rPr lang="en-US" smtClean="0"/>
-              <a:t>9/25/2022</a:t>
+              <a:t>9/29/2022</a:t>
             </a:fld>
             <a:endParaRPr lang="en-US" dirty="0"/>
           </a:p>
@@ -9068,7 +9072,7 @@
           <a:p>
             <a:fld id="{39667345-2558-425A-8533-9BFDBCE15005}" type="datetime1">
               <a:rPr lang="en-US" smtClean="0"/>
-              <a:t>9/25/2022</a:t>
+              <a:t>9/29/2022</a:t>
             </a:fld>
             <a:endParaRPr lang="en-US" dirty="0"/>
           </a:p>
@@ -9397,7 +9401,7 @@
           <a:p>
             <a:fld id="{92BEA474-078D-4E9B-9B14-09A87B19DC46}" type="datetime1">
               <a:rPr lang="en-US" smtClean="0"/>
-              <a:t>9/25/2022</a:t>
+              <a:t>9/29/2022</a:t>
             </a:fld>
             <a:endParaRPr lang="en-US" dirty="0"/>
           </a:p>
@@ -9747,7 +9751,7 @@
           <a:p>
             <a:fld id="{4907D986-8816-4272-A432-0437A28A9828}" type="datetime1">
               <a:rPr lang="en-US" smtClean="0"/>
-              <a:t>9/25/2022</a:t>
+              <a:t>9/29/2022</a:t>
             </a:fld>
             <a:endParaRPr lang="en-US" dirty="0"/>
           </a:p>
@@ -10008,7 +10012,7 @@
           <a:p>
             <a:fld id="{62D6E202-B606-4609-B914-27C9371A1F6D}" type="datetime1">
               <a:rPr lang="en-US" smtClean="0"/>
-              <a:t>9/25/2022</a:t>
+              <a:t>9/29/2022</a:t>
             </a:fld>
             <a:endParaRPr lang="en-US" dirty="0"/>
           </a:p>
@@ -11088,6 +11092,639 @@
 </file>
 
 <file path=ppt/slides/slide10.xml><?xml version="1.0" encoding="utf-8"?>
+<p:sld xmlns:a="http://schemas.openxmlformats.org/drawingml/2006/main" xmlns:r="http://schemas.openxmlformats.org/officeDocument/2006/relationships" xmlns:p="http://schemas.openxmlformats.org/presentationml/2006/main" show="0">
+  <p:cSld>
+    <p:bg>
+      <p:bgPr>
+        <a:solidFill>
+          <a:schemeClr val="bg1"/>
+        </a:solidFill>
+        <a:effectLst/>
+      </p:bgPr>
+    </p:bg>
+    <p:spTree>
+      <p:nvGrpSpPr>
+        <p:cNvPr id="1" name=""/>
+        <p:cNvGrpSpPr/>
+        <p:nvPr/>
+      </p:nvGrpSpPr>
+      <p:grpSpPr>
+        <a:xfrm>
+          <a:off x="0" y="0"/>
+          <a:ext cx="0" cy="0"/>
+          <a:chOff x="0" y="0"/>
+          <a:chExt cx="0" cy="0"/>
+        </a:xfrm>
+      </p:grpSpPr>
+      <p:sp>
+        <p:nvSpPr>
+          <p:cNvPr id="9" name="Rectangle 8">
+            <a:extLst>
+              <a:ext uri="{FF2B5EF4-FFF2-40B4-BE49-F238E27FC236}">
+                <a16:creationId xmlns:a16="http://schemas.microsoft.com/office/drawing/2014/main" id="{A8E9C91B-7EAD-4562-AB0E-DFB9663AECE3}"/>
+              </a:ext>
+              <a:ext uri="{C183D7F6-B498-43B3-948B-1728B52AA6E4}">
+                <adec:decorative xmlns:adec="http://schemas.microsoft.com/office/drawing/2017/decorative" val="1"/>
+              </a:ext>
+            </a:extLst>
+          </p:cNvPr>
+          <p:cNvSpPr>
+            <a:spLocks noGrp="1" noRot="1" noChangeAspect="1" noMove="1" noResize="1" noEditPoints="1" noAdjustHandles="1" noChangeArrowheads="1" noChangeShapeType="1" noTextEdit="1"/>
+          </p:cNvSpPr>
+          <p:nvPr>
+            <p:extLst>
+              <p:ext uri="{386F3935-93C4-4BCD-93E2-E3B085C9AB24}">
+                <p16:designElem xmlns:p16="http://schemas.microsoft.com/office/powerpoint/2015/main" val="1"/>
+              </p:ext>
+            </p:extLst>
+          </p:nvPr>
+        </p:nvSpPr>
+        <p:spPr>
+          <a:xfrm>
+            <a:off x="3175" y="6400800"/>
+            <a:ext cx="12188825" cy="457200"/>
+          </a:xfrm>
+          <a:prstGeom prst="rect">
+            <a:avLst/>
+          </a:prstGeom>
+          <a:solidFill>
+            <a:srgbClr val="262626"/>
+          </a:solidFill>
+          <a:ln>
+            <a:noFill/>
+          </a:ln>
+        </p:spPr>
+        <p:style>
+          <a:lnRef idx="2">
+            <a:schemeClr val="accent1">
+              <a:shade val="50000"/>
+            </a:schemeClr>
+          </a:lnRef>
+          <a:fillRef idx="1">
+            <a:schemeClr val="accent1"/>
+          </a:fillRef>
+          <a:effectRef idx="0">
+            <a:schemeClr val="accent1"/>
+          </a:effectRef>
+          <a:fontRef idx="minor">
+            <a:schemeClr val="lt1"/>
+          </a:fontRef>
+        </p:style>
+      </p:sp>
+      <p:sp useBgFill="1">
+        <p:nvSpPr>
+          <p:cNvPr id="11" name="Rectangle 10">
+            <a:extLst>
+              <a:ext uri="{FF2B5EF4-FFF2-40B4-BE49-F238E27FC236}">
+                <a16:creationId xmlns:a16="http://schemas.microsoft.com/office/drawing/2014/main" id="{652BD35A-BC99-4831-A358-06E2CEB96697}"/>
+              </a:ext>
+              <a:ext uri="{C183D7F6-B498-43B3-948B-1728B52AA6E4}">
+                <adec:decorative xmlns:adec="http://schemas.microsoft.com/office/drawing/2017/decorative" val="1"/>
+              </a:ext>
+            </a:extLst>
+          </p:cNvPr>
+          <p:cNvSpPr>
+            <a:spLocks noGrp="1" noRot="1" noChangeAspect="1" noMove="1" noResize="1" noEditPoints="1" noAdjustHandles="1" noChangeArrowheads="1" noChangeShapeType="1" noTextEdit="1"/>
+          </p:cNvSpPr>
+          <p:nvPr>
+            <p:extLst>
+              <p:ext uri="{386F3935-93C4-4BCD-93E2-E3B085C9AB24}">
+                <p16:designElem xmlns:p16="http://schemas.microsoft.com/office/powerpoint/2015/main" val="1"/>
+              </p:ext>
+            </p:extLst>
+          </p:nvPr>
+        </p:nvSpPr>
+        <p:spPr>
+          <a:xfrm>
+            <a:off x="0" y="0"/>
+            <a:ext cx="12192000" cy="6858000"/>
+          </a:xfrm>
+          <a:prstGeom prst="rect">
+            <a:avLst/>
+          </a:prstGeom>
+          <a:ln>
+            <a:noFill/>
+          </a:ln>
+        </p:spPr>
+        <p:style>
+          <a:lnRef idx="2">
+            <a:schemeClr val="accent1">
+              <a:shade val="50000"/>
+            </a:schemeClr>
+          </a:lnRef>
+          <a:fillRef idx="1">
+            <a:schemeClr val="accent1"/>
+          </a:fillRef>
+          <a:effectRef idx="0">
+            <a:schemeClr val="accent1"/>
+          </a:effectRef>
+          <a:fontRef idx="minor">
+            <a:schemeClr val="lt1"/>
+          </a:fontRef>
+        </p:style>
+        <p:txBody>
+          <a:bodyPr rtlCol="0" anchor="ctr"/>
+          <a:lstStyle/>
+          <a:p>
+            <a:pPr algn="ctr"/>
+            <a:endParaRPr lang="en-US"/>
+          </a:p>
+        </p:txBody>
+      </p:sp>
+      <p:sp>
+        <p:nvSpPr>
+          <p:cNvPr id="13" name="Rectangle 12">
+            <a:extLst>
+              <a:ext uri="{FF2B5EF4-FFF2-40B4-BE49-F238E27FC236}">
+                <a16:creationId xmlns:a16="http://schemas.microsoft.com/office/drawing/2014/main" id="{B76E24C1-2968-40DC-A36E-F6B85F0F0752}"/>
+              </a:ext>
+              <a:ext uri="{C183D7F6-B498-43B3-948B-1728B52AA6E4}">
+                <adec:decorative xmlns:adec="http://schemas.microsoft.com/office/drawing/2017/decorative" val="1"/>
+              </a:ext>
+            </a:extLst>
+          </p:cNvPr>
+          <p:cNvSpPr>
+            <a:spLocks noGrp="1" noRot="1" noChangeAspect="1" noMove="1" noResize="1" noEditPoints="1" noAdjustHandles="1" noChangeArrowheads="1" noChangeShapeType="1" noTextEdit="1"/>
+          </p:cNvSpPr>
+          <p:nvPr>
+            <p:extLst>
+              <p:ext uri="{386F3935-93C4-4BCD-93E2-E3B085C9AB24}">
+                <p16:designElem xmlns:p16="http://schemas.microsoft.com/office/powerpoint/2015/main" val="1"/>
+              </p:ext>
+            </p:extLst>
+          </p:nvPr>
+        </p:nvSpPr>
+        <p:spPr>
+          <a:xfrm>
+            <a:off x="522732" y="521208"/>
+            <a:ext cx="11146536" cy="5815584"/>
+          </a:xfrm>
+          <a:prstGeom prst="rect">
+            <a:avLst/>
+          </a:prstGeom>
+          <a:noFill/>
+          <a:ln w="69850">
+            <a:solidFill>
+              <a:schemeClr val="tx1">
+                <a:lumMod val="75000"/>
+                <a:lumOff val="25000"/>
+              </a:schemeClr>
+            </a:solidFill>
+            <a:miter lim="800000"/>
+          </a:ln>
+        </p:spPr>
+        <p:style>
+          <a:lnRef idx="2">
+            <a:schemeClr val="accent1">
+              <a:shade val="50000"/>
+            </a:schemeClr>
+          </a:lnRef>
+          <a:fillRef idx="1">
+            <a:schemeClr val="accent1"/>
+          </a:fillRef>
+          <a:effectRef idx="0">
+            <a:schemeClr val="accent1"/>
+          </a:effectRef>
+          <a:fontRef idx="minor">
+            <a:schemeClr val="lt1"/>
+          </a:fontRef>
+        </p:style>
+        <p:txBody>
+          <a:bodyPr rtlCol="0" anchor="ctr"/>
+          <a:lstStyle/>
+          <a:p>
+            <a:pPr algn="ctr"/>
+            <a:endParaRPr lang="en-US"/>
+          </a:p>
+        </p:txBody>
+      </p:sp>
+      <p:pic>
+        <p:nvPicPr>
+          <p:cNvPr id="4" name="Picture 3">
+            <a:extLst>
+              <a:ext uri="{FF2B5EF4-FFF2-40B4-BE49-F238E27FC236}">
+                <a16:creationId xmlns:a16="http://schemas.microsoft.com/office/drawing/2014/main" id="{D684F34F-D0CF-4AF1-83AB-6CC43877421C}"/>
+              </a:ext>
+            </a:extLst>
+          </p:cNvPr>
+          <p:cNvPicPr>
+            <a:picLocks noChangeAspect="1"/>
+          </p:cNvPicPr>
+          <p:nvPr/>
+        </p:nvPicPr>
+        <p:blipFill rotWithShape="1">
+          <a:blip r:embed="rId2"/>
+          <a:srcRect l="-1012" t="-1344" r="1"/>
+          <a:stretch/>
+        </p:blipFill>
+        <p:spPr>
+          <a:xfrm>
+            <a:off x="2857501" y="838200"/>
+            <a:ext cx="6444468" cy="5107461"/>
+          </a:xfrm>
+          <a:prstGeom prst="rect">
+            <a:avLst/>
+          </a:prstGeom>
+          <a:solidFill>
+            <a:srgbClr val="FFFFFF">
+              <a:shade val="85000"/>
+            </a:srgbClr>
+          </a:solidFill>
+          <a:ln w="88900" cap="sq">
+            <a:solidFill>
+              <a:srgbClr val="FFFFFF"/>
+            </a:solidFill>
+            <a:miter lim="800000"/>
+          </a:ln>
+          <a:effectLst>
+            <a:outerShdw blurRad="55000" dist="18000" dir="5400000" algn="tl" rotWithShape="0">
+              <a:srgbClr val="000000">
+                <a:alpha val="40000"/>
+              </a:srgbClr>
+            </a:outerShdw>
+          </a:effectLst>
+          <a:scene3d>
+            <a:camera prst="orthographicFront"/>
+            <a:lightRig rig="twoPt" dir="t">
+              <a:rot lat="0" lon="0" rev="7200000"/>
+            </a:lightRig>
+          </a:scene3d>
+          <a:sp3d>
+            <a:bevelT w="25400" h="19050"/>
+            <a:contourClr>
+              <a:srgbClr val="FFFFFF"/>
+            </a:contourClr>
+          </a:sp3d>
+        </p:spPr>
+      </p:pic>
+    </p:spTree>
+    <p:extLst>
+      <p:ext uri="{BB962C8B-B14F-4D97-AF65-F5344CB8AC3E}">
+        <p14:creationId xmlns:p14="http://schemas.microsoft.com/office/powerpoint/2010/main" val="1724175508"/>
+      </p:ext>
+    </p:extLst>
+  </p:cSld>
+  <p:clrMapOvr>
+    <a:overrideClrMapping bg1="dk1" tx1="lt1" bg2="dk2" tx2="lt2" accent1="accent1" accent2="accent2" accent3="accent3" accent4="accent4" accent5="accent5" accent6="accent6" hlink="hlink" folHlink="folHlink"/>
+  </p:clrMapOvr>
+  <mc:AlternateContent xmlns:mc="http://schemas.openxmlformats.org/markup-compatibility/2006" xmlns:p14="http://schemas.microsoft.com/office/powerpoint/2010/main">
+    <mc:Choice Requires="p14">
+      <p:transition p14:dur="0" advClick="0"/>
+    </mc:Choice>
+    <mc:Fallback xmlns="">
+      <p:transition advClick="0"/>
+    </mc:Fallback>
+  </mc:AlternateContent>
+</p:sld>
+</file>
+
+<file path=ppt/slides/slide11.xml><?xml version="1.0" encoding="utf-8"?>
+<p:sld xmlns:a="http://schemas.openxmlformats.org/drawingml/2006/main" xmlns:r="http://schemas.openxmlformats.org/officeDocument/2006/relationships" xmlns:p="http://schemas.openxmlformats.org/presentationml/2006/main" show="0">
+  <p:cSld>
+    <p:bg>
+      <p:bgPr>
+        <a:solidFill>
+          <a:schemeClr val="bg1"/>
+        </a:solidFill>
+        <a:effectLst/>
+      </p:bgPr>
+    </p:bg>
+    <p:spTree>
+      <p:nvGrpSpPr>
+        <p:cNvPr id="1" name=""/>
+        <p:cNvGrpSpPr/>
+        <p:nvPr/>
+      </p:nvGrpSpPr>
+      <p:grpSpPr>
+        <a:xfrm>
+          <a:off x="0" y="0"/>
+          <a:ext cx="0" cy="0"/>
+          <a:chOff x="0" y="0"/>
+          <a:chExt cx="0" cy="0"/>
+        </a:xfrm>
+      </p:grpSpPr>
+      <p:sp>
+        <p:nvSpPr>
+          <p:cNvPr id="9" name="Rectangle 8">
+            <a:extLst>
+              <a:ext uri="{FF2B5EF4-FFF2-40B4-BE49-F238E27FC236}">
+                <a16:creationId xmlns:a16="http://schemas.microsoft.com/office/drawing/2014/main" id="{A8E9C91B-7EAD-4562-AB0E-DFB9663AECE3}"/>
+              </a:ext>
+              <a:ext uri="{C183D7F6-B498-43B3-948B-1728B52AA6E4}">
+                <adec:decorative xmlns:adec="http://schemas.microsoft.com/office/drawing/2017/decorative" val="1"/>
+              </a:ext>
+            </a:extLst>
+          </p:cNvPr>
+          <p:cNvSpPr>
+            <a:spLocks noGrp="1" noRot="1" noChangeAspect="1" noMove="1" noResize="1" noEditPoints="1" noAdjustHandles="1" noChangeArrowheads="1" noChangeShapeType="1" noTextEdit="1"/>
+          </p:cNvSpPr>
+          <p:nvPr>
+            <p:extLst>
+              <p:ext uri="{386F3935-93C4-4BCD-93E2-E3B085C9AB24}">
+                <p16:designElem xmlns:p16="http://schemas.microsoft.com/office/powerpoint/2015/main" val="1"/>
+              </p:ext>
+            </p:extLst>
+          </p:nvPr>
+        </p:nvSpPr>
+        <p:spPr>
+          <a:xfrm>
+            <a:off x="3175" y="6400800"/>
+            <a:ext cx="12188825" cy="457200"/>
+          </a:xfrm>
+          <a:prstGeom prst="rect">
+            <a:avLst/>
+          </a:prstGeom>
+          <a:solidFill>
+            <a:srgbClr val="262626"/>
+          </a:solidFill>
+          <a:ln>
+            <a:noFill/>
+          </a:ln>
+        </p:spPr>
+        <p:style>
+          <a:lnRef idx="2">
+            <a:schemeClr val="accent1">
+              <a:shade val="50000"/>
+            </a:schemeClr>
+          </a:lnRef>
+          <a:fillRef idx="1">
+            <a:schemeClr val="accent1"/>
+          </a:fillRef>
+          <a:effectRef idx="0">
+            <a:schemeClr val="accent1"/>
+          </a:effectRef>
+          <a:fontRef idx="minor">
+            <a:schemeClr val="lt1"/>
+          </a:fontRef>
+        </p:style>
+      </p:sp>
+      <p:sp useBgFill="1">
+        <p:nvSpPr>
+          <p:cNvPr id="11" name="Rectangle 10">
+            <a:extLst>
+              <a:ext uri="{FF2B5EF4-FFF2-40B4-BE49-F238E27FC236}">
+                <a16:creationId xmlns:a16="http://schemas.microsoft.com/office/drawing/2014/main" id="{652BD35A-BC99-4831-A358-06E2CEB96697}"/>
+              </a:ext>
+              <a:ext uri="{C183D7F6-B498-43B3-948B-1728B52AA6E4}">
+                <adec:decorative xmlns:adec="http://schemas.microsoft.com/office/drawing/2017/decorative" val="1"/>
+              </a:ext>
+            </a:extLst>
+          </p:cNvPr>
+          <p:cNvSpPr>
+            <a:spLocks noGrp="1" noRot="1" noChangeAspect="1" noMove="1" noResize="1" noEditPoints="1" noAdjustHandles="1" noChangeArrowheads="1" noChangeShapeType="1" noTextEdit="1"/>
+          </p:cNvSpPr>
+          <p:nvPr>
+            <p:extLst>
+              <p:ext uri="{386F3935-93C4-4BCD-93E2-E3B085C9AB24}">
+                <p16:designElem xmlns:p16="http://schemas.microsoft.com/office/powerpoint/2015/main" val="1"/>
+              </p:ext>
+            </p:extLst>
+          </p:nvPr>
+        </p:nvSpPr>
+        <p:spPr>
+          <a:xfrm>
+            <a:off x="0" y="0"/>
+            <a:ext cx="12192000" cy="6858000"/>
+          </a:xfrm>
+          <a:prstGeom prst="rect">
+            <a:avLst/>
+          </a:prstGeom>
+          <a:ln>
+            <a:noFill/>
+          </a:ln>
+        </p:spPr>
+        <p:style>
+          <a:lnRef idx="2">
+            <a:schemeClr val="accent1">
+              <a:shade val="50000"/>
+            </a:schemeClr>
+          </a:lnRef>
+          <a:fillRef idx="1">
+            <a:schemeClr val="accent1"/>
+          </a:fillRef>
+          <a:effectRef idx="0">
+            <a:schemeClr val="accent1"/>
+          </a:effectRef>
+          <a:fontRef idx="minor">
+            <a:schemeClr val="lt1"/>
+          </a:fontRef>
+        </p:style>
+        <p:txBody>
+          <a:bodyPr rtlCol="0" anchor="ctr"/>
+          <a:lstStyle/>
+          <a:p>
+            <a:pPr algn="ctr"/>
+            <a:endParaRPr lang="en-US"/>
+          </a:p>
+        </p:txBody>
+      </p:sp>
+      <p:sp>
+        <p:nvSpPr>
+          <p:cNvPr id="13" name="Rectangle 12">
+            <a:extLst>
+              <a:ext uri="{FF2B5EF4-FFF2-40B4-BE49-F238E27FC236}">
+                <a16:creationId xmlns:a16="http://schemas.microsoft.com/office/drawing/2014/main" id="{B76E24C1-2968-40DC-A36E-F6B85F0F0752}"/>
+              </a:ext>
+              <a:ext uri="{C183D7F6-B498-43B3-948B-1728B52AA6E4}">
+                <adec:decorative xmlns:adec="http://schemas.microsoft.com/office/drawing/2017/decorative" val="1"/>
+              </a:ext>
+            </a:extLst>
+          </p:cNvPr>
+          <p:cNvSpPr>
+            <a:spLocks noGrp="1" noRot="1" noChangeAspect="1" noMove="1" noResize="1" noEditPoints="1" noAdjustHandles="1" noChangeArrowheads="1" noChangeShapeType="1" noTextEdit="1"/>
+          </p:cNvSpPr>
+          <p:nvPr>
+            <p:extLst>
+              <p:ext uri="{386F3935-93C4-4BCD-93E2-E3B085C9AB24}">
+                <p16:designElem xmlns:p16="http://schemas.microsoft.com/office/powerpoint/2015/main" val="1"/>
+              </p:ext>
+            </p:extLst>
+          </p:nvPr>
+        </p:nvSpPr>
+        <p:spPr>
+          <a:xfrm>
+            <a:off x="522732" y="521208"/>
+            <a:ext cx="11146536" cy="5815584"/>
+          </a:xfrm>
+          <a:prstGeom prst="rect">
+            <a:avLst/>
+          </a:prstGeom>
+          <a:noFill/>
+          <a:ln w="69850">
+            <a:solidFill>
+              <a:schemeClr val="tx1">
+                <a:lumMod val="75000"/>
+                <a:lumOff val="25000"/>
+              </a:schemeClr>
+            </a:solidFill>
+            <a:miter lim="800000"/>
+          </a:ln>
+        </p:spPr>
+        <p:style>
+          <a:lnRef idx="2">
+            <a:schemeClr val="accent1">
+              <a:shade val="50000"/>
+            </a:schemeClr>
+          </a:lnRef>
+          <a:fillRef idx="1">
+            <a:schemeClr val="accent1"/>
+          </a:fillRef>
+          <a:effectRef idx="0">
+            <a:schemeClr val="accent1"/>
+          </a:effectRef>
+          <a:fontRef idx="minor">
+            <a:schemeClr val="lt1"/>
+          </a:fontRef>
+        </p:style>
+        <p:txBody>
+          <a:bodyPr rtlCol="0" anchor="ctr"/>
+          <a:lstStyle/>
+          <a:p>
+            <a:pPr algn="ctr"/>
+            <a:endParaRPr lang="en-US"/>
+          </a:p>
+        </p:txBody>
+      </p:sp>
+      <p:pic>
+        <p:nvPicPr>
+          <p:cNvPr id="4" name="Picture 3">
+            <a:extLst>
+              <a:ext uri="{FF2B5EF4-FFF2-40B4-BE49-F238E27FC236}">
+                <a16:creationId xmlns:a16="http://schemas.microsoft.com/office/drawing/2014/main" id="{777DD3C4-069D-925C-3F1B-0A4C8E1C9D44}"/>
+              </a:ext>
+            </a:extLst>
+          </p:cNvPr>
+          <p:cNvPicPr>
+            <a:picLocks noChangeAspect="1"/>
+          </p:cNvPicPr>
+          <p:nvPr/>
+        </p:nvPicPr>
+        <p:blipFill rotWithShape="1">
+          <a:blip r:embed="rId2"/>
+          <a:srcRect l="-1046" t="-2266" r="1" b="25197"/>
+          <a:stretch/>
+        </p:blipFill>
+        <p:spPr>
+          <a:xfrm>
+            <a:off x="1000125" y="800100"/>
+            <a:ext cx="9391651" cy="3599503"/>
+          </a:xfrm>
+          <a:prstGeom prst="rect">
+            <a:avLst/>
+          </a:prstGeom>
+          <a:solidFill>
+            <a:srgbClr val="FFFFFF">
+              <a:shade val="85000"/>
+            </a:srgbClr>
+          </a:solidFill>
+          <a:ln w="88900" cap="sq">
+            <a:solidFill>
+              <a:srgbClr val="FFFFFF"/>
+            </a:solidFill>
+            <a:miter lim="800000"/>
+          </a:ln>
+          <a:effectLst>
+            <a:outerShdw blurRad="55000" dist="18000" dir="5400000" algn="tl" rotWithShape="0">
+              <a:srgbClr val="000000">
+                <a:alpha val="40000"/>
+              </a:srgbClr>
+            </a:outerShdw>
+          </a:effectLst>
+          <a:scene3d>
+            <a:camera prst="orthographicFront"/>
+            <a:lightRig rig="twoPt" dir="t">
+              <a:rot lat="0" lon="0" rev="7200000"/>
+            </a:lightRig>
+          </a:scene3d>
+          <a:sp3d>
+            <a:bevelT w="25400" h="19050"/>
+            <a:contourClr>
+              <a:srgbClr val="FFFFFF"/>
+            </a:contourClr>
+          </a:sp3d>
+        </p:spPr>
+      </p:pic>
+      <p:pic>
+        <p:nvPicPr>
+          <p:cNvPr id="3" name="Picture 2">
+            <a:extLst>
+              <a:ext uri="{FF2B5EF4-FFF2-40B4-BE49-F238E27FC236}">
+                <a16:creationId xmlns:a16="http://schemas.microsoft.com/office/drawing/2014/main" id="{0278D645-2406-3D95-24A2-9C0EB0497B0A}"/>
+              </a:ext>
+            </a:extLst>
+          </p:cNvPr>
+          <p:cNvPicPr>
+            <a:picLocks noChangeAspect="1"/>
+          </p:cNvPicPr>
+          <p:nvPr/>
+        </p:nvPicPr>
+        <p:blipFill rotWithShape="1">
+          <a:blip r:embed="rId3"/>
+          <a:srcRect l="-1327" t="-2302" b="-1"/>
+          <a:stretch/>
+        </p:blipFill>
+        <p:spPr>
+          <a:xfrm>
+            <a:off x="6381750" y="2790826"/>
+            <a:ext cx="4912385" cy="3146724"/>
+          </a:xfrm>
+          <a:prstGeom prst="rect">
+            <a:avLst/>
+          </a:prstGeom>
+          <a:solidFill>
+            <a:srgbClr val="FFFFFF">
+              <a:shade val="85000"/>
+            </a:srgbClr>
+          </a:solidFill>
+          <a:ln w="88900" cap="sq">
+            <a:solidFill>
+              <a:srgbClr val="FFFFFF"/>
+            </a:solidFill>
+            <a:miter lim="800000"/>
+          </a:ln>
+          <a:effectLst>
+            <a:outerShdw blurRad="55000" dist="18000" dir="5400000" algn="tl" rotWithShape="0">
+              <a:srgbClr val="000000">
+                <a:alpha val="40000"/>
+              </a:srgbClr>
+            </a:outerShdw>
+          </a:effectLst>
+          <a:scene3d>
+            <a:camera prst="orthographicFront"/>
+            <a:lightRig rig="twoPt" dir="t">
+              <a:rot lat="0" lon="0" rev="7200000"/>
+            </a:lightRig>
+          </a:scene3d>
+          <a:sp3d>
+            <a:bevelT w="25400" h="19050"/>
+            <a:contourClr>
+              <a:srgbClr val="FFFFFF"/>
+            </a:contourClr>
+          </a:sp3d>
+        </p:spPr>
+      </p:pic>
+    </p:spTree>
+    <p:extLst>
+      <p:ext uri="{BB962C8B-B14F-4D97-AF65-F5344CB8AC3E}">
+        <p14:creationId xmlns:p14="http://schemas.microsoft.com/office/powerpoint/2010/main" val="470364536"/>
+      </p:ext>
+    </p:extLst>
+  </p:cSld>
+  <p:clrMapOvr>
+    <a:overrideClrMapping bg1="dk1" tx1="lt1" bg2="dk2" tx2="lt2" accent1="accent1" accent2="accent2" accent3="accent3" accent4="accent4" accent5="accent5" accent6="accent6" hlink="hlink" folHlink="folHlink"/>
+  </p:clrMapOvr>
+  <mc:AlternateContent xmlns:mc="http://schemas.openxmlformats.org/markup-compatibility/2006" xmlns:p14="http://schemas.microsoft.com/office/powerpoint/2010/main">
+    <mc:Choice Requires="p14">
+      <p:transition spd="slow" p14:dur="2000" advClick="0"/>
+    </mc:Choice>
+    <mc:Fallback xmlns="">
+      <p:transition spd="slow" advClick="0"/>
+    </mc:Fallback>
+  </mc:AlternateContent>
+</p:sld>
+</file>
+
+<file path=ppt/slides/slide12.xml><?xml version="1.0" encoding="utf-8"?>
 <p:sld xmlns:a="http://schemas.openxmlformats.org/drawingml/2006/main" xmlns:r="http://schemas.openxmlformats.org/officeDocument/2006/relationships" xmlns:p="http://schemas.openxmlformats.org/presentationml/2006/main">
   <p:cSld>
     <p:spTree>
@@ -11351,6 +11988,146 @@
           </a:prstGeom>
         </p:spPr>
       </p:pic>
+      <p:sp>
+        <p:nvSpPr>
+          <p:cNvPr id="4" name="TextBox 3">
+            <a:extLst>
+              <a:ext uri="{FF2B5EF4-FFF2-40B4-BE49-F238E27FC236}">
+                <a16:creationId xmlns:a16="http://schemas.microsoft.com/office/drawing/2014/main" id="{90417721-27E5-8E10-9774-CAF9C613DA48}"/>
+              </a:ext>
+            </a:extLst>
+          </p:cNvPr>
+          <p:cNvSpPr txBox="1"/>
+          <p:nvPr/>
+        </p:nvSpPr>
+        <p:spPr>
+          <a:xfrm>
+            <a:off x="7513081" y="1223830"/>
+            <a:ext cx="375424" cy="369332"/>
+          </a:xfrm>
+          <a:prstGeom prst="rect">
+            <a:avLst/>
+          </a:prstGeom>
+          <a:noFill/>
+        </p:spPr>
+        <p:txBody>
+          <a:bodyPr wrap="none" rtlCol="0">
+            <a:spAutoFit/>
+          </a:bodyPr>
+          <a:lstStyle/>
+          <a:p>
+            <a:r>
+              <a:rPr lang="en-GB" dirty="0"/>
+              <a:t>1.</a:t>
+            </a:r>
+          </a:p>
+        </p:txBody>
+      </p:sp>
+      <p:sp>
+        <p:nvSpPr>
+          <p:cNvPr id="6" name="TextBox 5">
+            <a:extLst>
+              <a:ext uri="{FF2B5EF4-FFF2-40B4-BE49-F238E27FC236}">
+                <a16:creationId xmlns:a16="http://schemas.microsoft.com/office/drawing/2014/main" id="{B12139EC-F408-34E8-4EF8-31A25404784C}"/>
+              </a:ext>
+            </a:extLst>
+          </p:cNvPr>
+          <p:cNvSpPr txBox="1"/>
+          <p:nvPr/>
+        </p:nvSpPr>
+        <p:spPr>
+          <a:xfrm>
+            <a:off x="7528731" y="2531576"/>
+            <a:ext cx="377026" cy="369332"/>
+          </a:xfrm>
+          <a:prstGeom prst="rect">
+            <a:avLst/>
+          </a:prstGeom>
+          <a:noFill/>
+        </p:spPr>
+        <p:txBody>
+          <a:bodyPr wrap="none" rtlCol="0">
+            <a:spAutoFit/>
+          </a:bodyPr>
+          <a:lstStyle/>
+          <a:p>
+            <a:r>
+              <a:rPr lang="en-GB" dirty="0"/>
+              <a:t>2.</a:t>
+            </a:r>
+          </a:p>
+        </p:txBody>
+      </p:sp>
+      <p:sp>
+        <p:nvSpPr>
+          <p:cNvPr id="8" name="TextBox 7">
+            <a:extLst>
+              <a:ext uri="{FF2B5EF4-FFF2-40B4-BE49-F238E27FC236}">
+                <a16:creationId xmlns:a16="http://schemas.microsoft.com/office/drawing/2014/main" id="{68BE4574-ACF6-5A22-7397-AA6CA89C6E89}"/>
+              </a:ext>
+            </a:extLst>
+          </p:cNvPr>
+          <p:cNvSpPr txBox="1"/>
+          <p:nvPr/>
+        </p:nvSpPr>
+        <p:spPr>
+          <a:xfrm>
+            <a:off x="648126" y="3683478"/>
+            <a:ext cx="502638" cy="369332"/>
+          </a:xfrm>
+          <a:prstGeom prst="rect">
+            <a:avLst/>
+          </a:prstGeom>
+          <a:noFill/>
+        </p:spPr>
+        <p:txBody>
+          <a:bodyPr wrap="none" rtlCol="0">
+            <a:spAutoFit/>
+          </a:bodyPr>
+          <a:lstStyle/>
+          <a:p>
+            <a:r>
+              <a:rPr lang="en-GB" dirty="0"/>
+              <a:t>3.1</a:t>
+            </a:r>
+          </a:p>
+        </p:txBody>
+      </p:sp>
+      <p:sp>
+        <p:nvSpPr>
+          <p:cNvPr id="10" name="TextBox 9">
+            <a:extLst>
+              <a:ext uri="{FF2B5EF4-FFF2-40B4-BE49-F238E27FC236}">
+                <a16:creationId xmlns:a16="http://schemas.microsoft.com/office/drawing/2014/main" id="{25E882E9-EC38-DAA3-646B-751E8B1F1B2A}"/>
+              </a:ext>
+            </a:extLst>
+          </p:cNvPr>
+          <p:cNvSpPr txBox="1"/>
+          <p:nvPr/>
+        </p:nvSpPr>
+        <p:spPr>
+          <a:xfrm>
+            <a:off x="1202520" y="4994965"/>
+            <a:ext cx="511679" cy="369332"/>
+          </a:xfrm>
+          <a:prstGeom prst="rect">
+            <a:avLst/>
+          </a:prstGeom>
+          <a:noFill/>
+        </p:spPr>
+        <p:txBody>
+          <a:bodyPr wrap="none" rtlCol="0">
+            <a:spAutoFit/>
+          </a:bodyPr>
+          <a:lstStyle/>
+          <a:p>
+            <a:r>
+              <a:rPr lang="en-GB" dirty="0"/>
+              <a:t>3.2</a:t>
+            </a:r>
+          </a:p>
+        </p:txBody>
+      </p:sp>
     </p:spTree>
     <p:extLst>
       <p:ext uri="{BB962C8B-B14F-4D97-AF65-F5344CB8AC3E}">
@@ -11376,7 +12153,7 @@
 </p:sld>
 </file>
 
-<file path=ppt/slides/slide11.xml><?xml version="1.0" encoding="utf-8"?>
+<file path=ppt/slides/slide13.xml><?xml version="1.0" encoding="utf-8"?>
 <p:sld xmlns:a="http://schemas.openxmlformats.org/drawingml/2006/main" xmlns:r="http://schemas.openxmlformats.org/officeDocument/2006/relationships" xmlns:p="http://schemas.openxmlformats.org/presentationml/2006/main">
   <p:cSld>
     <p:bg>
@@ -11579,7 +12356,7 @@
         </p:spPr>
         <p:txBody>
           <a:bodyPr>
-            <a:normAutofit/>
+            <a:normAutofit fontScale="92500" lnSpcReduction="10000"/>
           </a:bodyPr>
           <a:lstStyle/>
           <a:p>
@@ -11594,7 +12371,7 @@
                   <a:schemeClr val="tx1"/>
                 </a:solidFill>
               </a:rPr>
-              <a:t>The website consists of two pages: Home and Decision Factors.</a:t>
+              <a:t>The website consists of three pages: Home, Decision Factors and Tableau Report.</a:t>
             </a:r>
           </a:p>
           <a:p>
@@ -11625,6 +12402,21 @@
                 </a:solidFill>
               </a:rPr>
               <a:t>The “Decision Factors” page contains 2 graphs, a table, and a radar chart for university comparison.</a:t>
+            </a:r>
+          </a:p>
+          <a:p>
+            <a:pPr algn="just">
+              <a:lnSpc>
+                <a:spcPct val="100000"/>
+              </a:lnSpc>
+            </a:pPr>
+            <a:r>
+              <a:rPr lang="en-GB" sz="1700" dirty="0">
+                <a:solidFill>
+                  <a:schemeClr val="tx1"/>
+                </a:solidFill>
+              </a:rPr>
+              <a:t>Tableau Report page will host our dashboard and visualizations created and published in Tableau.</a:t>
             </a:r>
           </a:p>
           <a:p>
@@ -11720,7 +12512,7 @@
 </p:sld>
 </file>
 
-<file path=ppt/slides/slide12.xml><?xml version="1.0" encoding="utf-8"?>
+<file path=ppt/slides/slide14.xml><?xml version="1.0" encoding="utf-8"?>
 <p:sld xmlns:a="http://schemas.openxmlformats.org/drawingml/2006/main" xmlns:r="http://schemas.openxmlformats.org/officeDocument/2006/relationships" xmlns:p="http://schemas.openxmlformats.org/presentationml/2006/main">
   <p:cSld>
     <p:bg>
@@ -12144,7 +12936,7 @@
 </p:sld>
 </file>
 
-<file path=ppt/slides/slide13.xml><?xml version="1.0" encoding="utf-8"?>
+<file path=ppt/slides/slide15.xml><?xml version="1.0" encoding="utf-8"?>
 <p:sld xmlns:a="http://schemas.openxmlformats.org/drawingml/2006/main" xmlns:r="http://schemas.openxmlformats.org/officeDocument/2006/relationships" xmlns:p="http://schemas.openxmlformats.org/presentationml/2006/main">
   <p:cSld>
     <p:bg>
@@ -12559,7 +13351,7 @@
 </p:sld>
 </file>
 
-<file path=ppt/slides/slide14.xml><?xml version="1.0" encoding="utf-8"?>
+<file path=ppt/slides/slide16.xml><?xml version="1.0" encoding="utf-8"?>
 <p:sld xmlns:a="http://schemas.openxmlformats.org/drawingml/2006/main" xmlns:r="http://schemas.openxmlformats.org/officeDocument/2006/relationships" xmlns:p="http://schemas.openxmlformats.org/presentationml/2006/main">
   <p:cSld>
     <p:bg>
@@ -12984,6 +13776,1023 @@
 </file>
 
 <file path=ppt/slides/slide2.xml><?xml version="1.0" encoding="utf-8"?>
+<p:sld xmlns:a="http://schemas.openxmlformats.org/drawingml/2006/main" xmlns:r="http://schemas.openxmlformats.org/officeDocument/2006/relationships" xmlns:p="http://schemas.openxmlformats.org/presentationml/2006/main">
+  <p:cSld>
+    <p:bg>
+      <p:bgPr>
+        <a:solidFill>
+          <a:schemeClr val="bg1"/>
+        </a:solidFill>
+        <a:effectLst/>
+      </p:bgPr>
+    </p:bg>
+    <p:spTree>
+      <p:nvGrpSpPr>
+        <p:cNvPr id="1" name=""/>
+        <p:cNvGrpSpPr/>
+        <p:nvPr/>
+      </p:nvGrpSpPr>
+      <p:grpSpPr>
+        <a:xfrm>
+          <a:off x="0" y="0"/>
+          <a:ext cx="0" cy="0"/>
+          <a:chOff x="0" y="0"/>
+          <a:chExt cx="0" cy="0"/>
+        </a:xfrm>
+      </p:grpSpPr>
+      <p:sp>
+        <p:nvSpPr>
+          <p:cNvPr id="1031" name="Rectangle 1030">
+            <a:extLst>
+              <a:ext uri="{FF2B5EF4-FFF2-40B4-BE49-F238E27FC236}">
+                <a16:creationId xmlns:a16="http://schemas.microsoft.com/office/drawing/2014/main" id="{E844E128-FF69-4E9F-8327-6B504B3C5AE1}"/>
+              </a:ext>
+              <a:ext uri="{C183D7F6-B498-43B3-948B-1728B52AA6E4}">
+                <adec:decorative xmlns:adec="http://schemas.microsoft.com/office/drawing/2017/decorative" val="1"/>
+              </a:ext>
+            </a:extLst>
+          </p:cNvPr>
+          <p:cNvSpPr>
+            <a:spLocks noGrp="1" noRot="1" noChangeAspect="1" noMove="1" noResize="1" noEditPoints="1" noAdjustHandles="1" noChangeArrowheads="1" noChangeShapeType="1" noTextEdit="1"/>
+          </p:cNvSpPr>
+          <p:nvPr>
+            <p:extLst>
+              <p:ext uri="{386F3935-93C4-4BCD-93E2-E3B085C9AB24}">
+                <p16:designElem xmlns:p16="http://schemas.microsoft.com/office/powerpoint/2015/main" val="1"/>
+              </p:ext>
+            </p:extLst>
+          </p:nvPr>
+        </p:nvSpPr>
+        <p:spPr bwMode="white">
+          <a:xfrm>
+            <a:off x="15" y="0"/>
+            <a:ext cx="12191985" cy="6858000"/>
+          </a:xfrm>
+          <a:prstGeom prst="rect">
+            <a:avLst/>
+          </a:prstGeom>
+          <a:solidFill>
+            <a:srgbClr val="262626"/>
+          </a:solidFill>
+          <a:ln>
+            <a:noFill/>
+          </a:ln>
+        </p:spPr>
+        <p:style>
+          <a:lnRef idx="2">
+            <a:schemeClr val="accent1">
+              <a:shade val="50000"/>
+            </a:schemeClr>
+          </a:lnRef>
+          <a:fillRef idx="1">
+            <a:schemeClr val="accent1"/>
+          </a:fillRef>
+          <a:effectRef idx="0">
+            <a:schemeClr val="accent1"/>
+          </a:effectRef>
+          <a:fontRef idx="minor">
+            <a:schemeClr val="lt1"/>
+          </a:fontRef>
+        </p:style>
+      </p:sp>
+      <p:sp>
+        <p:nvSpPr>
+          <p:cNvPr id="3" name="Content Placeholder 2">
+            <a:extLst>
+              <a:ext uri="{FF2B5EF4-FFF2-40B4-BE49-F238E27FC236}">
+                <a16:creationId xmlns:a16="http://schemas.microsoft.com/office/drawing/2014/main" id="{74777918-0EC5-969D-6172-46360F56A27C}"/>
+              </a:ext>
+            </a:extLst>
+          </p:cNvPr>
+          <p:cNvSpPr>
+            <a:spLocks noGrp="1"/>
+          </p:cNvSpPr>
+          <p:nvPr>
+            <p:ph idx="1"/>
+          </p:nvPr>
+        </p:nvSpPr>
+        <p:spPr>
+          <a:xfrm>
+            <a:off x="382555" y="503853"/>
+            <a:ext cx="3928188" cy="5887615"/>
+          </a:xfrm>
+        </p:spPr>
+        <p:txBody>
+          <a:bodyPr>
+            <a:normAutofit fontScale="92500" lnSpcReduction="10000"/>
+          </a:bodyPr>
+          <a:lstStyle/>
+          <a:p>
+            <a:pPr>
+              <a:lnSpc>
+                <a:spcPct val="100000"/>
+              </a:lnSpc>
+              <a:buFont typeface="Wingdings" panose="05000000000000000000" pitchFamily="2" charset="2"/>
+              <a:buChar char="v"/>
+            </a:pPr>
+            <a:r>
+              <a:rPr lang="en-GB" sz="3200" dirty="0">
+                <a:solidFill>
+                  <a:srgbClr val="FFFFFF"/>
+                </a:solidFill>
+              </a:rPr>
+              <a:t>Project Overview</a:t>
+            </a:r>
+          </a:p>
+          <a:p>
+            <a:pPr>
+              <a:lnSpc>
+                <a:spcPct val="100000"/>
+              </a:lnSpc>
+              <a:buFont typeface="Wingdings" panose="05000000000000000000" pitchFamily="2" charset="2"/>
+              <a:buChar char="v"/>
+            </a:pPr>
+            <a:r>
+              <a:rPr lang="en-GB" sz="3200" dirty="0">
+                <a:solidFill>
+                  <a:srgbClr val="FFFFFF"/>
+                </a:solidFill>
+              </a:rPr>
+              <a:t>Path Finders Diagram</a:t>
+            </a:r>
+          </a:p>
+          <a:p>
+            <a:pPr>
+              <a:lnSpc>
+                <a:spcPct val="100000"/>
+              </a:lnSpc>
+              <a:buFont typeface="Wingdings" panose="05000000000000000000" pitchFamily="2" charset="2"/>
+              <a:buChar char="v"/>
+            </a:pPr>
+            <a:r>
+              <a:rPr lang="en-GB" sz="3200" dirty="0">
+                <a:solidFill>
+                  <a:srgbClr val="FFFFFF"/>
+                </a:solidFill>
+              </a:rPr>
+              <a:t>Sources</a:t>
+            </a:r>
+          </a:p>
+          <a:p>
+            <a:pPr>
+              <a:lnSpc>
+                <a:spcPct val="100000"/>
+              </a:lnSpc>
+              <a:buFont typeface="Wingdings" panose="05000000000000000000" pitchFamily="2" charset="2"/>
+              <a:buChar char="v"/>
+            </a:pPr>
+            <a:r>
+              <a:rPr lang="en-GB" sz="3200" dirty="0">
+                <a:solidFill>
+                  <a:srgbClr val="FFFFFF"/>
+                </a:solidFill>
+              </a:rPr>
+              <a:t>Web scraping</a:t>
+            </a:r>
+          </a:p>
+          <a:p>
+            <a:pPr marL="91440" indent="-91440" rtl="0" eaLnBrk="1" latinLnBrk="0" hangingPunct="1">
+              <a:lnSpc>
+                <a:spcPct val="100000"/>
+              </a:lnSpc>
+              <a:spcBef>
+                <a:spcPts val="1200"/>
+              </a:spcBef>
+              <a:spcAft>
+                <a:spcPts val="200"/>
+              </a:spcAft>
+              <a:buClr>
+                <a:schemeClr val="accent1"/>
+              </a:buClr>
+              <a:buSzPct val="100000"/>
+              <a:buFont typeface="Wingdings" panose="05000000000000000000" pitchFamily="2" charset="2"/>
+              <a:buChar char="v"/>
+            </a:pPr>
+            <a:r>
+              <a:rPr lang="en-GB" sz="3200" dirty="0">
+                <a:solidFill>
+                  <a:srgbClr val="FFFFFF"/>
+                </a:solidFill>
+              </a:rPr>
+              <a:t>ETL process</a:t>
+            </a:r>
+          </a:p>
+          <a:p>
+            <a:pPr marL="91440" indent="-91440" rtl="0" eaLnBrk="1" latinLnBrk="0" hangingPunct="1">
+              <a:lnSpc>
+                <a:spcPct val="100000"/>
+              </a:lnSpc>
+              <a:spcBef>
+                <a:spcPts val="1200"/>
+              </a:spcBef>
+              <a:spcAft>
+                <a:spcPts val="200"/>
+              </a:spcAft>
+              <a:buClr>
+                <a:schemeClr val="accent1"/>
+              </a:buClr>
+              <a:buSzPct val="100000"/>
+              <a:buFont typeface="Wingdings" panose="05000000000000000000" pitchFamily="2" charset="2"/>
+              <a:buChar char="v"/>
+            </a:pPr>
+            <a:r>
+              <a:rPr lang="en-GB" sz="3200" kern="1200" dirty="0">
+                <a:solidFill>
+                  <a:srgbClr val="FFFFFF"/>
+                </a:solidFill>
+                <a:effectLst/>
+                <a:latin typeface="Franklin Gothic Book" panose="020B0503020102020204" pitchFamily="34" charset="0"/>
+                <a:ea typeface="+mn-ea"/>
+                <a:cs typeface="+mn-cs"/>
+              </a:rPr>
+              <a:t>PostgreSQL</a:t>
+            </a:r>
+            <a:endParaRPr lang="en-GB" sz="3200" dirty="0">
+              <a:solidFill>
+                <a:srgbClr val="FFFFFF"/>
+              </a:solidFill>
+            </a:endParaRPr>
+          </a:p>
+          <a:p>
+            <a:pPr marL="91440" indent="-91440" rtl="0" eaLnBrk="1" latinLnBrk="0" hangingPunct="1">
+              <a:lnSpc>
+                <a:spcPct val="100000"/>
+              </a:lnSpc>
+              <a:spcBef>
+                <a:spcPts val="1200"/>
+              </a:spcBef>
+              <a:spcAft>
+                <a:spcPts val="200"/>
+              </a:spcAft>
+              <a:buClr>
+                <a:schemeClr val="accent1"/>
+              </a:buClr>
+              <a:buSzPct val="100000"/>
+              <a:buFont typeface="Wingdings" panose="05000000000000000000" pitchFamily="2" charset="2"/>
+              <a:buChar char="v"/>
+            </a:pPr>
+            <a:r>
+              <a:rPr lang="en-GB" sz="3200" kern="1200" dirty="0">
+                <a:solidFill>
+                  <a:srgbClr val="FFFFFF"/>
+                </a:solidFill>
+                <a:effectLst/>
+                <a:latin typeface="Franklin Gothic Book" panose="020B0503020102020204" pitchFamily="34" charset="0"/>
+                <a:ea typeface="+mn-ea"/>
+                <a:cs typeface="+mn-cs"/>
+              </a:rPr>
+              <a:t>Flask app</a:t>
+            </a:r>
+            <a:endParaRPr lang="en-GB" sz="3200" dirty="0">
+              <a:solidFill>
+                <a:srgbClr val="FFFFFF"/>
+              </a:solidFill>
+            </a:endParaRPr>
+          </a:p>
+          <a:p>
+            <a:pPr marL="91440" indent="-91440" rtl="0" eaLnBrk="1" latinLnBrk="0" hangingPunct="1">
+              <a:lnSpc>
+                <a:spcPct val="100000"/>
+              </a:lnSpc>
+              <a:spcBef>
+                <a:spcPts val="1200"/>
+              </a:spcBef>
+              <a:spcAft>
+                <a:spcPts val="200"/>
+              </a:spcAft>
+              <a:buClr>
+                <a:schemeClr val="accent1"/>
+              </a:buClr>
+              <a:buSzPct val="100000"/>
+              <a:buFont typeface="Wingdings" panose="05000000000000000000" pitchFamily="2" charset="2"/>
+              <a:buChar char="v"/>
+            </a:pPr>
+            <a:r>
+              <a:rPr lang="en-GB" sz="3200" kern="1200" dirty="0">
+                <a:solidFill>
+                  <a:srgbClr val="FFFFFF"/>
+                </a:solidFill>
+                <a:effectLst/>
+                <a:latin typeface="Franklin Gothic Book" panose="020B0503020102020204" pitchFamily="34" charset="0"/>
+                <a:ea typeface="+mn-ea"/>
+                <a:cs typeface="+mn-cs"/>
+              </a:rPr>
+              <a:t>JS Libraries</a:t>
+            </a:r>
+            <a:endParaRPr lang="en-GB" sz="3200" dirty="0">
+              <a:solidFill>
+                <a:srgbClr val="FFFFFF"/>
+              </a:solidFill>
+            </a:endParaRPr>
+          </a:p>
+          <a:p>
+            <a:pPr marL="91440" indent="-91440" rtl="0" eaLnBrk="1" latinLnBrk="0" hangingPunct="1">
+              <a:lnSpc>
+                <a:spcPct val="100000"/>
+              </a:lnSpc>
+              <a:spcBef>
+                <a:spcPts val="1200"/>
+              </a:spcBef>
+              <a:spcAft>
+                <a:spcPts val="200"/>
+              </a:spcAft>
+              <a:buClr>
+                <a:schemeClr val="accent1"/>
+              </a:buClr>
+              <a:buSzPct val="100000"/>
+              <a:buFont typeface="Wingdings" panose="05000000000000000000" pitchFamily="2" charset="2"/>
+              <a:buChar char="v"/>
+            </a:pPr>
+            <a:r>
+              <a:rPr lang="en-GB" sz="3200" kern="1200" dirty="0">
+                <a:solidFill>
+                  <a:srgbClr val="FFFFFF"/>
+                </a:solidFill>
+                <a:effectLst/>
+                <a:latin typeface="Franklin Gothic Book" panose="020B0503020102020204" pitchFamily="34" charset="0"/>
+                <a:ea typeface="+mn-ea"/>
+                <a:cs typeface="+mn-cs"/>
+              </a:rPr>
+              <a:t>HTML &amp; CSS</a:t>
+            </a:r>
+            <a:endParaRPr lang="en-GB" sz="3200" dirty="0">
+              <a:solidFill>
+                <a:srgbClr val="FFFFFF"/>
+              </a:solidFill>
+            </a:endParaRPr>
+          </a:p>
+          <a:p>
+            <a:pPr marL="91440" indent="-91440" rtl="0" eaLnBrk="1" latinLnBrk="0" hangingPunct="1">
+              <a:lnSpc>
+                <a:spcPct val="100000"/>
+              </a:lnSpc>
+              <a:spcBef>
+                <a:spcPts val="1200"/>
+              </a:spcBef>
+              <a:spcAft>
+                <a:spcPts val="200"/>
+              </a:spcAft>
+              <a:buClr>
+                <a:schemeClr val="accent1"/>
+              </a:buClr>
+              <a:buSzPct val="100000"/>
+              <a:buFont typeface="Wingdings" panose="05000000000000000000" pitchFamily="2" charset="2"/>
+              <a:buChar char="v"/>
+            </a:pPr>
+            <a:r>
+              <a:rPr lang="en-GB" sz="3200" kern="1200" dirty="0">
+                <a:solidFill>
+                  <a:srgbClr val="FFFFFF"/>
+                </a:solidFill>
+                <a:effectLst/>
+                <a:latin typeface="Franklin Gothic Book" panose="020B0503020102020204" pitchFamily="34" charset="0"/>
+                <a:ea typeface="+mn-ea"/>
+                <a:cs typeface="+mn-cs"/>
+              </a:rPr>
+              <a:t>DEMO</a:t>
+            </a:r>
+            <a:endParaRPr lang="en-GB" sz="3200" dirty="0">
+              <a:solidFill>
+                <a:srgbClr val="FFFFFF"/>
+              </a:solidFill>
+              <a:effectLst/>
+            </a:endParaRPr>
+          </a:p>
+        </p:txBody>
+      </p:sp>
+      <p:pic>
+        <p:nvPicPr>
+          <p:cNvPr id="1026" name="Picture 2" descr="46 Table Of Contents Book Stock Photos, Pictures &amp; Royalty-Free Images -  iStock">
+            <a:extLst>
+              <a:ext uri="{FF2B5EF4-FFF2-40B4-BE49-F238E27FC236}">
+                <a16:creationId xmlns:a16="http://schemas.microsoft.com/office/drawing/2014/main" id="{E67A9B32-6E11-DF50-8265-2AC0505101AC}"/>
+              </a:ext>
+            </a:extLst>
+          </p:cNvPr>
+          <p:cNvPicPr>
+            <a:picLocks noChangeAspect="1" noChangeArrowheads="1"/>
+          </p:cNvPicPr>
+          <p:nvPr/>
+        </p:nvPicPr>
+        <p:blipFill rotWithShape="1">
+          <a:blip r:embed="rId2">
+            <a:extLst>
+              <a:ext uri="{28A0092B-C50C-407E-A947-70E740481C1C}">
+                <a14:useLocalDpi xmlns:a14="http://schemas.microsoft.com/office/drawing/2010/main" val="0"/>
+              </a:ext>
+            </a:extLst>
+          </a:blip>
+          <a:srcRect l="9934" r="16699" b="-1"/>
+          <a:stretch/>
+        </p:blipFill>
+        <p:spPr bwMode="auto">
+          <a:xfrm>
+            <a:off x="4654296" y="10"/>
+            <a:ext cx="7537703" cy="6857990"/>
+          </a:xfrm>
+          <a:prstGeom prst="rect">
+            <a:avLst/>
+          </a:prstGeom>
+          <a:solidFill>
+            <a:srgbClr val="FFFFFF">
+              <a:shade val="85000"/>
+            </a:srgbClr>
+          </a:solidFill>
+          <a:scene3d>
+            <a:camera prst="orthographicFront"/>
+            <a:lightRig rig="twoPt" dir="t">
+              <a:rot lat="0" lon="0" rev="7200000"/>
+            </a:lightRig>
+          </a:scene3d>
+          <a:sp3d>
+            <a:bevelT w="25400" h="19050"/>
+            <a:contourClr>
+              <a:srgbClr val="FFFFFF"/>
+            </a:contourClr>
+          </a:sp3d>
+          <a:extLst>
+            <a:ext uri="{909E8E84-426E-40DD-AFC4-6F175D3DCCD1}">
+              <a14:hiddenFill xmlns:a14="http://schemas.microsoft.com/office/drawing/2010/main">
+                <a:solidFill>
+                  <a:srgbClr val="FFFFFF"/>
+                </a:solidFill>
+              </a14:hiddenFill>
+            </a:ext>
+          </a:extLst>
+        </p:spPr>
+      </p:pic>
+      <p:sp>
+        <p:nvSpPr>
+          <p:cNvPr id="6" name="Content Placeholder 2">
+            <a:extLst>
+              <a:ext uri="{FF2B5EF4-FFF2-40B4-BE49-F238E27FC236}">
+                <a16:creationId xmlns:a16="http://schemas.microsoft.com/office/drawing/2014/main" id="{4A8D5F85-A9EB-5FDC-450D-04A12ADFFDA9}"/>
+              </a:ext>
+            </a:extLst>
+          </p:cNvPr>
+          <p:cNvSpPr txBox="1">
+            <a:spLocks/>
+          </p:cNvSpPr>
+          <p:nvPr/>
+        </p:nvSpPr>
+        <p:spPr>
+          <a:xfrm>
+            <a:off x="4846895" y="1577785"/>
+            <a:ext cx="2991641" cy="2795807"/>
+          </a:xfrm>
+          <a:prstGeom prst="rect">
+            <a:avLst/>
+          </a:prstGeom>
+        </p:spPr>
+        <p:txBody>
+          <a:bodyPr vert="horz" lIns="0" tIns="45720" rIns="0" bIns="45720" rtlCol="0">
+            <a:normAutofit/>
+          </a:bodyPr>
+          <a:lstStyle>
+            <a:lvl1pPr marL="91440" indent="-91440" algn="l" defTabSz="914400" rtl="0" eaLnBrk="1" latinLnBrk="0" hangingPunct="1">
+              <a:lnSpc>
+                <a:spcPct val="110000"/>
+              </a:lnSpc>
+              <a:spcBef>
+                <a:spcPts val="1200"/>
+              </a:spcBef>
+              <a:spcAft>
+                <a:spcPts val="200"/>
+              </a:spcAft>
+              <a:buClr>
+                <a:schemeClr val="accent1"/>
+              </a:buClr>
+              <a:buSzPct val="100000"/>
+              <a:buFont typeface="Calibri" panose="020F0502020204030204" pitchFamily="34" charset="0"/>
+              <a:buChar char=" "/>
+              <a:defRPr sz="1900" kern="1200">
+                <a:solidFill>
+                  <a:schemeClr val="tx1">
+                    <a:lumMod val="75000"/>
+                    <a:lumOff val="25000"/>
+                  </a:schemeClr>
+                </a:solidFill>
+                <a:latin typeface="+mn-lt"/>
+                <a:ea typeface="+mn-ea"/>
+                <a:cs typeface="+mn-cs"/>
+              </a:defRPr>
+            </a:lvl1pPr>
+            <a:lvl2pPr marL="384048" indent="-182880" algn="l" defTabSz="914400" rtl="0" eaLnBrk="1" latinLnBrk="0" hangingPunct="1">
+              <a:lnSpc>
+                <a:spcPct val="100000"/>
+              </a:lnSpc>
+              <a:spcBef>
+                <a:spcPts val="200"/>
+              </a:spcBef>
+              <a:spcAft>
+                <a:spcPts val="400"/>
+              </a:spcAft>
+              <a:buClrTx/>
+              <a:buFont typeface="Calibri" pitchFamily="34" charset="0"/>
+              <a:buChar char="◦"/>
+              <a:defRPr sz="1700" kern="1200">
+                <a:solidFill>
+                  <a:schemeClr val="tx1">
+                    <a:lumMod val="75000"/>
+                    <a:lumOff val="25000"/>
+                  </a:schemeClr>
+                </a:solidFill>
+                <a:latin typeface="+mn-lt"/>
+                <a:ea typeface="+mn-ea"/>
+                <a:cs typeface="+mn-cs"/>
+              </a:defRPr>
+            </a:lvl2pPr>
+            <a:lvl3pPr marL="566928" indent="-182880" algn="l" defTabSz="914400" rtl="0" eaLnBrk="1" latinLnBrk="0" hangingPunct="1">
+              <a:lnSpc>
+                <a:spcPct val="100000"/>
+              </a:lnSpc>
+              <a:spcBef>
+                <a:spcPts val="200"/>
+              </a:spcBef>
+              <a:spcAft>
+                <a:spcPts val="400"/>
+              </a:spcAft>
+              <a:buClrTx/>
+              <a:buFont typeface="Calibri" pitchFamily="34" charset="0"/>
+              <a:buChar char="◦"/>
+              <a:defRPr sz="1300" kern="1200">
+                <a:solidFill>
+                  <a:schemeClr val="tx1">
+                    <a:lumMod val="75000"/>
+                    <a:lumOff val="25000"/>
+                  </a:schemeClr>
+                </a:solidFill>
+                <a:latin typeface="+mn-lt"/>
+                <a:ea typeface="+mn-ea"/>
+                <a:cs typeface="+mn-cs"/>
+              </a:defRPr>
+            </a:lvl3pPr>
+            <a:lvl4pPr marL="749808" indent="-182880" algn="l" defTabSz="914400" rtl="0" eaLnBrk="1" latinLnBrk="0" hangingPunct="1">
+              <a:lnSpc>
+                <a:spcPct val="100000"/>
+              </a:lnSpc>
+              <a:spcBef>
+                <a:spcPts val="200"/>
+              </a:spcBef>
+              <a:spcAft>
+                <a:spcPts val="400"/>
+              </a:spcAft>
+              <a:buClrTx/>
+              <a:buFont typeface="Calibri" pitchFamily="34" charset="0"/>
+              <a:buChar char="◦"/>
+              <a:defRPr sz="1300" kern="1200">
+                <a:solidFill>
+                  <a:schemeClr val="tx1">
+                    <a:lumMod val="75000"/>
+                    <a:lumOff val="25000"/>
+                  </a:schemeClr>
+                </a:solidFill>
+                <a:latin typeface="+mn-lt"/>
+                <a:ea typeface="+mn-ea"/>
+                <a:cs typeface="+mn-cs"/>
+              </a:defRPr>
+            </a:lvl4pPr>
+            <a:lvl5pPr marL="932688" indent="-182880" algn="l" defTabSz="914400" rtl="0" eaLnBrk="1" latinLnBrk="0" hangingPunct="1">
+              <a:lnSpc>
+                <a:spcPct val="100000"/>
+              </a:lnSpc>
+              <a:spcBef>
+                <a:spcPts val="200"/>
+              </a:spcBef>
+              <a:spcAft>
+                <a:spcPts val="400"/>
+              </a:spcAft>
+              <a:buClrTx/>
+              <a:buFont typeface="Calibri" pitchFamily="34" charset="0"/>
+              <a:buChar char="◦"/>
+              <a:defRPr sz="1300" kern="1200">
+                <a:solidFill>
+                  <a:schemeClr val="tx1">
+                    <a:lumMod val="75000"/>
+                    <a:lumOff val="25000"/>
+                  </a:schemeClr>
+                </a:solidFill>
+                <a:latin typeface="+mn-lt"/>
+                <a:ea typeface="+mn-ea"/>
+                <a:cs typeface="+mn-cs"/>
+              </a:defRPr>
+            </a:lvl5pPr>
+            <a:lvl6pPr marL="1100000" indent="-228600" algn="l" defTabSz="914400" rtl="0" eaLnBrk="1" latinLnBrk="0" hangingPunct="1">
+              <a:lnSpc>
+                <a:spcPct val="90000"/>
+              </a:lnSpc>
+              <a:spcBef>
+                <a:spcPts val="200"/>
+              </a:spcBef>
+              <a:spcAft>
+                <a:spcPts val="400"/>
+              </a:spcAft>
+              <a:buClr>
+                <a:schemeClr val="accent1"/>
+              </a:buClr>
+              <a:buFont typeface="Calibri" pitchFamily="34" charset="0"/>
+              <a:buChar char="◦"/>
+              <a:defRPr sz="1400" kern="1200">
+                <a:solidFill>
+                  <a:schemeClr val="tx1">
+                    <a:lumMod val="75000"/>
+                    <a:lumOff val="25000"/>
+                  </a:schemeClr>
+                </a:solidFill>
+                <a:latin typeface="+mn-lt"/>
+                <a:ea typeface="+mn-ea"/>
+                <a:cs typeface="+mn-cs"/>
+              </a:defRPr>
+            </a:lvl6pPr>
+            <a:lvl7pPr marL="1300000" indent="-228600" algn="l" defTabSz="914400" rtl="0" eaLnBrk="1" latinLnBrk="0" hangingPunct="1">
+              <a:lnSpc>
+                <a:spcPct val="90000"/>
+              </a:lnSpc>
+              <a:spcBef>
+                <a:spcPts val="200"/>
+              </a:spcBef>
+              <a:spcAft>
+                <a:spcPts val="400"/>
+              </a:spcAft>
+              <a:buClr>
+                <a:schemeClr val="accent1"/>
+              </a:buClr>
+              <a:buFont typeface="Calibri" pitchFamily="34" charset="0"/>
+              <a:buChar char="◦"/>
+              <a:defRPr sz="1400" kern="1200">
+                <a:solidFill>
+                  <a:schemeClr val="tx1">
+                    <a:lumMod val="75000"/>
+                    <a:lumOff val="25000"/>
+                  </a:schemeClr>
+                </a:solidFill>
+                <a:latin typeface="+mn-lt"/>
+                <a:ea typeface="+mn-ea"/>
+                <a:cs typeface="+mn-cs"/>
+              </a:defRPr>
+            </a:lvl7pPr>
+            <a:lvl8pPr marL="1500000" indent="-228600" algn="l" defTabSz="914400" rtl="0" eaLnBrk="1" latinLnBrk="0" hangingPunct="1">
+              <a:lnSpc>
+                <a:spcPct val="90000"/>
+              </a:lnSpc>
+              <a:spcBef>
+                <a:spcPts val="200"/>
+              </a:spcBef>
+              <a:spcAft>
+                <a:spcPts val="400"/>
+              </a:spcAft>
+              <a:buClr>
+                <a:schemeClr val="accent1"/>
+              </a:buClr>
+              <a:buFont typeface="Calibri" pitchFamily="34" charset="0"/>
+              <a:buChar char="◦"/>
+              <a:defRPr sz="1400" kern="1200">
+                <a:solidFill>
+                  <a:schemeClr val="tx1">
+                    <a:lumMod val="75000"/>
+                    <a:lumOff val="25000"/>
+                  </a:schemeClr>
+                </a:solidFill>
+                <a:latin typeface="+mn-lt"/>
+                <a:ea typeface="+mn-ea"/>
+                <a:cs typeface="+mn-cs"/>
+              </a:defRPr>
+            </a:lvl8pPr>
+            <a:lvl9pPr marL="1700000" indent="-228600" algn="l" defTabSz="914400" rtl="0" eaLnBrk="1" latinLnBrk="0" hangingPunct="1">
+              <a:lnSpc>
+                <a:spcPct val="90000"/>
+              </a:lnSpc>
+              <a:spcBef>
+                <a:spcPts val="200"/>
+              </a:spcBef>
+              <a:spcAft>
+                <a:spcPts val="400"/>
+              </a:spcAft>
+              <a:buClr>
+                <a:schemeClr val="accent1"/>
+              </a:buClr>
+              <a:buFont typeface="Calibri" pitchFamily="34" charset="0"/>
+              <a:buChar char="◦"/>
+              <a:defRPr sz="1400" kern="1200">
+                <a:solidFill>
+                  <a:schemeClr val="tx1">
+                    <a:lumMod val="75000"/>
+                    <a:lumOff val="25000"/>
+                  </a:schemeClr>
+                </a:solidFill>
+                <a:latin typeface="+mn-lt"/>
+                <a:ea typeface="+mn-ea"/>
+                <a:cs typeface="+mn-cs"/>
+              </a:defRPr>
+            </a:lvl9pPr>
+          </a:lstStyle>
+          <a:p>
+            <a:pPr>
+              <a:buFont typeface="Wingdings" panose="05000000000000000000" pitchFamily="2" charset="2"/>
+              <a:buChar char="v"/>
+            </a:pPr>
+            <a:endParaRPr lang="en-GB" dirty="0"/>
+          </a:p>
+        </p:txBody>
+      </p:sp>
+    </p:spTree>
+    <p:extLst>
+      <p:ext uri="{BB962C8B-B14F-4D97-AF65-F5344CB8AC3E}">
+        <p14:creationId xmlns:p14="http://schemas.microsoft.com/office/powerpoint/2010/main" val="2382331297"/>
+      </p:ext>
+    </p:extLst>
+  </p:cSld>
+  <p:clrMapOvr>
+    <a:overrideClrMapping bg1="dk1" tx1="lt1" bg2="dk2" tx2="lt2" accent1="accent1" accent2="accent2" accent3="accent3" accent4="accent4" accent5="accent5" accent6="accent6" hlink="hlink" folHlink="folHlink"/>
+  </p:clrMapOvr>
+  <mc:AlternateContent xmlns:mc="http://schemas.openxmlformats.org/markup-compatibility/2006">
+    <mc:Choice xmlns:p15="http://schemas.microsoft.com/office/powerpoint/2012/main" Requires="p15">
+      <p:transition spd="slow">
+        <p15:prstTrans prst="fallOver"/>
+      </p:transition>
+    </mc:Choice>
+    <mc:Fallback>
+      <p:transition spd="slow">
+        <p:fade/>
+      </p:transition>
+    </mc:Fallback>
+  </mc:AlternateContent>
+</p:sld>
+</file>
+
+<file path=ppt/slides/slide3.xml><?xml version="1.0" encoding="utf-8"?>
+<p:sld xmlns:a="http://schemas.openxmlformats.org/drawingml/2006/main" xmlns:r="http://schemas.openxmlformats.org/officeDocument/2006/relationships" xmlns:p="http://schemas.openxmlformats.org/presentationml/2006/main">
+  <p:cSld>
+    <p:bg>
+      <p:bgPr>
+        <a:solidFill>
+          <a:schemeClr val="bg1"/>
+        </a:solidFill>
+        <a:effectLst/>
+      </p:bgPr>
+    </p:bg>
+    <p:spTree>
+      <p:nvGrpSpPr>
+        <p:cNvPr id="1" name=""/>
+        <p:cNvGrpSpPr/>
+        <p:nvPr/>
+      </p:nvGrpSpPr>
+      <p:grpSpPr>
+        <a:xfrm>
+          <a:off x="0" y="0"/>
+          <a:ext cx="0" cy="0"/>
+          <a:chOff x="0" y="0"/>
+          <a:chExt cx="0" cy="0"/>
+        </a:xfrm>
+      </p:grpSpPr>
+      <p:sp>
+        <p:nvSpPr>
+          <p:cNvPr id="10" name="Rectangle 9">
+            <a:extLst>
+              <a:ext uri="{FF2B5EF4-FFF2-40B4-BE49-F238E27FC236}">
+                <a16:creationId xmlns:a16="http://schemas.microsoft.com/office/drawing/2014/main" id="{E844E128-FF69-4E9F-8327-6B504B3C5AE1}"/>
+              </a:ext>
+              <a:ext uri="{C183D7F6-B498-43B3-948B-1728B52AA6E4}">
+                <adec:decorative xmlns:adec="http://schemas.microsoft.com/office/drawing/2017/decorative" val="1"/>
+              </a:ext>
+            </a:extLst>
+          </p:cNvPr>
+          <p:cNvSpPr>
+            <a:spLocks noGrp="1" noRot="1" noChangeAspect="1" noMove="1" noResize="1" noEditPoints="1" noAdjustHandles="1" noChangeArrowheads="1" noChangeShapeType="1" noTextEdit="1"/>
+          </p:cNvSpPr>
+          <p:nvPr>
+            <p:extLst>
+              <p:ext uri="{386F3935-93C4-4BCD-93E2-E3B085C9AB24}">
+                <p16:designElem xmlns:p16="http://schemas.microsoft.com/office/powerpoint/2015/main" val="1"/>
+              </p:ext>
+            </p:extLst>
+          </p:nvPr>
+        </p:nvSpPr>
+        <p:spPr bwMode="white">
+          <a:xfrm>
+            <a:off x="15" y="0"/>
+            <a:ext cx="12191985" cy="6858000"/>
+          </a:xfrm>
+          <a:prstGeom prst="rect">
+            <a:avLst/>
+          </a:prstGeom>
+          <a:solidFill>
+            <a:srgbClr val="262626"/>
+          </a:solidFill>
+          <a:ln>
+            <a:noFill/>
+          </a:ln>
+        </p:spPr>
+        <p:style>
+          <a:lnRef idx="2">
+            <a:schemeClr val="accent1">
+              <a:shade val="50000"/>
+            </a:schemeClr>
+          </a:lnRef>
+          <a:fillRef idx="1">
+            <a:schemeClr val="accent1"/>
+          </a:fillRef>
+          <a:effectRef idx="0">
+            <a:schemeClr val="accent1"/>
+          </a:effectRef>
+          <a:fontRef idx="minor">
+            <a:schemeClr val="lt1"/>
+          </a:fontRef>
+        </p:style>
+      </p:sp>
+      <p:sp>
+        <p:nvSpPr>
+          <p:cNvPr id="2" name="Title 1">
+            <a:extLst>
+              <a:ext uri="{FF2B5EF4-FFF2-40B4-BE49-F238E27FC236}">
+                <a16:creationId xmlns:a16="http://schemas.microsoft.com/office/drawing/2014/main" id="{63B371B9-B103-698A-D14C-A875ADD145F1}"/>
+              </a:ext>
+            </a:extLst>
+          </p:cNvPr>
+          <p:cNvSpPr>
+            <a:spLocks noGrp="1"/>
+          </p:cNvSpPr>
+          <p:nvPr>
+            <p:ph type="title"/>
+          </p:nvPr>
+        </p:nvSpPr>
+        <p:spPr>
+          <a:xfrm>
+            <a:off x="643467" y="516835"/>
+            <a:ext cx="3448259" cy="1666501"/>
+          </a:xfrm>
+        </p:spPr>
+        <p:txBody>
+          <a:bodyPr>
+            <a:normAutofit/>
+          </a:bodyPr>
+          <a:lstStyle/>
+          <a:p>
+            <a:r>
+              <a:rPr lang="en-GB" sz="4000">
+                <a:solidFill>
+                  <a:srgbClr val="FFFFFF"/>
+                </a:solidFill>
+              </a:rPr>
+              <a:t>Project overview</a:t>
+            </a:r>
+          </a:p>
+        </p:txBody>
+      </p:sp>
+      <p:cxnSp>
+        <p:nvCxnSpPr>
+          <p:cNvPr id="12" name="Straight Connector 11">
+            <a:extLst>
+              <a:ext uri="{FF2B5EF4-FFF2-40B4-BE49-F238E27FC236}">
+                <a16:creationId xmlns:a16="http://schemas.microsoft.com/office/drawing/2014/main" id="{055CEADF-09EA-423C-8C45-F94AF44D5AF0}"/>
+              </a:ext>
+              <a:ext uri="{C183D7F6-B498-43B3-948B-1728B52AA6E4}">
+                <adec:decorative xmlns:adec="http://schemas.microsoft.com/office/drawing/2017/decorative" val="1"/>
+              </a:ext>
+            </a:extLst>
+          </p:cNvPr>
+          <p:cNvCxnSpPr>
+            <a:cxnSpLocks noGrp="1" noRot="1" noChangeAspect="1" noMove="1" noResize="1" noEditPoints="1" noAdjustHandles="1" noChangeArrowheads="1" noChangeShapeType="1"/>
+          </p:cNvCxnSpPr>
+          <p:nvPr>
+            <p:extLst>
+              <p:ext uri="{386F3935-93C4-4BCD-93E2-E3B085C9AB24}">
+                <p16:designElem xmlns:p16="http://schemas.microsoft.com/office/powerpoint/2015/main" val="1"/>
+              </p:ext>
+            </p:extLst>
+          </p:nvPr>
+        </p:nvCxnSpPr>
+        <p:spPr>
+          <a:xfrm>
+            <a:off x="723686" y="2353592"/>
+            <a:ext cx="3291840" cy="0"/>
+          </a:xfrm>
+          <a:prstGeom prst="line">
+            <a:avLst/>
+          </a:prstGeom>
+          <a:ln w="19050">
+            <a:solidFill>
+              <a:schemeClr val="accent1"/>
+            </a:solidFill>
+          </a:ln>
+        </p:spPr>
+        <p:style>
+          <a:lnRef idx="1">
+            <a:schemeClr val="accent1"/>
+          </a:lnRef>
+          <a:fillRef idx="0">
+            <a:schemeClr val="accent1"/>
+          </a:fillRef>
+          <a:effectRef idx="0">
+            <a:schemeClr val="accent1"/>
+          </a:effectRef>
+          <a:fontRef idx="minor">
+            <a:schemeClr val="tx1"/>
+          </a:fontRef>
+        </p:style>
+      </p:cxnSp>
+      <p:sp>
+        <p:nvSpPr>
+          <p:cNvPr id="3" name="Content Placeholder 2">
+            <a:extLst>
+              <a:ext uri="{FF2B5EF4-FFF2-40B4-BE49-F238E27FC236}">
+                <a16:creationId xmlns:a16="http://schemas.microsoft.com/office/drawing/2014/main" id="{ABB6B811-213D-14BD-4458-66E26E19EBAD}"/>
+              </a:ext>
+            </a:extLst>
+          </p:cNvPr>
+          <p:cNvSpPr>
+            <a:spLocks noGrp="1"/>
+          </p:cNvSpPr>
+          <p:nvPr>
+            <p:ph idx="1"/>
+          </p:nvPr>
+        </p:nvSpPr>
+        <p:spPr>
+          <a:xfrm>
+            <a:off x="643467" y="2546224"/>
+            <a:ext cx="3448259" cy="3342747"/>
+          </a:xfrm>
+        </p:spPr>
+        <p:txBody>
+          <a:bodyPr>
+            <a:normAutofit/>
+          </a:bodyPr>
+          <a:lstStyle/>
+          <a:p>
+            <a:pPr algn="just"/>
+            <a:r>
+              <a:rPr lang="en-US" sz="1800" b="0" i="0">
+                <a:solidFill>
+                  <a:srgbClr val="FFFFFF"/>
+                </a:solidFill>
+                <a:effectLst/>
+                <a:latin typeface="-apple-system"/>
+              </a:rPr>
+              <a:t>We are a group of students, looking to help our community by creating a dashboard and a website that will help all prospective students, find the best and most suitable university in the UK to apply for. In addition, it will be a great tool for universities to keep tabs on the competition and create a benchmark.</a:t>
+            </a:r>
+            <a:endParaRPr lang="en-GB" sz="1800">
+              <a:solidFill>
+                <a:srgbClr val="FFFFFF"/>
+              </a:solidFill>
+            </a:endParaRPr>
+          </a:p>
+        </p:txBody>
+      </p:sp>
+      <p:pic>
+        <p:nvPicPr>
+          <p:cNvPr id="5" name="Picture 4" descr="A person giving a presentation to a group of people&#10;&#10;Description automatically generated with medium confidence">
+            <a:extLst>
+              <a:ext uri="{FF2B5EF4-FFF2-40B4-BE49-F238E27FC236}">
+                <a16:creationId xmlns:a16="http://schemas.microsoft.com/office/drawing/2014/main" id="{788448B5-B81D-B6AD-4DAC-E38224EE5661}"/>
+              </a:ext>
+            </a:extLst>
+          </p:cNvPr>
+          <p:cNvPicPr>
+            <a:picLocks noChangeAspect="1"/>
+          </p:cNvPicPr>
+          <p:nvPr/>
+        </p:nvPicPr>
+        <p:blipFill rotWithShape="1">
+          <a:blip r:embed="rId2"/>
+          <a:srcRect l="4834" r="33341"/>
+          <a:stretch/>
+        </p:blipFill>
+        <p:spPr>
+          <a:xfrm>
+            <a:off x="4654296" y="10"/>
+            <a:ext cx="7537703" cy="6857990"/>
+          </a:xfrm>
+          <a:prstGeom prst="rect">
+            <a:avLst/>
+          </a:prstGeom>
+        </p:spPr>
+      </p:pic>
+    </p:spTree>
+    <p:extLst>
+      <p:ext uri="{BB962C8B-B14F-4D97-AF65-F5344CB8AC3E}">
+        <p14:creationId xmlns:p14="http://schemas.microsoft.com/office/powerpoint/2010/main" val="567530555"/>
+      </p:ext>
+    </p:extLst>
+  </p:cSld>
+  <p:clrMapOvr>
+    <a:overrideClrMapping bg1="dk1" tx1="lt1" bg2="dk2" tx2="lt2" accent1="accent1" accent2="accent2" accent3="accent3" accent4="accent4" accent5="accent5" accent6="accent6" hlink="hlink" folHlink="folHlink"/>
+  </p:clrMapOvr>
+  <mc:AlternateContent xmlns:mc="http://schemas.openxmlformats.org/markup-compatibility/2006">
+    <mc:Choice xmlns:p15="http://schemas.microsoft.com/office/powerpoint/2012/main" Requires="p15">
+      <p:transition xmlns:p14="http://schemas.microsoft.com/office/powerpoint/2010/main" spd="slow" p14:dur="1250">
+        <p15:prstTrans prst="pageCurlDouble"/>
+      </p:transition>
+    </mc:Choice>
+    <mc:Fallback>
+      <p:transition spd="slow">
+        <p:fade/>
+      </p:transition>
+    </mc:Fallback>
+  </mc:AlternateContent>
+</p:sld>
+</file>
+
+<file path=ppt/slides/slide4.xml><?xml version="1.0" encoding="utf-8"?>
 <p:sld xmlns:a="http://schemas.openxmlformats.org/drawingml/2006/main" xmlns:r="http://schemas.openxmlformats.org/officeDocument/2006/relationships" xmlns:p="http://schemas.openxmlformats.org/presentationml/2006/main">
   <p:cSld>
     <p:bg>
@@ -17260,7 +19069,7 @@
 </p:sld>
 </file>
 
-<file path=ppt/slides/slide3.xml><?xml version="1.0" encoding="utf-8"?>
+<file path=ppt/slides/slide5.xml><?xml version="1.0" encoding="utf-8"?>
 <p:sld xmlns:a="http://schemas.openxmlformats.org/drawingml/2006/main" xmlns:r="http://schemas.openxmlformats.org/officeDocument/2006/relationships" xmlns:p="http://schemas.openxmlformats.org/presentationml/2006/main">
   <p:cSld>
     <p:bg>
@@ -17547,7 +19356,7 @@
 </p:sld>
 </file>
 
-<file path=ppt/slides/slide4.xml><?xml version="1.0" encoding="utf-8"?>
+<file path=ppt/slides/slide6.xml><?xml version="1.0" encoding="utf-8"?>
 <p:sld xmlns:a="http://schemas.openxmlformats.org/drawingml/2006/main" xmlns:r="http://schemas.openxmlformats.org/officeDocument/2006/relationships" xmlns:p="http://schemas.openxmlformats.org/presentationml/2006/main">
   <p:cSld>
     <p:bg>
@@ -17871,7 +19680,7 @@
 </p:sld>
 </file>
 
-<file path=ppt/slides/slide5.xml><?xml version="1.0" encoding="utf-8"?>
+<file path=ppt/slides/slide7.xml><?xml version="1.0" encoding="utf-8"?>
 <p:sld xmlns:a="http://schemas.openxmlformats.org/drawingml/2006/main" xmlns:r="http://schemas.openxmlformats.org/officeDocument/2006/relationships" xmlns:p="http://schemas.openxmlformats.org/presentationml/2006/main">
   <p:cSld>
     <p:bg>
@@ -18008,8 +19817,8 @@
           <a:lstStyle/>
           <a:p>
             <a:r>
-              <a:rPr lang="en-US"/>
-              <a:t>ETL Jupyter Notebook</a:t>
+              <a:rPr lang="en-US" dirty="0"/>
+              <a:t>ETL PROCESS</a:t>
             </a:r>
             <a:endParaRPr lang="en-GB" dirty="0"/>
           </a:p>
@@ -18181,7 +19990,7 @@
 </p:sld>
 </file>
 
-<file path=ppt/slides/slide6.xml><?xml version="1.0" encoding="utf-8"?>
+<file path=ppt/slides/slide8.xml><?xml version="1.0" encoding="utf-8"?>
 <p:sld xmlns:a="http://schemas.openxmlformats.org/drawingml/2006/main" xmlns:r="http://schemas.openxmlformats.org/officeDocument/2006/relationships" xmlns:p="http://schemas.openxmlformats.org/presentationml/2006/main">
   <p:cSld>
     <p:bg>
@@ -18290,8 +20099,8 @@
         </p:nvSpPr>
         <p:spPr>
           <a:xfrm>
-            <a:off x="6476772" y="1144980"/>
-            <a:ext cx="5063458" cy="1560716"/>
+            <a:off x="6423045" y="184902"/>
+            <a:ext cx="5063458" cy="747500"/>
           </a:xfrm>
         </p:spPr>
         <p:txBody>
@@ -18301,7 +20110,7 @@
           <a:lstStyle/>
           <a:p>
             <a:r>
-              <a:rPr lang="en-US" dirty="0"/>
+              <a:rPr lang="en-US"/>
               <a:t>PostgreSQL</a:t>
             </a:r>
             <a:endParaRPr lang="en-GB" dirty="0"/>
@@ -18518,7 +20327,7 @@
         </p:nvSpPr>
         <p:spPr>
           <a:xfrm>
-            <a:off x="6476772" y="2978639"/>
+            <a:off x="6423045" y="1205345"/>
             <a:ext cx="5063457" cy="2729196"/>
           </a:xfrm>
         </p:spPr>
@@ -18528,7 +20337,7 @@
           </a:bodyPr>
           <a:lstStyle/>
           <a:p>
-            <a:pPr>
+            <a:pPr algn="just">
               <a:buFont typeface="Arial" panose="020B0604020202020204" pitchFamily="34" charset="0"/>
               <a:buChar char="•"/>
             </a:pPr>
@@ -18538,7 +20347,7 @@
             </a:r>
           </a:p>
           <a:p>
-            <a:pPr>
+            <a:pPr algn="just">
               <a:buFont typeface="Arial" panose="020B0604020202020204" pitchFamily="34" charset="0"/>
               <a:buChar char="•"/>
             </a:pPr>
@@ -18553,7 +20362,7 @@
             <a:endParaRPr lang="en-US" dirty="0"/>
           </a:p>
           <a:p>
-            <a:pPr>
+            <a:pPr algn="just">
               <a:buFont typeface="Arial" panose="020B0604020202020204" pitchFamily="34" charset="0"/>
               <a:buChar char="•"/>
             </a:pPr>
@@ -18576,7 +20385,7 @@
             <a:endParaRPr lang="en-US" dirty="0"/>
           </a:p>
           <a:p>
-            <a:pPr>
+            <a:pPr algn="just">
               <a:buFont typeface="Arial" panose="020B0604020202020204" pitchFamily="34" charset="0"/>
               <a:buChar char="•"/>
             </a:pPr>
@@ -18584,6 +20393,36 @@
           </a:p>
         </p:txBody>
       </p:sp>
+      <p:pic>
+        <p:nvPicPr>
+          <p:cNvPr id="6" name="Picture 5">
+            <a:extLst>
+              <a:ext uri="{FF2B5EF4-FFF2-40B4-BE49-F238E27FC236}">
+                <a16:creationId xmlns:a16="http://schemas.microsoft.com/office/drawing/2014/main" id="{215EC791-93AB-7755-88BE-4A419C772B19}"/>
+              </a:ext>
+            </a:extLst>
+          </p:cNvPr>
+          <p:cNvPicPr>
+            <a:picLocks noChangeAspect="1"/>
+          </p:cNvPicPr>
+          <p:nvPr/>
+        </p:nvPicPr>
+        <p:blipFill>
+          <a:blip r:embed="rId4"/>
+          <a:stretch>
+            <a:fillRect/>
+          </a:stretch>
+        </p:blipFill>
+        <p:spPr>
+          <a:xfrm>
+            <a:off x="7129118" y="3744323"/>
+            <a:ext cx="3644880" cy="3014117"/>
+          </a:xfrm>
+          <a:prstGeom prst="rect">
+            <a:avLst/>
+          </a:prstGeom>
+        </p:spPr>
+      </p:pic>
     </p:spTree>
     <p:extLst>
       <p:ext uri="{BB962C8B-B14F-4D97-AF65-F5344CB8AC3E}">
@@ -18600,7 +20439,7 @@
 </p:sld>
 </file>
 
-<file path=ppt/slides/slide7.xml><?xml version="1.0" encoding="utf-8"?>
+<file path=ppt/slides/slide9.xml><?xml version="1.0" encoding="utf-8"?>
 <p:sld xmlns:a="http://schemas.openxmlformats.org/drawingml/2006/main" xmlns:r="http://schemas.openxmlformats.org/officeDocument/2006/relationships" xmlns:p="http://schemas.openxmlformats.org/presentationml/2006/main">
   <p:cSld>
     <p:spTree>
@@ -18708,7 +20547,7 @@
             </a:pPr>
             <a:r>
               <a:rPr lang="en-US" dirty="0"/>
-              <a:t> Two routes are created for the two html pages created.</a:t>
+              <a:t> Three routes are created for the two html pages created as well as the Tableau report.</a:t>
             </a:r>
             <a:endParaRPr lang="en-GB" dirty="0"/>
           </a:p>
@@ -18921,522 +20760,6 @@
   <p:transition spd="slow">
     <p:cover/>
   </p:transition>
-</p:sld>
-</file>
-
-<file path=ppt/slides/slide8.xml><?xml version="1.0" encoding="utf-8"?>
-<p:sld xmlns:a="http://schemas.openxmlformats.org/drawingml/2006/main" xmlns:r="http://schemas.openxmlformats.org/officeDocument/2006/relationships" xmlns:p="http://schemas.openxmlformats.org/presentationml/2006/main" show="0">
-  <p:cSld>
-    <p:bg>
-      <p:bgPr>
-        <a:solidFill>
-          <a:schemeClr val="bg1"/>
-        </a:solidFill>
-        <a:effectLst/>
-      </p:bgPr>
-    </p:bg>
-    <p:spTree>
-      <p:nvGrpSpPr>
-        <p:cNvPr id="1" name=""/>
-        <p:cNvGrpSpPr/>
-        <p:nvPr/>
-      </p:nvGrpSpPr>
-      <p:grpSpPr>
-        <a:xfrm>
-          <a:off x="0" y="0"/>
-          <a:ext cx="0" cy="0"/>
-          <a:chOff x="0" y="0"/>
-          <a:chExt cx="0" cy="0"/>
-        </a:xfrm>
-      </p:grpSpPr>
-      <p:sp>
-        <p:nvSpPr>
-          <p:cNvPr id="9" name="Rectangle 8">
-            <a:extLst>
-              <a:ext uri="{FF2B5EF4-FFF2-40B4-BE49-F238E27FC236}">
-                <a16:creationId xmlns:a16="http://schemas.microsoft.com/office/drawing/2014/main" id="{A8E9C91B-7EAD-4562-AB0E-DFB9663AECE3}"/>
-              </a:ext>
-              <a:ext uri="{C183D7F6-B498-43B3-948B-1728B52AA6E4}">
-                <adec:decorative xmlns:adec="http://schemas.microsoft.com/office/drawing/2017/decorative" val="1"/>
-              </a:ext>
-            </a:extLst>
-          </p:cNvPr>
-          <p:cNvSpPr>
-            <a:spLocks noGrp="1" noRot="1" noChangeAspect="1" noMove="1" noResize="1" noEditPoints="1" noAdjustHandles="1" noChangeArrowheads="1" noChangeShapeType="1" noTextEdit="1"/>
-          </p:cNvSpPr>
-          <p:nvPr>
-            <p:extLst>
-              <p:ext uri="{386F3935-93C4-4BCD-93E2-E3B085C9AB24}">
-                <p16:designElem xmlns:p16="http://schemas.microsoft.com/office/powerpoint/2015/main" val="1"/>
-              </p:ext>
-            </p:extLst>
-          </p:nvPr>
-        </p:nvSpPr>
-        <p:spPr>
-          <a:xfrm>
-            <a:off x="3175" y="6400800"/>
-            <a:ext cx="12188825" cy="457200"/>
-          </a:xfrm>
-          <a:prstGeom prst="rect">
-            <a:avLst/>
-          </a:prstGeom>
-          <a:solidFill>
-            <a:srgbClr val="262626"/>
-          </a:solidFill>
-          <a:ln>
-            <a:noFill/>
-          </a:ln>
-        </p:spPr>
-        <p:style>
-          <a:lnRef idx="2">
-            <a:schemeClr val="accent1">
-              <a:shade val="50000"/>
-            </a:schemeClr>
-          </a:lnRef>
-          <a:fillRef idx="1">
-            <a:schemeClr val="accent1"/>
-          </a:fillRef>
-          <a:effectRef idx="0">
-            <a:schemeClr val="accent1"/>
-          </a:effectRef>
-          <a:fontRef idx="minor">
-            <a:schemeClr val="lt1"/>
-          </a:fontRef>
-        </p:style>
-      </p:sp>
-      <p:sp useBgFill="1">
-        <p:nvSpPr>
-          <p:cNvPr id="11" name="Rectangle 10">
-            <a:extLst>
-              <a:ext uri="{FF2B5EF4-FFF2-40B4-BE49-F238E27FC236}">
-                <a16:creationId xmlns:a16="http://schemas.microsoft.com/office/drawing/2014/main" id="{652BD35A-BC99-4831-A358-06E2CEB96697}"/>
-              </a:ext>
-              <a:ext uri="{C183D7F6-B498-43B3-948B-1728B52AA6E4}">
-                <adec:decorative xmlns:adec="http://schemas.microsoft.com/office/drawing/2017/decorative" val="1"/>
-              </a:ext>
-            </a:extLst>
-          </p:cNvPr>
-          <p:cNvSpPr>
-            <a:spLocks noGrp="1" noRot="1" noChangeAspect="1" noMove="1" noResize="1" noEditPoints="1" noAdjustHandles="1" noChangeArrowheads="1" noChangeShapeType="1" noTextEdit="1"/>
-          </p:cNvSpPr>
-          <p:nvPr>
-            <p:extLst>
-              <p:ext uri="{386F3935-93C4-4BCD-93E2-E3B085C9AB24}">
-                <p16:designElem xmlns:p16="http://schemas.microsoft.com/office/powerpoint/2015/main" val="1"/>
-              </p:ext>
-            </p:extLst>
-          </p:nvPr>
-        </p:nvSpPr>
-        <p:spPr>
-          <a:xfrm>
-            <a:off x="0" y="0"/>
-            <a:ext cx="12192000" cy="6858000"/>
-          </a:xfrm>
-          <a:prstGeom prst="rect">
-            <a:avLst/>
-          </a:prstGeom>
-          <a:ln>
-            <a:noFill/>
-          </a:ln>
-        </p:spPr>
-        <p:style>
-          <a:lnRef idx="2">
-            <a:schemeClr val="accent1">
-              <a:shade val="50000"/>
-            </a:schemeClr>
-          </a:lnRef>
-          <a:fillRef idx="1">
-            <a:schemeClr val="accent1"/>
-          </a:fillRef>
-          <a:effectRef idx="0">
-            <a:schemeClr val="accent1"/>
-          </a:effectRef>
-          <a:fontRef idx="minor">
-            <a:schemeClr val="lt1"/>
-          </a:fontRef>
-        </p:style>
-        <p:txBody>
-          <a:bodyPr rtlCol="0" anchor="ctr"/>
-          <a:lstStyle/>
-          <a:p>
-            <a:pPr algn="ctr"/>
-            <a:endParaRPr lang="en-US"/>
-          </a:p>
-        </p:txBody>
-      </p:sp>
-      <p:sp>
-        <p:nvSpPr>
-          <p:cNvPr id="13" name="Rectangle 12">
-            <a:extLst>
-              <a:ext uri="{FF2B5EF4-FFF2-40B4-BE49-F238E27FC236}">
-                <a16:creationId xmlns:a16="http://schemas.microsoft.com/office/drawing/2014/main" id="{B76E24C1-2968-40DC-A36E-F6B85F0F0752}"/>
-              </a:ext>
-              <a:ext uri="{C183D7F6-B498-43B3-948B-1728B52AA6E4}">
-                <adec:decorative xmlns:adec="http://schemas.microsoft.com/office/drawing/2017/decorative" val="1"/>
-              </a:ext>
-            </a:extLst>
-          </p:cNvPr>
-          <p:cNvSpPr>
-            <a:spLocks noGrp="1" noRot="1" noChangeAspect="1" noMove="1" noResize="1" noEditPoints="1" noAdjustHandles="1" noChangeArrowheads="1" noChangeShapeType="1" noTextEdit="1"/>
-          </p:cNvSpPr>
-          <p:nvPr>
-            <p:extLst>
-              <p:ext uri="{386F3935-93C4-4BCD-93E2-E3B085C9AB24}">
-                <p16:designElem xmlns:p16="http://schemas.microsoft.com/office/powerpoint/2015/main" val="1"/>
-              </p:ext>
-            </p:extLst>
-          </p:nvPr>
-        </p:nvSpPr>
-        <p:spPr>
-          <a:xfrm>
-            <a:off x="522732" y="521208"/>
-            <a:ext cx="11146536" cy="5815584"/>
-          </a:xfrm>
-          <a:prstGeom prst="rect">
-            <a:avLst/>
-          </a:prstGeom>
-          <a:noFill/>
-          <a:ln w="69850">
-            <a:solidFill>
-              <a:schemeClr val="tx1">
-                <a:lumMod val="75000"/>
-                <a:lumOff val="25000"/>
-              </a:schemeClr>
-            </a:solidFill>
-            <a:miter lim="800000"/>
-          </a:ln>
-        </p:spPr>
-        <p:style>
-          <a:lnRef idx="2">
-            <a:schemeClr val="accent1">
-              <a:shade val="50000"/>
-            </a:schemeClr>
-          </a:lnRef>
-          <a:fillRef idx="1">
-            <a:schemeClr val="accent1"/>
-          </a:fillRef>
-          <a:effectRef idx="0">
-            <a:schemeClr val="accent1"/>
-          </a:effectRef>
-          <a:fontRef idx="minor">
-            <a:schemeClr val="lt1"/>
-          </a:fontRef>
-        </p:style>
-        <p:txBody>
-          <a:bodyPr rtlCol="0" anchor="ctr"/>
-          <a:lstStyle/>
-          <a:p>
-            <a:pPr algn="ctr"/>
-            <a:endParaRPr lang="en-US"/>
-          </a:p>
-        </p:txBody>
-      </p:sp>
-      <p:pic>
-        <p:nvPicPr>
-          <p:cNvPr id="4" name="Picture 3">
-            <a:extLst>
-              <a:ext uri="{FF2B5EF4-FFF2-40B4-BE49-F238E27FC236}">
-                <a16:creationId xmlns:a16="http://schemas.microsoft.com/office/drawing/2014/main" id="{D684F34F-D0CF-4AF1-83AB-6CC43877421C}"/>
-              </a:ext>
-            </a:extLst>
-          </p:cNvPr>
-          <p:cNvPicPr>
-            <a:picLocks noChangeAspect="1"/>
-          </p:cNvPicPr>
-          <p:nvPr/>
-        </p:nvPicPr>
-        <p:blipFill>
-          <a:blip r:embed="rId2"/>
-          <a:stretch>
-            <a:fillRect/>
-          </a:stretch>
-        </p:blipFill>
-        <p:spPr>
-          <a:xfrm>
-            <a:off x="2922035" y="905933"/>
-            <a:ext cx="6379933" cy="5039728"/>
-          </a:xfrm>
-          <a:prstGeom prst="rect">
-            <a:avLst/>
-          </a:prstGeom>
-        </p:spPr>
-      </p:pic>
-    </p:spTree>
-    <p:extLst>
-      <p:ext uri="{BB962C8B-B14F-4D97-AF65-F5344CB8AC3E}">
-        <p14:creationId xmlns:p14="http://schemas.microsoft.com/office/powerpoint/2010/main" val="1724175508"/>
-      </p:ext>
-    </p:extLst>
-  </p:cSld>
-  <p:clrMapOvr>
-    <a:overrideClrMapping bg1="dk1" tx1="lt1" bg2="dk2" tx2="lt2" accent1="accent1" accent2="accent2" accent3="accent3" accent4="accent4" accent5="accent5" accent6="accent6" hlink="hlink" folHlink="folHlink"/>
-  </p:clrMapOvr>
-  <mc:AlternateContent xmlns:mc="http://schemas.openxmlformats.org/markup-compatibility/2006" xmlns:p14="http://schemas.microsoft.com/office/powerpoint/2010/main">
-    <mc:Choice Requires="p14">
-      <p:transition p14:dur="0" advClick="0"/>
-    </mc:Choice>
-    <mc:Fallback xmlns="">
-      <p:transition advClick="0"/>
-    </mc:Fallback>
-  </mc:AlternateContent>
-</p:sld>
-</file>
-
-<file path=ppt/slides/slide9.xml><?xml version="1.0" encoding="utf-8"?>
-<p:sld xmlns:a="http://schemas.openxmlformats.org/drawingml/2006/main" xmlns:r="http://schemas.openxmlformats.org/officeDocument/2006/relationships" xmlns:p="http://schemas.openxmlformats.org/presentationml/2006/main" show="0">
-  <p:cSld>
-    <p:bg>
-      <p:bgPr>
-        <a:solidFill>
-          <a:schemeClr val="bg1"/>
-        </a:solidFill>
-        <a:effectLst/>
-      </p:bgPr>
-    </p:bg>
-    <p:spTree>
-      <p:nvGrpSpPr>
-        <p:cNvPr id="1" name=""/>
-        <p:cNvGrpSpPr/>
-        <p:nvPr/>
-      </p:nvGrpSpPr>
-      <p:grpSpPr>
-        <a:xfrm>
-          <a:off x="0" y="0"/>
-          <a:ext cx="0" cy="0"/>
-          <a:chOff x="0" y="0"/>
-          <a:chExt cx="0" cy="0"/>
-        </a:xfrm>
-      </p:grpSpPr>
-      <p:sp>
-        <p:nvSpPr>
-          <p:cNvPr id="9" name="Rectangle 8">
-            <a:extLst>
-              <a:ext uri="{FF2B5EF4-FFF2-40B4-BE49-F238E27FC236}">
-                <a16:creationId xmlns:a16="http://schemas.microsoft.com/office/drawing/2014/main" id="{A8E9C91B-7EAD-4562-AB0E-DFB9663AECE3}"/>
-              </a:ext>
-              <a:ext uri="{C183D7F6-B498-43B3-948B-1728B52AA6E4}">
-                <adec:decorative xmlns:adec="http://schemas.microsoft.com/office/drawing/2017/decorative" val="1"/>
-              </a:ext>
-            </a:extLst>
-          </p:cNvPr>
-          <p:cNvSpPr>
-            <a:spLocks noGrp="1" noRot="1" noChangeAspect="1" noMove="1" noResize="1" noEditPoints="1" noAdjustHandles="1" noChangeArrowheads="1" noChangeShapeType="1" noTextEdit="1"/>
-          </p:cNvSpPr>
-          <p:nvPr>
-            <p:extLst>
-              <p:ext uri="{386F3935-93C4-4BCD-93E2-E3B085C9AB24}">
-                <p16:designElem xmlns:p16="http://schemas.microsoft.com/office/powerpoint/2015/main" val="1"/>
-              </p:ext>
-            </p:extLst>
-          </p:nvPr>
-        </p:nvSpPr>
-        <p:spPr>
-          <a:xfrm>
-            <a:off x="3175" y="6400800"/>
-            <a:ext cx="12188825" cy="457200"/>
-          </a:xfrm>
-          <a:prstGeom prst="rect">
-            <a:avLst/>
-          </a:prstGeom>
-          <a:solidFill>
-            <a:srgbClr val="262626"/>
-          </a:solidFill>
-          <a:ln>
-            <a:noFill/>
-          </a:ln>
-        </p:spPr>
-        <p:style>
-          <a:lnRef idx="2">
-            <a:schemeClr val="accent1">
-              <a:shade val="50000"/>
-            </a:schemeClr>
-          </a:lnRef>
-          <a:fillRef idx="1">
-            <a:schemeClr val="accent1"/>
-          </a:fillRef>
-          <a:effectRef idx="0">
-            <a:schemeClr val="accent1"/>
-          </a:effectRef>
-          <a:fontRef idx="minor">
-            <a:schemeClr val="lt1"/>
-          </a:fontRef>
-        </p:style>
-      </p:sp>
-      <p:sp useBgFill="1">
-        <p:nvSpPr>
-          <p:cNvPr id="11" name="Rectangle 10">
-            <a:extLst>
-              <a:ext uri="{FF2B5EF4-FFF2-40B4-BE49-F238E27FC236}">
-                <a16:creationId xmlns:a16="http://schemas.microsoft.com/office/drawing/2014/main" id="{652BD35A-BC99-4831-A358-06E2CEB96697}"/>
-              </a:ext>
-              <a:ext uri="{C183D7F6-B498-43B3-948B-1728B52AA6E4}">
-                <adec:decorative xmlns:adec="http://schemas.microsoft.com/office/drawing/2017/decorative" val="1"/>
-              </a:ext>
-            </a:extLst>
-          </p:cNvPr>
-          <p:cNvSpPr>
-            <a:spLocks noGrp="1" noRot="1" noChangeAspect="1" noMove="1" noResize="1" noEditPoints="1" noAdjustHandles="1" noChangeArrowheads="1" noChangeShapeType="1" noTextEdit="1"/>
-          </p:cNvSpPr>
-          <p:nvPr>
-            <p:extLst>
-              <p:ext uri="{386F3935-93C4-4BCD-93E2-E3B085C9AB24}">
-                <p16:designElem xmlns:p16="http://schemas.microsoft.com/office/powerpoint/2015/main" val="1"/>
-              </p:ext>
-            </p:extLst>
-          </p:nvPr>
-        </p:nvSpPr>
-        <p:spPr>
-          <a:xfrm>
-            <a:off x="0" y="0"/>
-            <a:ext cx="12192000" cy="6858000"/>
-          </a:xfrm>
-          <a:prstGeom prst="rect">
-            <a:avLst/>
-          </a:prstGeom>
-          <a:ln>
-            <a:noFill/>
-          </a:ln>
-        </p:spPr>
-        <p:style>
-          <a:lnRef idx="2">
-            <a:schemeClr val="accent1">
-              <a:shade val="50000"/>
-            </a:schemeClr>
-          </a:lnRef>
-          <a:fillRef idx="1">
-            <a:schemeClr val="accent1"/>
-          </a:fillRef>
-          <a:effectRef idx="0">
-            <a:schemeClr val="accent1"/>
-          </a:effectRef>
-          <a:fontRef idx="minor">
-            <a:schemeClr val="lt1"/>
-          </a:fontRef>
-        </p:style>
-        <p:txBody>
-          <a:bodyPr rtlCol="0" anchor="ctr"/>
-          <a:lstStyle/>
-          <a:p>
-            <a:pPr algn="ctr"/>
-            <a:endParaRPr lang="en-US"/>
-          </a:p>
-        </p:txBody>
-      </p:sp>
-      <p:sp>
-        <p:nvSpPr>
-          <p:cNvPr id="13" name="Rectangle 12">
-            <a:extLst>
-              <a:ext uri="{FF2B5EF4-FFF2-40B4-BE49-F238E27FC236}">
-                <a16:creationId xmlns:a16="http://schemas.microsoft.com/office/drawing/2014/main" id="{B76E24C1-2968-40DC-A36E-F6B85F0F0752}"/>
-              </a:ext>
-              <a:ext uri="{C183D7F6-B498-43B3-948B-1728B52AA6E4}">
-                <adec:decorative xmlns:adec="http://schemas.microsoft.com/office/drawing/2017/decorative" val="1"/>
-              </a:ext>
-            </a:extLst>
-          </p:cNvPr>
-          <p:cNvSpPr>
-            <a:spLocks noGrp="1" noRot="1" noChangeAspect="1" noMove="1" noResize="1" noEditPoints="1" noAdjustHandles="1" noChangeArrowheads="1" noChangeShapeType="1" noTextEdit="1"/>
-          </p:cNvSpPr>
-          <p:nvPr>
-            <p:extLst>
-              <p:ext uri="{386F3935-93C4-4BCD-93E2-E3B085C9AB24}">
-                <p16:designElem xmlns:p16="http://schemas.microsoft.com/office/powerpoint/2015/main" val="1"/>
-              </p:ext>
-            </p:extLst>
-          </p:nvPr>
-        </p:nvSpPr>
-        <p:spPr>
-          <a:xfrm>
-            <a:off x="522732" y="521208"/>
-            <a:ext cx="11146536" cy="5815584"/>
-          </a:xfrm>
-          <a:prstGeom prst="rect">
-            <a:avLst/>
-          </a:prstGeom>
-          <a:noFill/>
-          <a:ln w="69850">
-            <a:solidFill>
-              <a:schemeClr val="tx1">
-                <a:lumMod val="75000"/>
-                <a:lumOff val="25000"/>
-              </a:schemeClr>
-            </a:solidFill>
-            <a:miter lim="800000"/>
-          </a:ln>
-        </p:spPr>
-        <p:style>
-          <a:lnRef idx="2">
-            <a:schemeClr val="accent1">
-              <a:shade val="50000"/>
-            </a:schemeClr>
-          </a:lnRef>
-          <a:fillRef idx="1">
-            <a:schemeClr val="accent1"/>
-          </a:fillRef>
-          <a:effectRef idx="0">
-            <a:schemeClr val="accent1"/>
-          </a:effectRef>
-          <a:fontRef idx="minor">
-            <a:schemeClr val="lt1"/>
-          </a:fontRef>
-        </p:style>
-        <p:txBody>
-          <a:bodyPr rtlCol="0" anchor="ctr"/>
-          <a:lstStyle/>
-          <a:p>
-            <a:pPr algn="ctr"/>
-            <a:endParaRPr lang="en-US"/>
-          </a:p>
-        </p:txBody>
-      </p:sp>
-      <p:pic>
-        <p:nvPicPr>
-          <p:cNvPr id="4" name="Picture 3">
-            <a:extLst>
-              <a:ext uri="{FF2B5EF4-FFF2-40B4-BE49-F238E27FC236}">
-                <a16:creationId xmlns:a16="http://schemas.microsoft.com/office/drawing/2014/main" id="{777DD3C4-069D-925C-3F1B-0A4C8E1C9D44}"/>
-              </a:ext>
-            </a:extLst>
-          </p:cNvPr>
-          <p:cNvPicPr>
-            <a:picLocks noChangeAspect="1"/>
-          </p:cNvPicPr>
-          <p:nvPr/>
-        </p:nvPicPr>
-        <p:blipFill>
-          <a:blip r:embed="rId2"/>
-          <a:stretch>
-            <a:fillRect/>
-          </a:stretch>
-        </p:blipFill>
-        <p:spPr>
-          <a:xfrm>
-            <a:off x="1097349" y="905932"/>
-            <a:ext cx="10082485" cy="5066451"/>
-          </a:xfrm>
-          <a:prstGeom prst="rect">
-            <a:avLst/>
-          </a:prstGeom>
-        </p:spPr>
-      </p:pic>
-    </p:spTree>
-    <p:extLst>
-      <p:ext uri="{BB962C8B-B14F-4D97-AF65-F5344CB8AC3E}">
-        <p14:creationId xmlns:p14="http://schemas.microsoft.com/office/powerpoint/2010/main" val="470364536"/>
-      </p:ext>
-    </p:extLst>
-  </p:cSld>
-  <p:clrMapOvr>
-    <a:overrideClrMapping bg1="dk1" tx1="lt1" bg2="dk2" tx2="lt2" accent1="accent1" accent2="accent2" accent3="accent3" accent4="accent4" accent5="accent5" accent6="accent6" hlink="hlink" folHlink="folHlink"/>
-  </p:clrMapOvr>
-  <mc:AlternateContent xmlns:mc="http://schemas.openxmlformats.org/markup-compatibility/2006" xmlns:p14="http://schemas.microsoft.com/office/powerpoint/2010/main">
-    <mc:Choice Requires="p14">
-      <p:transition spd="slow" p14:dur="2000" advClick="0"/>
-    </mc:Choice>
-    <mc:Fallback xmlns="">
-      <p:transition spd="slow" advClick="0"/>
-    </mc:Fallback>
-  </mc:AlternateContent>
 </p:sld>
 </file>
 
@@ -19810,21 +21133,21 @@
 </file>
 
 <file path=customXml/item1.xml><?xml version="1.0" encoding="utf-8"?>
+<?mso-contentType ?>
+<FormTemplates xmlns="http://schemas.microsoft.com/sharepoint/v3/contenttype/forms">
+  <Display>DocumentLibraryForm</Display>
+  <Edit>DocumentLibraryForm</Edit>
+  <New>DocumentLibraryForm</New>
+</FormTemplates>
+</file>
+
+<file path=customXml/item2.xml><?xml version="1.0" encoding="utf-8"?>
 <p:properties xmlns:p="http://schemas.microsoft.com/office/2006/metadata/properties" xmlns:xsi="http://www.w3.org/2001/XMLSchema-instance" xmlns:pc="http://schemas.microsoft.com/office/infopath/2007/PartnerControls">
   <documentManagement>
     <Status xmlns="71af3243-3dd4-4a8d-8c0d-dd76da1f02a5">Not started</Status>
     <MediaServiceKeyPoints xmlns="71af3243-3dd4-4a8d-8c0d-dd76da1f02a5" xsi:nil="true"/>
   </documentManagement>
 </p:properties>
-</file>
-
-<file path=customXml/item2.xml><?xml version="1.0" encoding="utf-8"?>
-<?mso-contentType ?>
-<FormTemplates xmlns="http://schemas.microsoft.com/sharepoint/v3/contenttype/forms">
-  <Display>DocumentLibraryForm</Display>
-  <Edit>DocumentLibraryForm</Edit>
-  <New>DocumentLibraryForm</New>
-</FormTemplates>
 </file>
 
 <file path=customXml/item3.xml><?xml version="1.0" encoding="utf-8"?>
@@ -20049,19 +21372,19 @@
 </file>
 
 <file path=customXml/itemProps1.xml><?xml version="1.0" encoding="utf-8"?>
+<ds:datastoreItem xmlns:ds="http://schemas.openxmlformats.org/officeDocument/2006/customXml" ds:itemID="{AA3F7EDC-E5B4-4BBC-9D2A-CBE6D46C37AD}">
+  <ds:schemaRefs>
+    <ds:schemaRef ds:uri="http://schemas.microsoft.com/sharepoint/v3/contenttype/forms"/>
+  </ds:schemaRefs>
+</ds:datastoreItem>
+</file>
+
+<file path=customXml/itemProps2.xml><?xml version="1.0" encoding="utf-8"?>
 <ds:datastoreItem xmlns:ds="http://schemas.openxmlformats.org/officeDocument/2006/customXml" ds:itemID="{A03EEFF0-FB57-4CB4-8BFC-DF397689E2ED}">
   <ds:schemaRefs>
     <ds:schemaRef ds:uri="http://schemas.microsoft.com/office/2006/metadata/properties"/>
     <ds:schemaRef ds:uri="http://schemas.microsoft.com/office/infopath/2007/PartnerControls"/>
     <ds:schemaRef ds:uri="71af3243-3dd4-4a8d-8c0d-dd76da1f02a5"/>
-  </ds:schemaRefs>
-</ds:datastoreItem>
-</file>
-
-<file path=customXml/itemProps2.xml><?xml version="1.0" encoding="utf-8"?>
-<ds:datastoreItem xmlns:ds="http://schemas.openxmlformats.org/officeDocument/2006/customXml" ds:itemID="{AA3F7EDC-E5B4-4BBC-9D2A-CBE6D46C37AD}">
-  <ds:schemaRefs>
-    <ds:schemaRef ds:uri="http://schemas.microsoft.com/sharepoint/v3/contenttype/forms"/>
   </ds:schemaRefs>
 </ds:datastoreItem>
 </file>
